--- a/PPT/03- Angular Service.pptx
+++ b/PPT/03- Angular Service.pptx
@@ -5,7 +5,7 @@
     <p:sldMasterId id="2147483648" r:id="rId1"/>
   </p:sldMasterIdLst>
   <p:notesMasterIdLst>
-    <p:notesMasterId r:id="rId53"/>
+    <p:notesMasterId r:id="rId55"/>
   </p:notesMasterIdLst>
   <p:sldIdLst>
     <p:sldId id="256" r:id="rId2"/>
@@ -56,9 +56,11 @@
     <p:sldId id="439" r:id="rId47"/>
     <p:sldId id="441" r:id="rId48"/>
     <p:sldId id="440" r:id="rId49"/>
-    <p:sldId id="442" r:id="rId50"/>
-    <p:sldId id="292" r:id="rId51"/>
-    <p:sldId id="293" r:id="rId52"/>
+    <p:sldId id="453" r:id="rId50"/>
+    <p:sldId id="452" r:id="rId51"/>
+    <p:sldId id="442" r:id="rId52"/>
+    <p:sldId id="292" r:id="rId53"/>
+    <p:sldId id="293" r:id="rId54"/>
   </p:sldIdLst>
   <p:sldSz cx="10693400" cy="7562850"/>
   <p:notesSz cx="10693400" cy="7562850"/>
@@ -3162,7 +3164,46 @@
           </a:bodyPr>
           <a:lstStyle/>
           <a:p>
-            <a:endParaRPr/>
+            <a:r>
+              <a:rPr lang="en-GB" sz="1200" b="0" i="0" kern="1200" dirty="0">
+                <a:solidFill>
+                  <a:schemeClr val="tx1"/>
+                </a:solidFill>
+                <a:effectLst/>
+                <a:latin typeface="+mn-lt"/>
+                <a:ea typeface="+mn-ea"/>
+                <a:cs typeface="+mn-cs"/>
+              </a:rPr>
+              <a:t>The </a:t>
+            </a:r>
+            <a:r>
+              <a:rPr lang="en-GB" dirty="0"/>
+              <a:t>@</a:t>
+            </a:r>
+            <a:r>
+              <a:rPr lang="en-GB" u="none" strike="noStrike" dirty="0">
+                <a:effectLst/>
+                <a:hlinkClick r:id="rId3"/>
+              </a:rPr>
+              <a:t>Injectable</a:t>
+            </a:r>
+            <a:r>
+              <a:rPr lang="en-GB" dirty="0"/>
+              <a:t>()</a:t>
+            </a:r>
+            <a:r>
+              <a:rPr lang="en-GB" sz="1200" b="0" i="0" kern="1200" dirty="0">
+                <a:solidFill>
+                  <a:schemeClr val="tx1"/>
+                </a:solidFill>
+                <a:effectLst/>
+                <a:latin typeface="+mn-lt"/>
+                <a:ea typeface="+mn-ea"/>
+                <a:cs typeface="+mn-cs"/>
+              </a:rPr>
+              <a:t> decorator marks it as a service that can be injected</a:t>
+            </a:r>
+            <a:endParaRPr dirty="0"/>
           </a:p>
         </p:txBody>
       </p:sp>
@@ -4609,49 +4650,56 @@
             </a:pPr>
             <a:r>
               <a:rPr sz="4300" b="1" spc="-5" dirty="0">
-                <a:latin typeface="Arial"/>
-                <a:cs typeface="Arial"/>
+                <a:latin typeface="Verdana" panose="020B0604030504040204" pitchFamily="34" charset="0"/>
+                <a:ea typeface="Verdana" panose="020B0604030504040204" pitchFamily="34" charset="0"/>
+                <a:cs typeface="Verdana" panose="020B0604030504040204" pitchFamily="34" charset="0"/>
               </a:rPr>
               <a:t>Angula</a:t>
             </a:r>
             <a:r>
               <a:rPr sz="4300" b="1" dirty="0">
-                <a:latin typeface="Arial"/>
-                <a:cs typeface="Arial"/>
+                <a:latin typeface="Verdana" panose="020B0604030504040204" pitchFamily="34" charset="0"/>
+                <a:ea typeface="Verdana" panose="020B0604030504040204" pitchFamily="34" charset="0"/>
+                <a:cs typeface="Verdana" panose="020B0604030504040204" pitchFamily="34" charset="0"/>
               </a:rPr>
               <a:t>r</a:t>
             </a:r>
             <a:r>
               <a:rPr sz="4300" b="1" spc="-5" dirty="0">
-                <a:latin typeface="Arial"/>
-                <a:cs typeface="Arial"/>
+                <a:latin typeface="Verdana" panose="020B0604030504040204" pitchFamily="34" charset="0"/>
+                <a:ea typeface="Verdana" panose="020B0604030504040204" pitchFamily="34" charset="0"/>
+                <a:cs typeface="Verdana" panose="020B0604030504040204" pitchFamily="34" charset="0"/>
               </a:rPr>
               <a:t> </a:t>
             </a:r>
             <a:r>
               <a:rPr sz="4300" b="1" dirty="0">
-                <a:latin typeface="Arial"/>
-                <a:cs typeface="Arial"/>
+                <a:latin typeface="Verdana" panose="020B0604030504040204" pitchFamily="34" charset="0"/>
+                <a:ea typeface="Verdana" panose="020B0604030504040204" pitchFamily="34" charset="0"/>
+                <a:cs typeface="Verdana" panose="020B0604030504040204" pitchFamily="34" charset="0"/>
               </a:rPr>
               <a:t>-</a:t>
             </a:r>
             <a:r>
               <a:rPr sz="4300" b="1" spc="10" dirty="0">
-                <a:latin typeface="Arial"/>
-                <a:cs typeface="Arial"/>
+                <a:latin typeface="Verdana" panose="020B0604030504040204" pitchFamily="34" charset="0"/>
+                <a:ea typeface="Verdana" panose="020B0604030504040204" pitchFamily="34" charset="0"/>
+                <a:cs typeface="Verdana" panose="020B0604030504040204" pitchFamily="34" charset="0"/>
               </a:rPr>
               <a:t> </a:t>
             </a:r>
             <a:r>
               <a:rPr sz="4300" b="1" spc="-5" dirty="0">
-                <a:latin typeface="Arial"/>
-                <a:cs typeface="Arial"/>
+                <a:latin typeface="Verdana" panose="020B0604030504040204" pitchFamily="34" charset="0"/>
+                <a:ea typeface="Verdana" panose="020B0604030504040204" pitchFamily="34" charset="0"/>
+                <a:cs typeface="Verdana" panose="020B0604030504040204" pitchFamily="34" charset="0"/>
               </a:rPr>
               <a:t>Services</a:t>
             </a:r>
             <a:endParaRPr sz="4300" dirty="0">
-              <a:latin typeface="Arial"/>
-              <a:cs typeface="Arial"/>
+              <a:latin typeface="Verdana" panose="020B0604030504040204" pitchFamily="34" charset="0"/>
+              <a:ea typeface="Verdana" panose="020B0604030504040204" pitchFamily="34" charset="0"/>
+              <a:cs typeface="Verdana" panose="020B0604030504040204" pitchFamily="34" charset="0"/>
             </a:endParaRPr>
           </a:p>
         </p:txBody>
@@ -4684,36 +4732,41 @@
             </a:pPr>
             <a:r>
               <a:rPr sz="2600" spc="-20" dirty="0">
-                <a:latin typeface="Arial"/>
-                <a:cs typeface="Arial"/>
+                <a:latin typeface="Verdana" panose="020B0604030504040204" pitchFamily="34" charset="0"/>
+                <a:ea typeface="Verdana" panose="020B0604030504040204" pitchFamily="34" charset="0"/>
+                <a:cs typeface="Verdana" panose="020B0604030504040204" pitchFamily="34" charset="0"/>
               </a:rPr>
               <a:t>Pete</a:t>
             </a:r>
             <a:r>
               <a:rPr sz="2600" spc="-10" dirty="0">
-                <a:latin typeface="Arial"/>
-                <a:cs typeface="Arial"/>
+                <a:latin typeface="Verdana" panose="020B0604030504040204" pitchFamily="34" charset="0"/>
+                <a:ea typeface="Verdana" panose="020B0604030504040204" pitchFamily="34" charset="0"/>
+                <a:cs typeface="Verdana" panose="020B0604030504040204" pitchFamily="34" charset="0"/>
               </a:rPr>
               <a:t>r</a:t>
             </a:r>
             <a:r>
               <a:rPr sz="2600" spc="-5" dirty="0">
-                <a:latin typeface="Arial"/>
-                <a:cs typeface="Arial"/>
+                <a:latin typeface="Verdana" panose="020B0604030504040204" pitchFamily="34" charset="0"/>
+                <a:ea typeface="Verdana" panose="020B0604030504040204" pitchFamily="34" charset="0"/>
+                <a:cs typeface="Verdana" panose="020B0604030504040204" pitchFamily="34" charset="0"/>
               </a:rPr>
               <a:t> </a:t>
             </a:r>
             <a:r>
               <a:rPr lang="nl-NL" sz="2600" spc="-20" dirty="0">
-                <a:latin typeface="Arial"/>
-                <a:cs typeface="Arial"/>
+                <a:latin typeface="Verdana" panose="020B0604030504040204" pitchFamily="34" charset="0"/>
+                <a:ea typeface="Verdana" panose="020B0604030504040204" pitchFamily="34" charset="0"/>
+                <a:cs typeface="Verdana" panose="020B0604030504040204" pitchFamily="34" charset="0"/>
               </a:rPr>
               <a:t>Eijgermans</a:t>
             </a:r>
             <a:r>
               <a:rPr sz="2600" spc="-10" dirty="0">
-                <a:latin typeface="Arial"/>
-                <a:cs typeface="Arial"/>
+                <a:latin typeface="Verdana" panose="020B0604030504040204" pitchFamily="34" charset="0"/>
+                <a:ea typeface="Verdana" panose="020B0604030504040204" pitchFamily="34" charset="0"/>
+                <a:cs typeface="Verdana" panose="020B0604030504040204" pitchFamily="34" charset="0"/>
               </a:rPr>
               <a:t> </a:t>
             </a:r>
@@ -4722,8 +4775,9 @@
                 <a:solidFill>
                   <a:srgbClr val="FF0000"/>
                 </a:solidFill>
-                <a:latin typeface="Arial"/>
-                <a:cs typeface="Arial"/>
+                <a:latin typeface="Verdana" panose="020B0604030504040204" pitchFamily="34" charset="0"/>
+                <a:ea typeface="Verdana" panose="020B0604030504040204" pitchFamily="34" charset="0"/>
+                <a:cs typeface="Verdana" panose="020B0604030504040204" pitchFamily="34" charset="0"/>
                 <a:hlinkClick r:id="rId3"/>
               </a:rPr>
               <a:t>peter.eijgermans@</a:t>
@@ -4733,14 +4787,16 @@
                 <a:solidFill>
                   <a:srgbClr val="FF0000"/>
                 </a:solidFill>
-                <a:latin typeface="Arial"/>
-                <a:cs typeface="Arial"/>
+                <a:latin typeface="Verdana" panose="020B0604030504040204" pitchFamily="34" charset="0"/>
+                <a:ea typeface="Verdana" panose="020B0604030504040204" pitchFamily="34" charset="0"/>
+                <a:cs typeface="Verdana" panose="020B0604030504040204" pitchFamily="34" charset="0"/>
               </a:rPr>
               <a:t>ordina.nl</a:t>
             </a:r>
             <a:endParaRPr sz="2600" dirty="0">
-              <a:latin typeface="Arial"/>
-              <a:cs typeface="Arial"/>
+              <a:latin typeface="Verdana" panose="020B0604030504040204" pitchFamily="34" charset="0"/>
+              <a:ea typeface="Verdana" panose="020B0604030504040204" pitchFamily="34" charset="0"/>
+              <a:cs typeface="Verdana" panose="020B0604030504040204" pitchFamily="34" charset="0"/>
             </a:endParaRPr>
           </a:p>
         </p:txBody>
@@ -6684,7 +6740,7 @@
           </a:bodyPr>
           <a:lstStyle/>
           <a:p>
-            <a:pPr marL="12700">
+            <a:pPr marL="12700" algn="ctr">
               <a:lnSpc>
                 <a:spcPts val="3229"/>
               </a:lnSpc>
@@ -7372,6 +7428,10 @@
           </p:nvPr>
         </p:nvSpPr>
         <p:spPr>
+          <a:xfrm>
+            <a:off x="1266584" y="472182"/>
+            <a:ext cx="8160230" cy="423193"/>
+          </a:xfrm>
           <a:prstGeom prst="rect">
             <a:avLst/>
           </a:prstGeom>
@@ -7382,7 +7442,7 @@
           </a:bodyPr>
           <a:lstStyle/>
           <a:p>
-            <a:pPr marL="12700">
+            <a:pPr marL="12700" algn="ctr">
               <a:lnSpc>
                 <a:spcPct val="100000"/>
               </a:lnSpc>
@@ -8626,7 +8686,7 @@
               </a:rPr>
               <a:t>{</a:t>
             </a:r>
-            <a:endParaRPr sz="1700">
+            <a:endParaRPr sz="1700" dirty="0">
               <a:latin typeface="Consolas"/>
               <a:cs typeface="Consolas"/>
             </a:endParaRPr>
@@ -8647,7 +8707,7 @@
               </a:rPr>
               <a:t>}</a:t>
             </a:r>
-            <a:endParaRPr sz="1700">
+            <a:endParaRPr sz="1700" dirty="0">
               <a:latin typeface="Consolas"/>
               <a:cs typeface="Consolas"/>
             </a:endParaRPr>
@@ -8679,7 +8739,7 @@
           </a:bodyPr>
           <a:lstStyle/>
           <a:p>
-            <a:pPr marL="12700">
+            <a:pPr marL="12700" algn="ctr">
               <a:lnSpc>
                 <a:spcPct val="100000"/>
               </a:lnSpc>
@@ -8735,26 +8795,30 @@
               <a:t> </a:t>
             </a:r>
             <a:r>
-              <a:rPr spc="10" dirty="0"/>
-              <a:t>Servic</a:t>
-            </a:r>
-            <a:r>
-              <a:rPr spc="15" dirty="0"/>
+              <a:rPr lang="en-GB" spc="15" dirty="0">
+                <a:latin typeface="Times New Roman"/>
+                <a:cs typeface="Times New Roman"/>
+              </a:rPr>
+              <a:t>I</a:t>
+            </a:r>
+            <a:r>
+              <a:rPr lang="en-GB" spc="15" dirty="0"/>
+              <a:t>nject </a:t>
+            </a:r>
+            <a:r>
+              <a:rPr lang="en-GB" spc="10" dirty="0"/>
+              <a:t>s</a:t>
+            </a:r>
+            <a:r>
+              <a:rPr spc="10" dirty="0" err="1"/>
+              <a:t>ervic</a:t>
+            </a:r>
+            <a:r>
+              <a:rPr spc="15" dirty="0" err="1"/>
               <a:t>e</a:t>
             </a:r>
             <a:r>
               <a:rPr spc="275" dirty="0">
-                <a:latin typeface="Times New Roman"/>
-                <a:cs typeface="Times New Roman"/>
-              </a:rPr>
-              <a:t> </a:t>
-            </a:r>
-            <a:r>
-              <a:rPr spc="15" dirty="0"/>
-              <a:t>inject</a:t>
-            </a:r>
-            <a:r>
-              <a:rPr spc="250" dirty="0">
                 <a:latin typeface="Times New Roman"/>
                 <a:cs typeface="Times New Roman"/>
               </a:rPr>
@@ -9378,8 +9442,8 @@
         </p:nvSpPr>
         <p:spPr>
           <a:xfrm>
-            <a:off x="1266584" y="472182"/>
-            <a:ext cx="2994025" cy="379730"/>
+            <a:off x="3849687" y="581025"/>
+            <a:ext cx="2994025" cy="423193"/>
           </a:xfrm>
           <a:prstGeom prst="rect">
             <a:avLst/>
@@ -9391,7 +9455,7 @@
           </a:bodyPr>
           <a:lstStyle/>
           <a:p>
-            <a:pPr marL="12700">
+            <a:pPr marL="12700" algn="ctr">
               <a:lnSpc>
                 <a:spcPct val="100000"/>
               </a:lnSpc>
@@ -9431,7 +9495,7 @@
               </a:rPr>
               <a:t>ervices</a:t>
             </a:r>
-            <a:endParaRPr sz="2750">
+            <a:endParaRPr sz="2750" dirty="0">
               <a:latin typeface="Verdana"/>
               <a:cs typeface="Verdana"/>
             </a:endParaRPr>
@@ -9566,25 +9630,25 @@
               </a:tabLst>
             </a:pPr>
             <a:r>
+              <a:rPr sz="2800" dirty="0" err="1">
+                <a:latin typeface="Verdana"/>
+                <a:cs typeface="Verdana"/>
+              </a:rPr>
+              <a:t>Angula</a:t>
+            </a:r>
+            <a:r>
+              <a:rPr lang="nl-NL" sz="2800" dirty="0" err="1">
+                <a:latin typeface="Verdana"/>
+                <a:cs typeface="Verdana"/>
+              </a:rPr>
+              <a:t>rJs</a:t>
+            </a:r>
+            <a:r>
               <a:rPr sz="2800" dirty="0">
                 <a:latin typeface="Verdana"/>
                 <a:cs typeface="Verdana"/>
               </a:rPr>
-              <a:t>Angular</a:t>
-            </a:r>
-            <a:r>
-              <a:rPr sz="2800" spc="290" dirty="0">
-                <a:latin typeface="Times New Roman"/>
-                <a:cs typeface="Times New Roman"/>
-              </a:rPr>
-              <a:t> </a:t>
-            </a:r>
-            <a:r>
-              <a:rPr sz="2800" dirty="0">
-                <a:latin typeface="Verdana"/>
-                <a:cs typeface="Verdana"/>
-              </a:rPr>
-              <a:t>1:</a:t>
+              <a:t>:</a:t>
             </a:r>
             <a:r>
               <a:rPr sz="2800" spc="254" dirty="0">
@@ -9687,67 +9751,18 @@
               </a:lnSpc>
             </a:pPr>
             <a:r>
-              <a:rPr sz="2800" spc="-5" dirty="0">
+              <a:rPr lang="nl-NL" sz="2800" spc="-5" dirty="0" err="1">
                 <a:latin typeface="Verdana"/>
                 <a:cs typeface="Verdana"/>
               </a:rPr>
-              <a:t>Bo</a:t>
-            </a:r>
-            <a:r>
-              <a:rPr sz="2800" spc="-25" dirty="0">
+              <a:t>Use</a:t>
+            </a:r>
+            <a:r>
+              <a:rPr lang="nl-NL" sz="2800" spc="-5" dirty="0">
                 <a:latin typeface="Verdana"/>
                 <a:cs typeface="Verdana"/>
               </a:rPr>
-              <a:t>v</a:t>
-            </a:r>
-            <a:r>
-              <a:rPr sz="2800" dirty="0">
-                <a:latin typeface="Verdana"/>
-                <a:cs typeface="Verdana"/>
-              </a:rPr>
-              <a:t>e</a:t>
-            </a:r>
-            <a:r>
-              <a:rPr sz="2800" spc="-5" dirty="0">
-                <a:latin typeface="Verdana"/>
-                <a:cs typeface="Verdana"/>
-              </a:rPr>
-              <a:t>ndie</a:t>
-            </a:r>
-            <a:r>
-              <a:rPr sz="2800" dirty="0">
-                <a:latin typeface="Verdana"/>
-                <a:cs typeface="Verdana"/>
-              </a:rPr>
-              <a:t>n</a:t>
-            </a:r>
-            <a:r>
-              <a:rPr sz="2800" spc="290" dirty="0">
-                <a:latin typeface="Times New Roman"/>
-                <a:cs typeface="Times New Roman"/>
-              </a:rPr>
-              <a:t> </a:t>
-            </a:r>
-            <a:r>
-              <a:rPr sz="2800" spc="-5" dirty="0">
-                <a:latin typeface="Verdana"/>
-                <a:cs typeface="Verdana"/>
-              </a:rPr>
-              <a:t>i</a:t>
-            </a:r>
-            <a:r>
-              <a:rPr sz="2800" dirty="0">
-                <a:latin typeface="Verdana"/>
-                <a:cs typeface="Verdana"/>
-              </a:rPr>
-              <a:t>n</a:t>
-            </a:r>
-            <a:r>
-              <a:rPr sz="2800" spc="295" dirty="0">
-                <a:latin typeface="Times New Roman"/>
-                <a:cs typeface="Times New Roman"/>
-              </a:rPr>
-              <a:t> </a:t>
+              <a:t> in </a:t>
             </a:r>
             <a:r>
               <a:rPr sz="2800" dirty="0">
@@ -10321,8 +10336,8 @@
         </p:nvSpPr>
         <p:spPr>
           <a:xfrm>
-            <a:off x="2374900" y="1800225"/>
-            <a:ext cx="5654368" cy="523220"/>
+            <a:off x="1364335" y="1800225"/>
+            <a:ext cx="7675499" cy="523220"/>
           </a:xfrm>
           <a:prstGeom prst="rect">
             <a:avLst/>
@@ -10340,6 +10355,9 @@
                 <a:solidFill>
                   <a:srgbClr val="FF0000"/>
                 </a:solidFill>
+                <a:latin typeface="Verdana" panose="020B0604030504040204" pitchFamily="34" charset="0"/>
+                <a:ea typeface="Verdana" panose="020B0604030504040204" pitchFamily="34" charset="0"/>
+                <a:cs typeface="Verdana" panose="020B0604030504040204" pitchFamily="34" charset="0"/>
               </a:rPr>
               <a:t>Returns a stream of </a:t>
             </a:r>
@@ -10348,6 +10366,9 @@
                 <a:solidFill>
                   <a:srgbClr val="FF0000"/>
                 </a:solidFill>
+                <a:latin typeface="Verdana" panose="020B0604030504040204" pitchFamily="34" charset="0"/>
+                <a:ea typeface="Verdana" panose="020B0604030504040204" pitchFamily="34" charset="0"/>
+                <a:cs typeface="Verdana" panose="020B0604030504040204" pitchFamily="34" charset="0"/>
               </a:rPr>
               <a:t>values</a:t>
             </a:r>
@@ -10356,6 +10377,9 @@
                 <a:solidFill>
                   <a:srgbClr val="FF0000"/>
                 </a:solidFill>
+                <a:latin typeface="Verdana" panose="020B0604030504040204" pitchFamily="34" charset="0"/>
+                <a:ea typeface="Verdana" panose="020B0604030504040204" pitchFamily="34" charset="0"/>
+                <a:cs typeface="Verdana" panose="020B0604030504040204" pitchFamily="34" charset="0"/>
               </a:rPr>
               <a:t> over time</a:t>
             </a:r>
@@ -10441,7 +10465,7 @@
         <p:spPr>
           <a:xfrm>
             <a:off x="1469276" y="1781192"/>
-            <a:ext cx="6903084" cy="1259840"/>
+            <a:ext cx="6903084" cy="1932837"/>
           </a:xfrm>
           <a:prstGeom prst="rect">
             <a:avLst/>
@@ -10459,28 +10483,84 @@
               </a:lnSpc>
             </a:pPr>
             <a:r>
+              <a:rPr lang="nl-NL" sz="2150" dirty="0">
+                <a:latin typeface="Verdana"/>
+                <a:cs typeface="Verdana"/>
+              </a:rPr>
+              <a:t>Target</a:t>
+            </a:r>
+            <a:r>
+              <a:rPr sz="2150" spc="195" dirty="0">
+                <a:latin typeface="Times New Roman"/>
+                <a:cs typeface="Times New Roman"/>
+              </a:rPr>
+              <a:t> </a:t>
+            </a:r>
+            <a:r>
               <a:rPr sz="2150" dirty="0">
                 <a:latin typeface="Verdana"/>
                 <a:cs typeface="Verdana"/>
               </a:rPr>
-              <a:t>Doel</a:t>
-            </a:r>
-            <a:r>
-              <a:rPr sz="2150" spc="195" dirty="0">
-                <a:latin typeface="Times New Roman"/>
-                <a:cs typeface="Times New Roman"/>
-              </a:rPr>
-              <a:t> </a:t>
-            </a:r>
-            <a:r>
-              <a:rPr sz="2150" dirty="0">
+              <a:t>–</a:t>
+            </a:r>
+            <a:r>
+              <a:rPr sz="2150" spc="215" dirty="0">
+                <a:latin typeface="Times New Roman"/>
+                <a:cs typeface="Times New Roman"/>
+              </a:rPr>
+              <a:t> </a:t>
+            </a:r>
+            <a:r>
+              <a:rPr lang="nl-NL" sz="2150" spc="-5" dirty="0">
                 <a:latin typeface="Verdana"/>
                 <a:cs typeface="Verdana"/>
               </a:rPr>
-              <a:t>–</a:t>
-            </a:r>
-            <a:r>
-              <a:rPr sz="2150" spc="215" dirty="0">
+              <a:t>make data </a:t>
+            </a:r>
+            <a:r>
+              <a:rPr lang="nl-NL" sz="2150" spc="-5" dirty="0" err="1">
+                <a:latin typeface="Verdana"/>
+                <a:cs typeface="Verdana"/>
+              </a:rPr>
+              <a:t>functionality</a:t>
+            </a:r>
+            <a:r>
+              <a:rPr sz="2150" spc="195" dirty="0">
+                <a:latin typeface="Times New Roman"/>
+                <a:cs typeface="Times New Roman"/>
+              </a:rPr>
+              <a:t> </a:t>
+            </a:r>
+            <a:r>
+              <a:rPr lang="nl-NL" sz="2150" dirty="0" err="1">
+                <a:latin typeface="Verdana"/>
+                <a:cs typeface="Verdana"/>
+              </a:rPr>
+              <a:t>reusable</a:t>
+            </a:r>
+            <a:r>
+              <a:rPr sz="2150" spc="190" dirty="0">
+                <a:latin typeface="Times New Roman"/>
+                <a:cs typeface="Times New Roman"/>
+              </a:rPr>
+              <a:t> </a:t>
+            </a:r>
+            <a:r>
+              <a:rPr lang="nl-NL" sz="2150" dirty="0" err="1">
+                <a:latin typeface="Verdana"/>
+                <a:cs typeface="Verdana"/>
+              </a:rPr>
+              <a:t>for</a:t>
+            </a:r>
+            <a:r>
+              <a:rPr lang="nl-NL" sz="2150" dirty="0">
+                <a:latin typeface="Verdana"/>
+                <a:cs typeface="Verdana"/>
+              </a:rPr>
+              <a:t> different</a:t>
+            </a:r>
+            <a:r>
+              <a:rPr sz="2150" spc="185" dirty="0">
                 <a:latin typeface="Times New Roman"/>
                 <a:cs typeface="Times New Roman"/>
               </a:rPr>
@@ -10491,128 +10571,130 @@
                 <a:latin typeface="Verdana"/>
                 <a:cs typeface="Verdana"/>
               </a:rPr>
-              <a:t>d</a:t>
-            </a:r>
-            <a:r>
-              <a:rPr sz="2150" dirty="0">
+              <a:t>component</a:t>
+            </a:r>
+            <a:r>
+              <a:rPr lang="nl-NL" sz="2150" spc="-5" dirty="0">
                 <a:latin typeface="Verdana"/>
                 <a:cs typeface="Verdana"/>
               </a:rPr>
-              <a:t>atafunctionality</a:t>
-            </a:r>
-            <a:r>
-              <a:rPr sz="2150" spc="195" dirty="0">
-                <a:latin typeface="Times New Roman"/>
-                <a:cs typeface="Times New Roman"/>
-              </a:rPr>
-              <a:t> </a:t>
-            </a:r>
-            <a:r>
-              <a:rPr sz="2150" dirty="0">
+              <a:t>s:</a:t>
+            </a:r>
+            <a:endParaRPr sz="2150" dirty="0">
+              <a:latin typeface="Verdana"/>
+              <a:cs typeface="Verdana"/>
+            </a:endParaRPr>
+          </a:p>
+          <a:p>
+            <a:pPr marL="962025" indent="-283845">
+              <a:spcBef>
+                <a:spcPts val="1590"/>
+              </a:spcBef>
+              <a:buFont typeface="Wingdings"/>
+              <a:buChar char=""/>
+              <a:tabLst>
+                <a:tab pos="962660" algn="l"/>
+              </a:tabLst>
+            </a:pPr>
+            <a:r>
+              <a:rPr sz="1700" spc="10" dirty="0">
                 <a:latin typeface="Verdana"/>
                 <a:cs typeface="Verdana"/>
               </a:rPr>
-              <a:t>herbruikbaar</a:t>
-            </a:r>
-            <a:r>
-              <a:rPr sz="2150" spc="190" dirty="0">
-                <a:latin typeface="Times New Roman"/>
-                <a:cs typeface="Times New Roman"/>
-              </a:rPr>
-              <a:t> </a:t>
-            </a:r>
-            <a:r>
-              <a:rPr sz="2150" dirty="0">
+              <a:t>Data</a:t>
+            </a:r>
+            <a:r>
+              <a:rPr sz="1700" spc="175" dirty="0">
+                <a:latin typeface="Times New Roman"/>
+                <a:cs typeface="Times New Roman"/>
+              </a:rPr>
+              <a:t> </a:t>
+            </a:r>
+            <a:r>
+              <a:rPr sz="1700" spc="5" dirty="0">
                 <a:latin typeface="Verdana"/>
                 <a:cs typeface="Verdana"/>
               </a:rPr>
-              <a:t>ma</a:t>
-            </a:r>
-            <a:r>
-              <a:rPr sz="2150" spc="-25" dirty="0">
+              <a:t>retrie</a:t>
+            </a:r>
+            <a:r>
+              <a:rPr sz="1700" spc="-30" dirty="0">
                 <a:latin typeface="Verdana"/>
                 <a:cs typeface="Verdana"/>
               </a:rPr>
-              <a:t>k</a:t>
-            </a:r>
-            <a:r>
-              <a:rPr sz="2150" spc="-5" dirty="0">
+              <a:t>v</a:t>
+            </a:r>
+            <a:r>
+              <a:rPr sz="1700" spc="5" dirty="0">
                 <a:latin typeface="Verdana"/>
                 <a:cs typeface="Verdana"/>
               </a:rPr>
-              <a:t>e</a:t>
-            </a:r>
-            <a:r>
-              <a:rPr sz="2150" dirty="0">
+              <a:t>al</a:t>
+            </a:r>
+            <a:r>
+              <a:rPr lang="nl-NL" sz="1700" spc="5" dirty="0">
                 <a:latin typeface="Verdana"/>
                 <a:cs typeface="Verdana"/>
               </a:rPr>
-              <a:t>n</a:t>
-            </a:r>
-            <a:r>
-              <a:rPr sz="2150" spc="215" dirty="0">
-                <a:latin typeface="Times New Roman"/>
-                <a:cs typeface="Times New Roman"/>
-              </a:rPr>
-              <a:t> </a:t>
-            </a:r>
-            <a:r>
-              <a:rPr sz="2150" spc="-20" dirty="0">
+              <a:t>, </a:t>
+            </a:r>
+            <a:r>
+              <a:rPr lang="en-GB" sz="1700" spc="10" dirty="0">
                 <a:latin typeface="Verdana"/>
                 <a:cs typeface="Verdana"/>
               </a:rPr>
-              <a:t>v</a:t>
-            </a:r>
-            <a:r>
-              <a:rPr sz="2150" spc="-5" dirty="0">
+              <a:t>Data</a:t>
+            </a:r>
+            <a:r>
+              <a:rPr lang="en-GB" sz="1700" spc="175" dirty="0">
+                <a:latin typeface="Times New Roman"/>
+                <a:cs typeface="Times New Roman"/>
+              </a:rPr>
+              <a:t> </a:t>
+            </a:r>
+            <a:r>
+              <a:rPr lang="en-GB" sz="1700" dirty="0">
                 <a:latin typeface="Verdana"/>
                 <a:cs typeface="Verdana"/>
               </a:rPr>
-              <a:t>oor</a:t>
-            </a:r>
-            <a:r>
-              <a:rPr sz="2150" spc="-5" dirty="0">
-                <a:latin typeface="Times New Roman"/>
-                <a:cs typeface="Times New Roman"/>
-              </a:rPr>
-              <a:t> </a:t>
-            </a:r>
-            <a:r>
-              <a:rPr sz="2150" spc="-20" dirty="0">
+              <a:t>caching, </a:t>
+            </a:r>
+            <a:r>
+              <a:rPr lang="en-GB" sz="1700" spc="10" dirty="0">
                 <a:latin typeface="Verdana"/>
                 <a:cs typeface="Verdana"/>
               </a:rPr>
-              <a:t>v</a:t>
-            </a:r>
-            <a:r>
-              <a:rPr sz="2150" spc="-5" dirty="0">
+              <a:t>Data</a:t>
+            </a:r>
+            <a:r>
+              <a:rPr lang="en-GB" sz="1700" spc="175" dirty="0">
+                <a:latin typeface="Times New Roman"/>
+                <a:cs typeface="Times New Roman"/>
+              </a:rPr>
+              <a:t> </a:t>
+            </a:r>
+            <a:r>
+              <a:rPr lang="en-GB" sz="1700" spc="5" dirty="0">
                 <a:latin typeface="Verdana"/>
                 <a:cs typeface="Verdana"/>
               </a:rPr>
-              <a:t>e</a:t>
-            </a:r>
-            <a:r>
-              <a:rPr sz="2150" dirty="0">
+              <a:t>Sto</a:t>
+            </a:r>
+            <a:r>
+              <a:rPr lang="en-GB" sz="1700" spc="-30" dirty="0">
                 <a:latin typeface="Verdana"/>
                 <a:cs typeface="Verdana"/>
               </a:rPr>
-              <a:t>rschillende</a:t>
-            </a:r>
-            <a:r>
-              <a:rPr sz="2150" spc="185" dirty="0">
-                <a:latin typeface="Times New Roman"/>
-                <a:cs typeface="Times New Roman"/>
-              </a:rPr>
-              <a:t> </a:t>
-            </a:r>
-            <a:r>
-              <a:rPr sz="2150" spc="-5" dirty="0">
+              <a:t>r</a:t>
+            </a:r>
+            <a:r>
+              <a:rPr lang="en-GB" sz="1700" spc="5" dirty="0">
                 <a:latin typeface="Verdana"/>
                 <a:cs typeface="Verdana"/>
               </a:rPr>
-              <a:t>componenten</a:t>
-            </a:r>
-            <a:endParaRPr sz="2150">
+              <a:t>age</a:t>
+            </a:r>
+            <a:endParaRPr lang="en-GB" sz="1700" dirty="0">
               <a:latin typeface="Verdana"/>
               <a:cs typeface="Verdana"/>
             </a:endParaRPr>
@@ -10631,404 +10713,9 @@
                 <a:tab pos="962660" algn="l"/>
               </a:tabLst>
             </a:pPr>
-            <a:r>
-              <a:rPr sz="1700" spc="10" dirty="0">
-                <a:latin typeface="Verdana"/>
-                <a:cs typeface="Verdana"/>
-              </a:rPr>
-              <a:t>Data</a:t>
-            </a:r>
-            <a:r>
-              <a:rPr sz="1700" spc="175" dirty="0">
-                <a:latin typeface="Times New Roman"/>
-                <a:cs typeface="Times New Roman"/>
-              </a:rPr>
-              <a:t> </a:t>
-            </a:r>
-            <a:r>
-              <a:rPr sz="1700" spc="5" dirty="0">
-                <a:latin typeface="Verdana"/>
-                <a:cs typeface="Verdana"/>
-              </a:rPr>
-              <a:t>retrie</a:t>
-            </a:r>
-            <a:r>
-              <a:rPr sz="1700" spc="-30" dirty="0">
-                <a:latin typeface="Verdana"/>
-                <a:cs typeface="Verdana"/>
-              </a:rPr>
-              <a:t>v</a:t>
-            </a:r>
-            <a:r>
-              <a:rPr sz="1700" spc="5" dirty="0">
-                <a:latin typeface="Verdana"/>
-                <a:cs typeface="Verdana"/>
-              </a:rPr>
-              <a:t>al</a:t>
-            </a:r>
-            <a:endParaRPr sz="1700">
+            <a:endParaRPr sz="1700" dirty="0">
               <a:latin typeface="Verdana"/>
               <a:cs typeface="Verdana"/>
-            </a:endParaRPr>
-          </a:p>
-        </p:txBody>
-      </p:sp>
-      <p:sp>
-        <p:nvSpPr>
-          <p:cNvPr id="4" name="object 4"/>
-          <p:cNvSpPr txBox="1"/>
-          <p:nvPr/>
-        </p:nvSpPr>
-        <p:spPr>
-          <a:xfrm>
-            <a:off x="2135265" y="3239316"/>
-            <a:ext cx="1739264" cy="695960"/>
-          </a:xfrm>
-          <a:prstGeom prst="rect">
-            <a:avLst/>
-          </a:prstGeom>
-        </p:spPr>
-        <p:txBody>
-          <a:bodyPr vert="horz" wrap="square" lIns="0" tIns="0" rIns="0" bIns="0" rtlCol="0">
-            <a:spAutoFit/>
-          </a:bodyPr>
-          <a:lstStyle/>
-          <a:p>
-            <a:pPr marL="295910" indent="-283210">
-              <a:lnSpc>
-                <a:spcPct val="100000"/>
-              </a:lnSpc>
-              <a:buFont typeface="Wingdings"/>
-              <a:buChar char=""/>
-              <a:tabLst>
-                <a:tab pos="296545" algn="l"/>
-              </a:tabLst>
-            </a:pPr>
-            <a:r>
-              <a:rPr sz="1700" spc="10" dirty="0">
-                <a:latin typeface="Verdana"/>
-                <a:cs typeface="Verdana"/>
-              </a:rPr>
-              <a:t>Data</a:t>
-            </a:r>
-            <a:r>
-              <a:rPr sz="1700" spc="175" dirty="0">
-                <a:latin typeface="Times New Roman"/>
-                <a:cs typeface="Times New Roman"/>
-              </a:rPr>
-              <a:t> </a:t>
-            </a:r>
-            <a:r>
-              <a:rPr sz="1700" dirty="0">
-                <a:latin typeface="Verdana"/>
-                <a:cs typeface="Verdana"/>
-              </a:rPr>
-              <a:t>caching</a:t>
-            </a:r>
-            <a:endParaRPr sz="1700">
-              <a:latin typeface="Verdana"/>
-              <a:cs typeface="Verdana"/>
-            </a:endParaRPr>
-          </a:p>
-          <a:p>
-            <a:pPr marL="12700">
-              <a:lnSpc>
-                <a:spcPct val="100000"/>
-              </a:lnSpc>
-              <a:spcBef>
-                <a:spcPts val="1480"/>
-              </a:spcBef>
-            </a:pPr>
-            <a:r>
-              <a:rPr sz="1700" spc="5" dirty="0">
-                <a:latin typeface="Wingdings"/>
-                <a:cs typeface="Wingdings"/>
-              </a:rPr>
-              <a:t></a:t>
-            </a:r>
-            <a:endParaRPr sz="1700">
-              <a:latin typeface="Wingdings"/>
-              <a:cs typeface="Wingdings"/>
-            </a:endParaRPr>
-          </a:p>
-        </p:txBody>
-      </p:sp>
-      <p:sp>
-        <p:nvSpPr>
-          <p:cNvPr id="5" name="object 5"/>
-          <p:cNvSpPr txBox="1"/>
-          <p:nvPr/>
-        </p:nvSpPr>
-        <p:spPr>
-          <a:xfrm>
-            <a:off x="2135265" y="3686610"/>
-            <a:ext cx="1844675" cy="695960"/>
-          </a:xfrm>
-          <a:prstGeom prst="rect">
-            <a:avLst/>
-          </a:prstGeom>
-        </p:spPr>
-        <p:txBody>
-          <a:bodyPr vert="horz" wrap="square" lIns="0" tIns="0" rIns="0" bIns="0" rtlCol="0">
-            <a:spAutoFit/>
-          </a:bodyPr>
-          <a:lstStyle/>
-          <a:p>
-            <a:pPr marL="295910">
-              <a:lnSpc>
-                <a:spcPct val="100000"/>
-              </a:lnSpc>
-            </a:pPr>
-            <a:r>
-              <a:rPr sz="1700" spc="10" dirty="0">
-                <a:latin typeface="Verdana"/>
-                <a:cs typeface="Verdana"/>
-              </a:rPr>
-              <a:t>Data</a:t>
-            </a:r>
-            <a:r>
-              <a:rPr sz="1700" spc="175" dirty="0">
-                <a:latin typeface="Times New Roman"/>
-                <a:cs typeface="Times New Roman"/>
-              </a:rPr>
-              <a:t> </a:t>
-            </a:r>
-            <a:r>
-              <a:rPr sz="1700" spc="5" dirty="0">
-                <a:latin typeface="Verdana"/>
-                <a:cs typeface="Verdana"/>
-              </a:rPr>
-              <a:t>Sto</a:t>
-            </a:r>
-            <a:r>
-              <a:rPr sz="1700" spc="-30" dirty="0">
-                <a:latin typeface="Verdana"/>
-                <a:cs typeface="Verdana"/>
-              </a:rPr>
-              <a:t>r</a:t>
-            </a:r>
-            <a:r>
-              <a:rPr sz="1700" spc="5" dirty="0">
-                <a:latin typeface="Verdana"/>
-                <a:cs typeface="Verdana"/>
-              </a:rPr>
-              <a:t>age,</a:t>
-            </a:r>
-            <a:endParaRPr sz="1700">
-              <a:latin typeface="Verdana"/>
-              <a:cs typeface="Verdana"/>
-            </a:endParaRPr>
-          </a:p>
-          <a:p>
-            <a:pPr marL="12700">
-              <a:lnSpc>
-                <a:spcPct val="100000"/>
-              </a:lnSpc>
-              <a:spcBef>
-                <a:spcPts val="1480"/>
-              </a:spcBef>
-              <a:tabLst>
-                <a:tab pos="295910" algn="l"/>
-              </a:tabLst>
-            </a:pPr>
-            <a:r>
-              <a:rPr sz="1700" spc="5" dirty="0">
-                <a:latin typeface="Wingdings"/>
-                <a:cs typeface="Wingdings"/>
-              </a:rPr>
-              <a:t></a:t>
-            </a:r>
-            <a:r>
-              <a:rPr sz="1700" spc="5" dirty="0">
-                <a:latin typeface="Times New Roman"/>
-                <a:cs typeface="Times New Roman"/>
-              </a:rPr>
-              <a:t>	</a:t>
-            </a:r>
-            <a:r>
-              <a:rPr sz="1700" spc="10" dirty="0">
-                <a:latin typeface="Verdana"/>
-                <a:cs typeface="Verdana"/>
-              </a:rPr>
-              <a:t>…</a:t>
-            </a:r>
-            <a:endParaRPr sz="1700">
-              <a:latin typeface="Verdana"/>
-              <a:cs typeface="Verdana"/>
-            </a:endParaRPr>
-          </a:p>
-        </p:txBody>
-      </p:sp>
-      <p:sp>
-        <p:nvSpPr>
-          <p:cNvPr id="6" name="object 6"/>
-          <p:cNvSpPr txBox="1"/>
-          <p:nvPr/>
-        </p:nvSpPr>
-        <p:spPr>
-          <a:xfrm>
-            <a:off x="1469276" y="5069987"/>
-            <a:ext cx="5196840" cy="797654"/>
-          </a:xfrm>
-          <a:prstGeom prst="rect">
-            <a:avLst/>
-          </a:prstGeom>
-        </p:spPr>
-        <p:txBody>
-          <a:bodyPr vert="horz" wrap="square" lIns="0" tIns="0" rIns="0" bIns="0" rtlCol="0">
-            <a:spAutoFit/>
-          </a:bodyPr>
-          <a:lstStyle/>
-          <a:p>
-            <a:pPr marL="353695" indent="-340995">
-              <a:lnSpc>
-                <a:spcPct val="100000"/>
-              </a:lnSpc>
-              <a:buFont typeface="Verdana"/>
-              <a:buChar char="•"/>
-              <a:tabLst>
-                <a:tab pos="354330" algn="l"/>
-              </a:tabLst>
-            </a:pPr>
-            <a:r>
-              <a:rPr sz="2150" dirty="0">
-                <a:latin typeface="Verdana"/>
-                <a:cs typeface="Verdana"/>
-              </a:rPr>
-              <a:t>Angular:</a:t>
-            </a:r>
-            <a:r>
-              <a:rPr sz="2150" spc="220" dirty="0">
-                <a:latin typeface="Times New Roman"/>
-                <a:cs typeface="Times New Roman"/>
-              </a:rPr>
-              <a:t> </a:t>
-            </a:r>
-            <a:r>
-              <a:rPr sz="2150" dirty="0">
-                <a:latin typeface="Verdana"/>
-                <a:cs typeface="Verdana"/>
-              </a:rPr>
-              <a:t>één</a:t>
-            </a:r>
-            <a:r>
-              <a:rPr sz="2150" spc="204" dirty="0">
-                <a:latin typeface="Times New Roman"/>
-                <a:cs typeface="Times New Roman"/>
-              </a:rPr>
-              <a:t> </a:t>
-            </a:r>
-            <a:r>
-              <a:rPr sz="2150" spc="-5" dirty="0">
-                <a:latin typeface="Verdana"/>
-                <a:cs typeface="Verdana"/>
-              </a:rPr>
-              <a:t>optie</a:t>
-            </a:r>
-            <a:endParaRPr sz="2150" dirty="0">
-              <a:latin typeface="Verdana"/>
-              <a:cs typeface="Verdana"/>
-            </a:endParaRPr>
-          </a:p>
-          <a:p>
-            <a:pPr marL="962025" lvl="1" indent="-283845">
-              <a:lnSpc>
-                <a:spcPct val="100000"/>
-              </a:lnSpc>
-              <a:spcBef>
-                <a:spcPts val="1560"/>
-              </a:spcBef>
-              <a:buFont typeface="Wingdings"/>
-              <a:buChar char=""/>
-              <a:tabLst>
-                <a:tab pos="962660" algn="l"/>
-                <a:tab pos="1885314" algn="l"/>
-                <a:tab pos="2677160" algn="l"/>
-                <a:tab pos="4524375" algn="l"/>
-                <a:tab pos="4787900" algn="l"/>
-                <a:tab pos="5052060" algn="l"/>
-              </a:tabLst>
-            </a:pPr>
-            <a:r>
-              <a:rPr sz="1700" spc="10" dirty="0">
-                <a:latin typeface="Courier New"/>
-                <a:cs typeface="Courier New"/>
-              </a:rPr>
-              <a:t>export</a:t>
-            </a:r>
-            <a:r>
-              <a:rPr sz="1700" spc="10" dirty="0">
-                <a:latin typeface="Times New Roman"/>
-                <a:cs typeface="Times New Roman"/>
-              </a:rPr>
-              <a:t>	</a:t>
-            </a:r>
-            <a:r>
-              <a:rPr sz="1700" spc="10" dirty="0">
-                <a:latin typeface="Courier New"/>
-                <a:cs typeface="Courier New"/>
-              </a:rPr>
-              <a:t>class</a:t>
-            </a:r>
-            <a:r>
-              <a:rPr sz="1700" spc="10" dirty="0">
-                <a:latin typeface="Times New Roman"/>
-                <a:cs typeface="Times New Roman"/>
-              </a:rPr>
-              <a:t>	</a:t>
-            </a:r>
-            <a:r>
-              <a:rPr sz="1700" spc="10" dirty="0">
-                <a:latin typeface="Courier New"/>
-                <a:cs typeface="Courier New"/>
-              </a:rPr>
-              <a:t>myDataService</a:t>
-            </a:r>
-            <a:r>
-              <a:rPr sz="1700" spc="10" dirty="0">
-                <a:latin typeface="Times New Roman"/>
-                <a:cs typeface="Times New Roman"/>
-              </a:rPr>
-              <a:t>	</a:t>
-            </a:r>
-            <a:r>
-              <a:rPr sz="1700" spc="10" dirty="0">
-                <a:latin typeface="Courier New"/>
-                <a:cs typeface="Courier New"/>
-              </a:rPr>
-              <a:t>{</a:t>
-            </a:r>
-            <a:r>
-              <a:rPr sz="1700" spc="10" dirty="0">
-                <a:latin typeface="Times New Roman"/>
-                <a:cs typeface="Times New Roman"/>
-              </a:rPr>
-              <a:t>	</a:t>
-            </a:r>
-            <a:r>
-              <a:rPr sz="1700" spc="10" dirty="0">
-                <a:latin typeface="Courier New"/>
-                <a:cs typeface="Courier New"/>
-              </a:rPr>
-              <a:t>…</a:t>
-            </a:r>
-            <a:r>
-              <a:rPr sz="1700" spc="10" dirty="0">
-                <a:latin typeface="Times New Roman"/>
-                <a:cs typeface="Times New Roman"/>
-              </a:rPr>
-              <a:t>	</a:t>
-            </a:r>
-            <a:r>
-              <a:rPr sz="1700" spc="10" dirty="0">
-                <a:latin typeface="Courier New"/>
-                <a:cs typeface="Courier New"/>
-              </a:rPr>
-              <a:t>}</a:t>
-            </a:r>
-            <a:endParaRPr sz="1700" dirty="0">
-              <a:latin typeface="Courier New"/>
-              <a:cs typeface="Courier New"/>
             </a:endParaRPr>
           </a:p>
         </p:txBody>
@@ -11173,7 +10860,7 @@
         <p:spPr>
           <a:xfrm>
             <a:off x="1605951" y="2256780"/>
-            <a:ext cx="7481499" cy="6489662"/>
+            <a:ext cx="7481499" cy="4565352"/>
           </a:xfrm>
           <a:prstGeom prst="rect">
             <a:avLst/>
@@ -11186,229 +10873,341 @@
           <a:lstStyle/>
           <a:p>
             <a:pPr algn="ctr"/>
-            <a:endParaRPr lang="nl-NL" sz="2105" dirty="0"/>
+            <a:endParaRPr lang="nl-NL" sz="1400" dirty="0">
+              <a:latin typeface="Verdana" panose="020B0604030504040204" pitchFamily="34" charset="0"/>
+              <a:ea typeface="Verdana" panose="020B0604030504040204" pitchFamily="34" charset="0"/>
+              <a:cs typeface="Verdana" panose="020B0604030504040204" pitchFamily="34" charset="0"/>
+            </a:endParaRPr>
           </a:p>
           <a:p>
             <a:pPr algn="ctr"/>
             <a:r>
-              <a:rPr lang="nl-NL" sz="2105" b="1" dirty="0" err="1"/>
+              <a:rPr lang="nl-NL" sz="1400" b="1" dirty="0" err="1">
+                <a:latin typeface="Verdana" panose="020B0604030504040204" pitchFamily="34" charset="0"/>
+                <a:ea typeface="Verdana" panose="020B0604030504040204" pitchFamily="34" charset="0"/>
+                <a:cs typeface="Verdana" panose="020B0604030504040204" pitchFamily="34" charset="0"/>
+              </a:rPr>
               <a:t>Cancelable</a:t>
             </a:r>
-            <a:endParaRPr lang="nl-NL" sz="2105" b="1" dirty="0"/>
+            <a:endParaRPr lang="nl-NL" sz="1400" b="1" dirty="0">
+              <a:latin typeface="Verdana" panose="020B0604030504040204" pitchFamily="34" charset="0"/>
+              <a:ea typeface="Verdana" panose="020B0604030504040204" pitchFamily="34" charset="0"/>
+              <a:cs typeface="Verdana" panose="020B0604030504040204" pitchFamily="34" charset="0"/>
+            </a:endParaRPr>
           </a:p>
           <a:p>
             <a:pPr algn="ctr"/>
-            <a:endParaRPr lang="nl-NL" sz="2105" b="1" dirty="0"/>
+            <a:endParaRPr lang="nl-NL" sz="1400" b="1" dirty="0">
+              <a:latin typeface="Verdana" panose="020B0604030504040204" pitchFamily="34" charset="0"/>
+              <a:ea typeface="Verdana" panose="020B0604030504040204" pitchFamily="34" charset="0"/>
+              <a:cs typeface="Verdana" panose="020B0604030504040204" pitchFamily="34" charset="0"/>
+            </a:endParaRPr>
           </a:p>
           <a:p>
             <a:pPr algn="ctr"/>
             <a:r>
-              <a:rPr lang="nl-NL" sz="2105" b="1" dirty="0">
+              <a:rPr lang="nl-NL" sz="1400" b="1" dirty="0">
                 <a:solidFill>
                   <a:srgbClr val="FF0000"/>
                 </a:solidFill>
+                <a:latin typeface="Verdana" panose="020B0604030504040204" pitchFamily="34" charset="0"/>
+                <a:ea typeface="Verdana" panose="020B0604030504040204" pitchFamily="34" charset="0"/>
+                <a:cs typeface="Verdana" panose="020B0604030504040204" pitchFamily="34" charset="0"/>
               </a:rPr>
               <a:t>Returns a stream of </a:t>
             </a:r>
             <a:r>
-              <a:rPr lang="nl-NL" sz="2105" b="1" dirty="0" err="1">
+              <a:rPr lang="nl-NL" sz="1400" b="1" dirty="0" err="1">
                 <a:solidFill>
                   <a:srgbClr val="FF0000"/>
                 </a:solidFill>
+                <a:latin typeface="Verdana" panose="020B0604030504040204" pitchFamily="34" charset="0"/>
+                <a:ea typeface="Verdana" panose="020B0604030504040204" pitchFamily="34" charset="0"/>
+                <a:cs typeface="Verdana" panose="020B0604030504040204" pitchFamily="34" charset="0"/>
               </a:rPr>
               <a:t>values</a:t>
             </a:r>
             <a:r>
-              <a:rPr lang="nl-NL" sz="2105" b="1" dirty="0">
+              <a:rPr lang="nl-NL" sz="1400" b="1" dirty="0">
                 <a:solidFill>
                   <a:srgbClr val="FF0000"/>
                 </a:solidFill>
+                <a:latin typeface="Verdana" panose="020B0604030504040204" pitchFamily="34" charset="0"/>
+                <a:ea typeface="Verdana" panose="020B0604030504040204" pitchFamily="34" charset="0"/>
+                <a:cs typeface="Verdana" panose="020B0604030504040204" pitchFamily="34" charset="0"/>
               </a:rPr>
               <a:t> over time</a:t>
             </a:r>
           </a:p>
           <a:p>
             <a:pPr algn="ctr"/>
-            <a:endParaRPr lang="nl-NL" sz="2105" b="1" dirty="0">
+            <a:endParaRPr lang="nl-NL" sz="1400" b="1" dirty="0">
               <a:solidFill>
                 <a:srgbClr val="FF0000"/>
               </a:solidFill>
+              <a:latin typeface="Verdana" panose="020B0604030504040204" pitchFamily="34" charset="0"/>
+              <a:ea typeface="Verdana" panose="020B0604030504040204" pitchFamily="34" charset="0"/>
+              <a:cs typeface="Verdana" panose="020B0604030504040204" pitchFamily="34" charset="0"/>
             </a:endParaRPr>
           </a:p>
           <a:p>
             <a:pPr algn="ctr"/>
             <a:r>
-              <a:rPr lang="nl-NL" sz="2105" b="1" dirty="0" err="1">
+              <a:rPr lang="nl-NL" sz="1400" b="1" dirty="0" err="1">
                 <a:solidFill>
                   <a:schemeClr val="accent2"/>
                 </a:solidFill>
+                <a:latin typeface="Verdana" panose="020B0604030504040204" pitchFamily="34" charset="0"/>
+                <a:ea typeface="Verdana" panose="020B0604030504040204" pitchFamily="34" charset="0"/>
+                <a:cs typeface="Verdana" panose="020B0604030504040204" pitchFamily="34" charset="0"/>
               </a:rPr>
               <a:t>Lazy</a:t>
             </a:r>
-            <a:endParaRPr lang="nl-NL" sz="2105" b="1" dirty="0">
+            <a:endParaRPr lang="nl-NL" sz="1400" b="1" dirty="0">
               <a:solidFill>
                 <a:schemeClr val="accent2"/>
               </a:solidFill>
+              <a:latin typeface="Verdana" panose="020B0604030504040204" pitchFamily="34" charset="0"/>
+              <a:ea typeface="Verdana" panose="020B0604030504040204" pitchFamily="34" charset="0"/>
+              <a:cs typeface="Verdana" panose="020B0604030504040204" pitchFamily="34" charset="0"/>
             </a:endParaRPr>
           </a:p>
           <a:p>
             <a:pPr algn="ctr"/>
-            <a:endParaRPr lang="nl-NL" sz="2105" b="1" dirty="0"/>
+            <a:endParaRPr lang="nl-NL" sz="1400" b="1" dirty="0">
+              <a:latin typeface="Verdana" panose="020B0604030504040204" pitchFamily="34" charset="0"/>
+              <a:ea typeface="Verdana" panose="020B0604030504040204" pitchFamily="34" charset="0"/>
+              <a:cs typeface="Verdana" panose="020B0604030504040204" pitchFamily="34" charset="0"/>
+            </a:endParaRPr>
           </a:p>
           <a:p>
             <a:pPr algn="ctr"/>
             <a:r>
-              <a:rPr lang="nl-NL" sz="3200" b="1" i="1" dirty="0" err="1">
+              <a:rPr lang="nl-NL" sz="1400" b="1" i="1" dirty="0" err="1">
                 <a:solidFill>
                   <a:srgbClr val="C00000"/>
                 </a:solidFill>
+                <a:latin typeface="Verdana" panose="020B0604030504040204" pitchFamily="34" charset="0"/>
+                <a:ea typeface="Verdana" panose="020B0604030504040204" pitchFamily="34" charset="0"/>
+                <a:cs typeface="Verdana" panose="020B0604030504040204" pitchFamily="34" charset="0"/>
               </a:rPr>
               <a:t>Subscribe</a:t>
             </a:r>
             <a:r>
-              <a:rPr lang="nl-NL" sz="2105" b="1" dirty="0">
+              <a:rPr lang="nl-NL" sz="1400" b="1" dirty="0">
                 <a:solidFill>
                   <a:schemeClr val="accent4">
                     <a:lumMod val="75000"/>
                   </a:schemeClr>
                 </a:solidFill>
-              </a:rPr>
-              <a:t> </a:t>
-            </a:r>
-            <a:r>
-              <a:rPr lang="nl-NL" sz="2105" b="1" dirty="0" err="1">
+                <a:latin typeface="Verdana" panose="020B0604030504040204" pitchFamily="34" charset="0"/>
+                <a:ea typeface="Verdana" panose="020B0604030504040204" pitchFamily="34" charset="0"/>
+                <a:cs typeface="Verdana" panose="020B0604030504040204" pitchFamily="34" charset="0"/>
+              </a:rPr>
+              <a:t> </a:t>
+            </a:r>
+            <a:r>
+              <a:rPr lang="nl-NL" sz="1400" b="1" dirty="0" err="1">
                 <a:solidFill>
                   <a:schemeClr val="accent4">
                     <a:lumMod val="75000"/>
                   </a:schemeClr>
                 </a:solidFill>
+                <a:latin typeface="Verdana" panose="020B0604030504040204" pitchFamily="34" charset="0"/>
+                <a:ea typeface="Verdana" panose="020B0604030504040204" pitchFamily="34" charset="0"/>
+                <a:cs typeface="Verdana" panose="020B0604030504040204" pitchFamily="34" charset="0"/>
               </a:rPr>
               <a:t>to</a:t>
             </a:r>
             <a:r>
-              <a:rPr lang="nl-NL" sz="2105" b="1" dirty="0">
+              <a:rPr lang="nl-NL" sz="1400" b="1" dirty="0">
                 <a:solidFill>
                   <a:schemeClr val="accent4">
                     <a:lumMod val="75000"/>
                   </a:schemeClr>
                 </a:solidFill>
-              </a:rPr>
-              <a:t> </a:t>
-            </a:r>
-            <a:r>
-              <a:rPr lang="nl-NL" sz="2105" b="1" dirty="0" err="1">
+                <a:latin typeface="Verdana" panose="020B0604030504040204" pitchFamily="34" charset="0"/>
+                <a:ea typeface="Verdana" panose="020B0604030504040204" pitchFamily="34" charset="0"/>
+                <a:cs typeface="Verdana" panose="020B0604030504040204" pitchFamily="34" charset="0"/>
+              </a:rPr>
+              <a:t> </a:t>
+            </a:r>
+            <a:r>
+              <a:rPr lang="nl-NL" sz="1400" b="1" dirty="0" err="1">
                 <a:solidFill>
                   <a:schemeClr val="accent4">
                     <a:lumMod val="75000"/>
                   </a:schemeClr>
                 </a:solidFill>
+                <a:latin typeface="Verdana" panose="020B0604030504040204" pitchFamily="34" charset="0"/>
+                <a:ea typeface="Verdana" panose="020B0604030504040204" pitchFamily="34" charset="0"/>
+                <a:cs typeface="Verdana" panose="020B0604030504040204" pitchFamily="34" charset="0"/>
               </a:rPr>
               <a:t>the</a:t>
             </a:r>
             <a:r>
-              <a:rPr lang="nl-NL" sz="2105" b="1" dirty="0">
+              <a:rPr lang="nl-NL" sz="1400" b="1" dirty="0">
                 <a:solidFill>
                   <a:schemeClr val="accent4">
                     <a:lumMod val="75000"/>
                   </a:schemeClr>
                 </a:solidFill>
+                <a:latin typeface="Verdana" panose="020B0604030504040204" pitchFamily="34" charset="0"/>
+                <a:ea typeface="Verdana" panose="020B0604030504040204" pitchFamily="34" charset="0"/>
+                <a:cs typeface="Verdana" panose="020B0604030504040204" pitchFamily="34" charset="0"/>
               </a:rPr>
               <a:t> stream (push </a:t>
             </a:r>
             <a:r>
-              <a:rPr lang="nl-NL" sz="2105" b="1" dirty="0" err="1">
+              <a:rPr lang="nl-NL" sz="1400" b="1" dirty="0" err="1">
                 <a:solidFill>
                   <a:schemeClr val="accent4">
                     <a:lumMod val="75000"/>
                   </a:schemeClr>
                 </a:solidFill>
+                <a:latin typeface="Verdana" panose="020B0604030504040204" pitchFamily="34" charset="0"/>
+                <a:ea typeface="Verdana" panose="020B0604030504040204" pitchFamily="34" charset="0"/>
+                <a:cs typeface="Verdana" panose="020B0604030504040204" pitchFamily="34" charset="0"/>
               </a:rPr>
               <a:t>mechanism</a:t>
             </a:r>
             <a:r>
-              <a:rPr lang="nl-NL" sz="2105" b="1" dirty="0">
+              <a:rPr lang="nl-NL" sz="1400" b="1" dirty="0">
                 <a:solidFill>
                   <a:schemeClr val="accent4">
                     <a:lumMod val="75000"/>
                   </a:schemeClr>
                 </a:solidFill>
+                <a:latin typeface="Verdana" panose="020B0604030504040204" pitchFamily="34" charset="0"/>
+                <a:ea typeface="Verdana" panose="020B0604030504040204" pitchFamily="34" charset="0"/>
+                <a:cs typeface="Verdana" panose="020B0604030504040204" pitchFamily="34" charset="0"/>
               </a:rPr>
               <a:t>)</a:t>
             </a:r>
           </a:p>
           <a:p>
             <a:pPr algn="ctr"/>
-            <a:endParaRPr lang="nl-NL" sz="2105" b="1" dirty="0"/>
+            <a:endParaRPr lang="nl-NL" sz="1400" b="1" dirty="0">
+              <a:latin typeface="Verdana" panose="020B0604030504040204" pitchFamily="34" charset="0"/>
+              <a:ea typeface="Verdana" panose="020B0604030504040204" pitchFamily="34" charset="0"/>
+              <a:cs typeface="Verdana" panose="020B0604030504040204" pitchFamily="34" charset="0"/>
+            </a:endParaRPr>
           </a:p>
           <a:p>
             <a:pPr algn="ctr"/>
             <a:r>
-              <a:rPr lang="nl-NL" sz="2105" b="1" dirty="0">
+              <a:rPr lang="nl-NL" sz="1400" b="1" dirty="0">
                 <a:solidFill>
                   <a:schemeClr val="accent2"/>
                 </a:solidFill>
+                <a:latin typeface="Verdana" panose="020B0604030504040204" pitchFamily="34" charset="0"/>
+                <a:ea typeface="Verdana" panose="020B0604030504040204" pitchFamily="34" charset="0"/>
+                <a:cs typeface="Verdana" panose="020B0604030504040204" pitchFamily="34" charset="0"/>
               </a:rPr>
               <a:t>Array-</a:t>
             </a:r>
             <a:r>
-              <a:rPr lang="nl-NL" sz="2105" b="1" dirty="0" err="1">
+              <a:rPr lang="nl-NL" sz="1400" b="1" dirty="0" err="1">
                 <a:solidFill>
                   <a:schemeClr val="accent2"/>
                 </a:solidFill>
+                <a:latin typeface="Verdana" panose="020B0604030504040204" pitchFamily="34" charset="0"/>
+                <a:ea typeface="Verdana" panose="020B0604030504040204" pitchFamily="34" charset="0"/>
+                <a:cs typeface="Verdana" panose="020B0604030504040204" pitchFamily="34" charset="0"/>
               </a:rPr>
               <a:t>methods</a:t>
             </a:r>
             <a:r>
-              <a:rPr lang="nl-NL" sz="2105" b="1" dirty="0">
+              <a:rPr lang="nl-NL" sz="1400" b="1" dirty="0">
                 <a:solidFill>
                   <a:schemeClr val="accent2"/>
                 </a:solidFill>
+                <a:latin typeface="Verdana" panose="020B0604030504040204" pitchFamily="34" charset="0"/>
+                <a:ea typeface="Verdana" panose="020B0604030504040204" pitchFamily="34" charset="0"/>
+                <a:cs typeface="Verdana" panose="020B0604030504040204" pitchFamily="34" charset="0"/>
               </a:rPr>
               <a:t> on stream </a:t>
             </a:r>
             <a:r>
-              <a:rPr lang="nl-NL" sz="2105" b="1" dirty="0">
+              <a:rPr lang="nl-NL" sz="1400" b="1" dirty="0">
+                <a:latin typeface="Verdana" panose="020B0604030504040204" pitchFamily="34" charset="0"/>
+                <a:ea typeface="Verdana" panose="020B0604030504040204" pitchFamily="34" charset="0"/>
+                <a:cs typeface="Verdana" panose="020B0604030504040204" pitchFamily="34" charset="0"/>
                 <a:sym typeface="Wingdings"/>
               </a:rPr>
               <a:t> map(), filter(), </a:t>
             </a:r>
             <a:r>
-              <a:rPr lang="nl-NL" sz="2105" b="1" dirty="0" err="1">
+              <a:rPr lang="nl-NL" sz="1400" b="1" dirty="0" err="1">
+                <a:latin typeface="Verdana" panose="020B0604030504040204" pitchFamily="34" charset="0"/>
+                <a:ea typeface="Verdana" panose="020B0604030504040204" pitchFamily="34" charset="0"/>
+                <a:cs typeface="Verdana" panose="020B0604030504040204" pitchFamily="34" charset="0"/>
                 <a:sym typeface="Wingdings"/>
               </a:rPr>
               <a:t>reduce</a:t>
             </a:r>
             <a:r>
-              <a:rPr lang="nl-NL" sz="2105" b="1" dirty="0">
+              <a:rPr lang="nl-NL" sz="1400" b="1" dirty="0">
+                <a:latin typeface="Verdana" panose="020B0604030504040204" pitchFamily="34" charset="0"/>
+                <a:ea typeface="Verdana" panose="020B0604030504040204" pitchFamily="34" charset="0"/>
+                <a:cs typeface="Verdana" panose="020B0604030504040204" pitchFamily="34" charset="0"/>
                 <a:sym typeface="Wingdings"/>
               </a:rPr>
               <a:t>()</a:t>
             </a:r>
-            <a:endParaRPr lang="nl-NL" sz="2105" b="1" dirty="0"/>
+            <a:endParaRPr lang="nl-NL" sz="1400" b="1" dirty="0">
+              <a:latin typeface="Verdana" panose="020B0604030504040204" pitchFamily="34" charset="0"/>
+              <a:ea typeface="Verdana" panose="020B0604030504040204" pitchFamily="34" charset="0"/>
+              <a:cs typeface="Verdana" panose="020B0604030504040204" pitchFamily="34" charset="0"/>
+            </a:endParaRPr>
           </a:p>
           <a:p>
             <a:pPr algn="ctr"/>
-            <a:endParaRPr lang="nl-NL" sz="2105" b="1" dirty="0"/>
+            <a:endParaRPr lang="nl-NL" sz="1400" b="1" dirty="0">
+              <a:latin typeface="Verdana" panose="020B0604030504040204" pitchFamily="34" charset="0"/>
+              <a:ea typeface="Verdana" panose="020B0604030504040204" pitchFamily="34" charset="0"/>
+              <a:cs typeface="Verdana" panose="020B0604030504040204" pitchFamily="34" charset="0"/>
+            </a:endParaRPr>
           </a:p>
           <a:p>
             <a:pPr algn="ctr"/>
-            <a:endParaRPr lang="nl-NL" sz="2105" b="1" dirty="0"/>
+            <a:endParaRPr lang="nl-NL" sz="1400" b="1" dirty="0">
+              <a:latin typeface="Verdana" panose="020B0604030504040204" pitchFamily="34" charset="0"/>
+              <a:ea typeface="Verdana" panose="020B0604030504040204" pitchFamily="34" charset="0"/>
+              <a:cs typeface="Verdana" panose="020B0604030504040204" pitchFamily="34" charset="0"/>
+            </a:endParaRPr>
           </a:p>
           <a:p>
             <a:pPr algn="ctr"/>
-            <a:endParaRPr lang="nl-NL" sz="2105" dirty="0"/>
+            <a:endParaRPr lang="nl-NL" sz="1400" dirty="0">
+              <a:latin typeface="Verdana" panose="020B0604030504040204" pitchFamily="34" charset="0"/>
+              <a:ea typeface="Verdana" panose="020B0604030504040204" pitchFamily="34" charset="0"/>
+              <a:cs typeface="Verdana" panose="020B0604030504040204" pitchFamily="34" charset="0"/>
+            </a:endParaRPr>
           </a:p>
           <a:p>
             <a:pPr algn="ctr"/>
-            <a:endParaRPr lang="nl-NL" sz="2105" dirty="0"/>
+            <a:endParaRPr lang="nl-NL" sz="1400" dirty="0">
+              <a:latin typeface="Verdana" panose="020B0604030504040204" pitchFamily="34" charset="0"/>
+              <a:ea typeface="Verdana" panose="020B0604030504040204" pitchFamily="34" charset="0"/>
+              <a:cs typeface="Verdana" panose="020B0604030504040204" pitchFamily="34" charset="0"/>
+            </a:endParaRPr>
           </a:p>
           <a:p>
             <a:pPr algn="ctr"/>
-            <a:endParaRPr lang="nl-NL" sz="2105" dirty="0"/>
+            <a:endParaRPr lang="nl-NL" sz="1400" dirty="0">
+              <a:latin typeface="Verdana" panose="020B0604030504040204" pitchFamily="34" charset="0"/>
+              <a:ea typeface="Verdana" panose="020B0604030504040204" pitchFamily="34" charset="0"/>
+              <a:cs typeface="Verdana" panose="020B0604030504040204" pitchFamily="34" charset="0"/>
+            </a:endParaRPr>
           </a:p>
           <a:p>
             <a:pPr algn="ctr"/>
-            <a:endParaRPr lang="nl-NL" sz="2105" dirty="0"/>
+            <a:endParaRPr lang="nl-NL" sz="1400" dirty="0">
+              <a:latin typeface="Verdana" panose="020B0604030504040204" pitchFamily="34" charset="0"/>
+              <a:ea typeface="Verdana" panose="020B0604030504040204" pitchFamily="34" charset="0"/>
+              <a:cs typeface="Verdana" panose="020B0604030504040204" pitchFamily="34" charset="0"/>
+            </a:endParaRPr>
           </a:p>
           <a:p>
             <a:pPr>
@@ -11437,10 +11236,10 @@
                 <a:tab pos="8162784" algn="l"/>
               </a:tabLst>
             </a:pPr>
-            <a:endParaRPr lang="nl-NL" sz="2105" b="1" dirty="0">
-              <a:latin typeface="Calibri" panose="020F0502020204030204" pitchFamily="34" charset="0"/>
-              <a:ea typeface="ＭＳ 明朝"/>
-              <a:cs typeface="Courier"/>
+            <a:endParaRPr lang="nl-NL" sz="1400" b="1" dirty="0">
+              <a:latin typeface="Verdana" panose="020B0604030504040204" pitchFamily="34" charset="0"/>
+              <a:ea typeface="Verdana" panose="020B0604030504040204" pitchFamily="34" charset="0"/>
+              <a:cs typeface="Verdana" panose="020B0604030504040204" pitchFamily="34" charset="0"/>
             </a:endParaRPr>
           </a:p>
           <a:p>
@@ -11470,10 +11269,10 @@
                 <a:tab pos="8162784" algn="l"/>
               </a:tabLst>
             </a:pPr>
-            <a:endParaRPr lang="nl-NL" sz="2105" b="1" dirty="0">
-              <a:latin typeface="Calibri" panose="020F0502020204030204" pitchFamily="34" charset="0"/>
-              <a:ea typeface="ＭＳ 明朝"/>
-              <a:cs typeface="Courier"/>
+            <a:endParaRPr lang="nl-NL" sz="1400" b="1" dirty="0">
+              <a:latin typeface="Verdana" panose="020B0604030504040204" pitchFamily="34" charset="0"/>
+              <a:ea typeface="Verdana" panose="020B0604030504040204" pitchFamily="34" charset="0"/>
+              <a:cs typeface="Verdana" panose="020B0604030504040204" pitchFamily="34" charset="0"/>
             </a:endParaRPr>
           </a:p>
           <a:p>
@@ -11503,10 +11302,10 @@
                 <a:tab pos="8162784" algn="l"/>
               </a:tabLst>
             </a:pPr>
-            <a:endParaRPr lang="en-US" sz="2105" b="1" dirty="0">
-              <a:latin typeface="Calibri" panose="020F0502020204030204" pitchFamily="34" charset="0"/>
-              <a:ea typeface="ＭＳ 明朝"/>
-              <a:cs typeface="Times New Roman"/>
+            <a:endParaRPr lang="en-US" sz="1400" b="1" dirty="0">
+              <a:latin typeface="Verdana" panose="020B0604030504040204" pitchFamily="34" charset="0"/>
+              <a:ea typeface="Verdana" panose="020B0604030504040204" pitchFamily="34" charset="0"/>
+              <a:cs typeface="Verdana" panose="020B0604030504040204" pitchFamily="34" charset="0"/>
             </a:endParaRPr>
           </a:p>
         </p:txBody>
@@ -11551,7 +11350,7 @@
         </p:blipFill>
         <p:spPr>
           <a:xfrm>
-            <a:off x="327702" y="3419410"/>
+            <a:off x="653406" y="1800225"/>
             <a:ext cx="1905087" cy="1428816"/>
           </a:xfrm>
           <a:prstGeom prst="rect">
@@ -11601,7 +11400,7 @@
         </p:nvSpPr>
         <p:spPr>
           <a:xfrm>
-            <a:off x="1110900" y="1188049"/>
+            <a:off x="1919845" y="1190625"/>
             <a:ext cx="7157202" cy="1295932"/>
           </a:xfrm>
         </p:spPr>
@@ -11638,7 +11437,7 @@
         <p:spPr>
           <a:xfrm>
             <a:off x="3093448" y="2753758"/>
-            <a:ext cx="4809996" cy="1388265"/>
+            <a:ext cx="4920252" cy="1388265"/>
           </a:xfrm>
           <a:prstGeom prst="rect">
             <a:avLst/>
@@ -11656,6 +11455,9 @@
                 <a:solidFill>
                   <a:srgbClr val="C00000"/>
                 </a:solidFill>
+                <a:latin typeface="Verdana" panose="020B0604030504040204" pitchFamily="34" charset="0"/>
+                <a:ea typeface="Verdana" panose="020B0604030504040204" pitchFamily="34" charset="0"/>
+                <a:cs typeface="Verdana" panose="020B0604030504040204" pitchFamily="34" charset="0"/>
                 <a:hlinkClick r:id="rId2"/>
               </a:rPr>
               <a:t>http://rxmarbles.com/</a:t>
@@ -11664,6 +11466,9 @@
               <a:solidFill>
                 <a:srgbClr val="C00000"/>
               </a:solidFill>
+              <a:latin typeface="Verdana" panose="020B0604030504040204" pitchFamily="34" charset="0"/>
+              <a:ea typeface="Verdana" panose="020B0604030504040204" pitchFamily="34" charset="0"/>
+              <a:cs typeface="Verdana" panose="020B0604030504040204" pitchFamily="34" charset="0"/>
             </a:endParaRPr>
           </a:p>
           <a:p>
@@ -11672,6 +11477,9 @@
               <a:solidFill>
                 <a:srgbClr val="C00000"/>
               </a:solidFill>
+              <a:latin typeface="Verdana" panose="020B0604030504040204" pitchFamily="34" charset="0"/>
+              <a:ea typeface="Verdana" panose="020B0604030504040204" pitchFamily="34" charset="0"/>
+              <a:cs typeface="Verdana" panose="020B0604030504040204" pitchFamily="34" charset="0"/>
             </a:endParaRPr>
           </a:p>
           <a:p>
@@ -11681,6 +11489,9 @@
                 <a:solidFill>
                   <a:srgbClr val="C00000"/>
                 </a:solidFill>
+                <a:latin typeface="Verdana" panose="020B0604030504040204" pitchFamily="34" charset="0"/>
+                <a:ea typeface="Verdana" panose="020B0604030504040204" pitchFamily="34" charset="0"/>
+                <a:cs typeface="Verdana" panose="020B0604030504040204" pitchFamily="34" charset="0"/>
               </a:rPr>
               <a:t>RXFiddle.net</a:t>
             </a:r>
@@ -11688,6 +11499,9 @@
               <a:solidFill>
                 <a:srgbClr val="C00000"/>
               </a:solidFill>
+              <a:latin typeface="Verdana" panose="020B0604030504040204" pitchFamily="34" charset="0"/>
+              <a:ea typeface="Verdana" panose="020B0604030504040204" pitchFamily="34" charset="0"/>
+              <a:cs typeface="Verdana" panose="020B0604030504040204" pitchFamily="34" charset="0"/>
             </a:endParaRPr>
           </a:p>
         </p:txBody>
@@ -17183,7 +16997,7 @@
         </p:nvSpPr>
         <p:spPr>
           <a:xfrm>
-            <a:off x="1313828" y="597912"/>
+            <a:off x="2399931" y="554924"/>
             <a:ext cx="5558155" cy="423193"/>
           </a:xfrm>
           <a:prstGeom prst="rect">
@@ -17196,7 +17010,7 @@
           </a:bodyPr>
           <a:lstStyle/>
           <a:p>
-            <a:pPr marL="12700">
+            <a:pPr marL="12700" algn="ctr">
               <a:lnSpc>
                 <a:spcPct val="100000"/>
               </a:lnSpc>
@@ -17841,7 +17655,7 @@
           </a:bodyPr>
           <a:lstStyle/>
           <a:p>
-            <a:pPr marL="12700">
+            <a:pPr marL="12700" algn="ctr">
               <a:lnSpc>
                 <a:spcPct val="100000"/>
               </a:lnSpc>
@@ -20610,7 +20424,7 @@
           </a:bodyPr>
           <a:lstStyle/>
           <a:p>
-            <a:pPr marL="12700">
+            <a:pPr marL="12700" algn="ctr">
               <a:lnSpc>
                 <a:spcPts val="3229"/>
               </a:lnSpc>
@@ -22013,7 +21827,7 @@
           </a:bodyPr>
           <a:lstStyle/>
           <a:p>
-            <a:pPr marL="12700">
+            <a:pPr marL="12700" algn="ctr">
               <a:lnSpc>
                 <a:spcPct val="100000"/>
               </a:lnSpc>
@@ -22254,6 +22068,10 @@
           </p:nvPr>
         </p:nvSpPr>
         <p:spPr>
+          <a:xfrm>
+            <a:off x="1266584" y="472182"/>
+            <a:ext cx="8160230" cy="423193"/>
+          </a:xfrm>
           <a:prstGeom prst="rect">
             <a:avLst/>
           </a:prstGeom>
@@ -22264,14 +22082,14 @@
           </a:bodyPr>
           <a:lstStyle/>
           <a:p>
-            <a:pPr marL="12700">
+            <a:pPr marL="12700" algn="ctr">
               <a:lnSpc>
                 <a:spcPct val="100000"/>
               </a:lnSpc>
             </a:pPr>
             <a:r>
-              <a:rPr spc="15" dirty="0"/>
-              <a:t>Meer</a:t>
+              <a:rPr lang="nl-NL" spc="15" dirty="0"/>
+              <a:t>More</a:t>
             </a:r>
             <a:r>
               <a:rPr spc="260" dirty="0">
@@ -22281,8 +22099,8 @@
               <a:t> </a:t>
             </a:r>
             <a:r>
-              <a:rPr spc="15" dirty="0"/>
-              <a:t>over</a:t>
+              <a:rPr lang="nl-NL" spc="15" dirty="0" err="1"/>
+              <a:t>about</a:t>
             </a:r>
             <a:r>
               <a:rPr spc="254" dirty="0">
@@ -23245,7 +23063,7 @@
         <p:spPr>
           <a:xfrm>
             <a:off x="1266584" y="472182"/>
-            <a:ext cx="8160230" cy="423193"/>
+            <a:ext cx="8160230" cy="615553"/>
           </a:xfrm>
           <a:prstGeom prst="rect">
             <a:avLst/>
@@ -23263,7 +23081,7 @@
               </a:lnSpc>
             </a:pPr>
             <a:r>
-              <a:rPr spc="10" dirty="0"/>
+              <a:rPr sz="4000" spc="10" dirty="0"/>
               <a:t>Singleton?</a:t>
             </a:r>
           </a:p>
@@ -23330,12 +23148,10 @@
           </a:bodyPr>
           <a:lstStyle/>
           <a:p>
-            <a:pPr marL="353695" indent="-340995">
+            <a:pPr marL="12700">
               <a:lnSpc>
                 <a:spcPct val="100000"/>
               </a:lnSpc>
-              <a:buFont typeface="Verdana"/>
-              <a:buChar char="•"/>
               <a:tabLst>
                 <a:tab pos="354330" algn="l"/>
               </a:tabLst>
@@ -23982,7 +23798,7 @@
         <p:spPr>
           <a:xfrm>
             <a:off x="1266584" y="472182"/>
-            <a:ext cx="8160230" cy="423193"/>
+            <a:ext cx="8160230" cy="430887"/>
           </a:xfrm>
           <a:prstGeom prst="rect">
             <a:avLst/>
@@ -23998,63 +23814,79 @@
               <a:lnSpc>
                 <a:spcPct val="100000"/>
               </a:lnSpc>
+              <a:tabLst>
+                <a:tab pos="354330" algn="l"/>
+              </a:tabLst>
             </a:pPr>
             <a:r>
-              <a:rPr spc="10" dirty="0"/>
-              <a:t>Observable</a:t>
-            </a:r>
-            <a:r>
-              <a:rPr spc="15" dirty="0"/>
-              <a:t>s</a:t>
-            </a:r>
-            <a:r>
-              <a:rPr spc="275" dirty="0">
-                <a:latin typeface="Times New Roman"/>
-                <a:cs typeface="Times New Roman"/>
-              </a:rPr>
-              <a:t> </a:t>
-            </a:r>
-            <a:r>
-              <a:rPr spc="10" dirty="0"/>
-              <a:t>in</a:t>
-            </a:r>
-            <a:r>
-              <a:rPr spc="270" dirty="0">
-                <a:latin typeface="Times New Roman"/>
-                <a:cs typeface="Times New Roman"/>
-              </a:rPr>
-              <a:t> </a:t>
-            </a:r>
-            <a:r>
-              <a:rPr spc="10" dirty="0"/>
-              <a:t>ee</a:t>
-            </a:r>
-            <a:r>
-              <a:rPr spc="15" dirty="0"/>
+              <a:rPr lang="nl-NL" sz="2800" spc="-15" dirty="0"/>
+              <a:t>How </a:t>
+            </a:r>
+            <a:r>
+              <a:rPr lang="nl-NL" sz="2800" spc="-15" dirty="0" err="1"/>
+              <a:t>to</a:t>
+            </a:r>
+            <a:r>
+              <a:rPr lang="nl-NL" sz="2800" spc="-15" dirty="0"/>
+              <a:t> import</a:t>
+            </a:r>
+            <a:r>
+              <a:rPr lang="nl-NL" sz="2800" spc="265" dirty="0">
+                <a:latin typeface="Times New Roman"/>
+                <a:cs typeface="Times New Roman"/>
+              </a:rPr>
+              <a:t> </a:t>
+            </a:r>
+            <a:r>
+              <a:rPr lang="nl-NL" sz="2800" spc="-25" dirty="0" err="1"/>
+              <a:t>R</a:t>
+            </a:r>
+            <a:r>
+              <a:rPr lang="nl-NL" sz="2800" spc="-20" dirty="0" err="1"/>
+              <a:t>xJs</a:t>
+            </a:r>
+            <a:r>
+              <a:rPr lang="nl-NL" sz="2800" spc="280" dirty="0">
+                <a:latin typeface="Times New Roman"/>
+                <a:cs typeface="Times New Roman"/>
+              </a:rPr>
+              <a:t> </a:t>
+            </a:r>
+            <a:r>
+              <a:rPr lang="nl-NL" sz="2800" spc="-15" dirty="0"/>
+              <a:t>i</a:t>
+            </a:r>
+            <a:r>
+              <a:rPr lang="nl-NL" sz="2800" spc="-20" dirty="0"/>
               <a:t>n</a:t>
             </a:r>
             <a:r>
-              <a:rPr spc="250" dirty="0">
-                <a:latin typeface="Times New Roman"/>
-                <a:cs typeface="Times New Roman"/>
-              </a:rPr>
-              <a:t> </a:t>
-            </a:r>
-            <a:r>
-              <a:rPr spc="10" dirty="0"/>
-              <a:t>Angular</a:t>
-            </a:r>
-            <a:r>
-              <a:rPr spc="280" dirty="0">
-                <a:latin typeface="Times New Roman"/>
-                <a:cs typeface="Times New Roman"/>
-              </a:rPr>
-              <a:t> </a:t>
-            </a:r>
-            <a:r>
-              <a:rPr spc="5" dirty="0"/>
-              <a:t>-applicatie</a:t>
-            </a:r>
+              <a:rPr lang="nl-NL" sz="2800" spc="275" dirty="0">
+                <a:latin typeface="Times New Roman"/>
+                <a:cs typeface="Times New Roman"/>
+              </a:rPr>
+              <a:t> </a:t>
+            </a:r>
+            <a:r>
+              <a:rPr lang="nl-NL" sz="2800" spc="-25" dirty="0" err="1"/>
+              <a:t>your</a:t>
+            </a:r>
+            <a:r>
+              <a:rPr lang="nl-NL" sz="2800" spc="275" dirty="0">
+                <a:latin typeface="Times New Roman"/>
+                <a:cs typeface="Times New Roman"/>
+              </a:rPr>
+              <a:t> </a:t>
+            </a:r>
+            <a:r>
+              <a:rPr lang="nl-NL" sz="2800" spc="-20" dirty="0" err="1"/>
+              <a:t>application</a:t>
+            </a:r>
+            <a:r>
+              <a:rPr lang="nl-NL" sz="2800" spc="-20" dirty="0"/>
+              <a:t>?</a:t>
+            </a:r>
+            <a:endParaRPr lang="nl-NL" sz="2800" dirty="0"/>
           </a:p>
         </p:txBody>
       </p:sp>
@@ -24067,7 +23899,7 @@
         <p:spPr>
           <a:xfrm>
             <a:off x="850900" y="1655796"/>
-            <a:ext cx="9842500" cy="3203634"/>
+            <a:ext cx="9842500" cy="2649571"/>
           </a:xfrm>
           <a:prstGeom prst="rect">
             <a:avLst/>
@@ -24078,106 +23910,6 @@
             <a:spAutoFit/>
           </a:bodyPr>
           <a:lstStyle/>
-          <a:p>
-            <a:pPr marL="353695" indent="-340995">
-              <a:lnSpc>
-                <a:spcPct val="100000"/>
-              </a:lnSpc>
-              <a:buFont typeface="Verdana"/>
-              <a:buChar char="•"/>
-              <a:tabLst>
-                <a:tab pos="354330" algn="l"/>
-              </a:tabLst>
-            </a:pPr>
-            <a:r>
-              <a:rPr sz="2600" spc="-15" dirty="0">
-                <a:latin typeface="Verdana"/>
-                <a:cs typeface="Verdana"/>
-              </a:rPr>
-              <a:t>Import</a:t>
-            </a:r>
-            <a:r>
-              <a:rPr sz="2600" spc="265" dirty="0">
-                <a:latin typeface="Times New Roman"/>
-                <a:cs typeface="Times New Roman"/>
-              </a:rPr>
-              <a:t> </a:t>
-            </a:r>
-            <a:r>
-              <a:rPr sz="2600" spc="-25" dirty="0">
-                <a:latin typeface="Verdana"/>
-                <a:cs typeface="Verdana"/>
-              </a:rPr>
-              <a:t>R</a:t>
-            </a:r>
-            <a:r>
-              <a:rPr sz="2600" spc="-20" dirty="0">
-                <a:latin typeface="Verdana"/>
-                <a:cs typeface="Verdana"/>
-              </a:rPr>
-              <a:t>x</a:t>
-            </a:r>
-            <a:r>
-              <a:rPr sz="2600" spc="280" dirty="0">
-                <a:latin typeface="Times New Roman"/>
-                <a:cs typeface="Times New Roman"/>
-              </a:rPr>
-              <a:t> </a:t>
-            </a:r>
-            <a:r>
-              <a:rPr sz="2600" spc="-15" dirty="0">
-                <a:latin typeface="Verdana"/>
-                <a:cs typeface="Verdana"/>
-              </a:rPr>
-              <a:t>i</a:t>
-            </a:r>
-            <a:r>
-              <a:rPr sz="2600" spc="-20" dirty="0">
-                <a:latin typeface="Verdana"/>
-                <a:cs typeface="Verdana"/>
-              </a:rPr>
-              <a:t>n</a:t>
-            </a:r>
-            <a:r>
-              <a:rPr sz="2600" spc="275" dirty="0">
-                <a:latin typeface="Times New Roman"/>
-                <a:cs typeface="Times New Roman"/>
-              </a:rPr>
-              <a:t> </a:t>
-            </a:r>
-            <a:r>
-              <a:rPr sz="2600" spc="-25" dirty="0">
-                <a:latin typeface="Verdana"/>
-                <a:cs typeface="Verdana"/>
-              </a:rPr>
-              <a:t>d</a:t>
-            </a:r>
-            <a:r>
-              <a:rPr sz="2600" spc="-20" dirty="0">
-                <a:latin typeface="Verdana"/>
-                <a:cs typeface="Verdana"/>
-              </a:rPr>
-              <a:t>e</a:t>
-            </a:r>
-            <a:r>
-              <a:rPr sz="2600" spc="275" dirty="0">
-                <a:latin typeface="Times New Roman"/>
-                <a:cs typeface="Times New Roman"/>
-              </a:rPr>
-              <a:t> </a:t>
-            </a:r>
-            <a:r>
-              <a:rPr sz="2600" spc="-20" dirty="0">
-                <a:latin typeface="Verdana"/>
-                <a:cs typeface="Verdana"/>
-              </a:rPr>
-              <a:t>applicatie</a:t>
-            </a:r>
-            <a:endParaRPr sz="2600" dirty="0">
-              <a:latin typeface="Verdana"/>
-              <a:cs typeface="Verdana"/>
-            </a:endParaRPr>
-          </a:p>
           <a:p>
             <a:pPr marL="1003300">
               <a:lnSpc>
@@ -25310,7 +25042,7 @@
         <p:spPr>
           <a:xfrm>
             <a:off x="1797685" y="4131324"/>
-            <a:ext cx="6520815" cy="2162130"/>
+            <a:ext cx="8697903" cy="1567096"/>
           </a:xfrm>
           <a:prstGeom prst="rect">
             <a:avLst/>
@@ -25538,7 +25270,7 @@
               <a:t> </a:t>
             </a:r>
             <a:r>
-              <a:rPr sz="1950" spc="-20" dirty="0">
+              <a:rPr sz="1950" spc="-20" dirty="0" err="1">
                 <a:solidFill>
                   <a:srgbClr val="000080"/>
                 </a:solidFill>
@@ -25548,39 +25280,39 @@
               <a:t>this</a:t>
             </a:r>
             <a:r>
-              <a:rPr sz="1950" spc="-20" dirty="0">
+              <a:rPr sz="1950" spc="-20" dirty="0" err="1">
                 <a:latin typeface="Consolas"/>
                 <a:cs typeface="Consolas"/>
               </a:rPr>
               <a:t>.citie</a:t>
             </a:r>
             <a:r>
+              <a:rPr sz="1950" spc="-15" dirty="0" err="1">
+                <a:latin typeface="Consolas"/>
+                <a:cs typeface="Consolas"/>
+              </a:rPr>
+              <a:t>s</a:t>
+            </a:r>
+            <a:r>
+              <a:rPr lang="nl-NL" sz="1950" spc="-15" dirty="0">
+                <a:latin typeface="Times New Roman"/>
+                <a:cs typeface="Times New Roman"/>
+              </a:rPr>
+              <a:t> </a:t>
+            </a:r>
+            <a:r>
               <a:rPr sz="1950" spc="-15" dirty="0">
                 <a:latin typeface="Consolas"/>
                 <a:cs typeface="Consolas"/>
               </a:rPr>
-              <a:t>s</a:t>
-            </a:r>
-            <a:r>
-              <a:rPr sz="1950" dirty="0">
-                <a:latin typeface="Times New Roman"/>
-                <a:cs typeface="Times New Roman"/>
-              </a:rPr>
-              <a:t>	</a:t>
-            </a:r>
-            <a:r>
-              <a:rPr sz="1950" spc="-15" dirty="0">
-                <a:latin typeface="Consolas"/>
-                <a:cs typeface="Consolas"/>
-              </a:rPr>
               <a:t>=</a:t>
             </a:r>
             <a:r>
-              <a:rPr sz="1950" dirty="0">
-                <a:latin typeface="Times New Roman"/>
-                <a:cs typeface="Times New Roman"/>
-              </a:rPr>
-              <a:t>	</a:t>
+              <a:rPr lang="nl-NL" sz="1950" spc="-15" dirty="0">
+                <a:latin typeface="Times New Roman"/>
+                <a:cs typeface="Times New Roman"/>
+              </a:rPr>
+              <a:t> </a:t>
             </a:r>
             <a:r>
               <a:rPr sz="1950" spc="-20" dirty="0" err="1">
@@ -26012,7 +25744,7 @@
         </p:nvSpPr>
         <p:spPr>
           <a:xfrm>
-            <a:off x="6617086" y="3699519"/>
+            <a:off x="6583353" y="3433918"/>
             <a:ext cx="3912235" cy="1211580"/>
           </a:xfrm>
           <a:custGeom>
@@ -28145,7 +27877,7 @@
                 <a:latin typeface="Arial"/>
                 <a:cs typeface="Arial"/>
               </a:rPr>
-              <a:t>Exersice</a:t>
+              <a:t>Exercise</a:t>
             </a:r>
             <a:r>
               <a:rPr sz="4750" b="1" dirty="0">
@@ -28260,7 +27992,7 @@
         </p:nvSpPr>
         <p:spPr>
           <a:xfrm>
-            <a:off x="2729229" y="3019425"/>
+            <a:off x="2729229" y="2105025"/>
             <a:ext cx="5234939" cy="3885615"/>
           </a:xfrm>
           <a:prstGeom prst="rect">
@@ -28555,7 +28287,7 @@
             </a:br>
             <a:r>
               <a:rPr lang="en-US" sz="2000" dirty="0"/>
-              <a:t>	let </a:t>
+              <a:t>	const </a:t>
             </a:r>
             <a:r>
               <a:rPr lang="en-US" sz="2000" b="1" dirty="0" err="1">
@@ -28567,7 +28299,19 @@
             </a:r>
             <a:r>
               <a:rPr lang="en-US" sz="2000" dirty="0"/>
-              <a:t> = new City(null, </a:t>
+              <a:t> = new City(</a:t>
+            </a:r>
+            <a:r>
+              <a:rPr lang="en-US" sz="2000" b="1" dirty="0">
+                <a:solidFill>
+                  <a:srgbClr val="C00000"/>
+                </a:solidFill>
+              </a:rPr>
+              <a:t>null</a:t>
+            </a:r>
+            <a:r>
+              <a:rPr lang="en-US" sz="2000" dirty="0"/>
+              <a:t>, </a:t>
             </a:r>
             <a:r>
               <a:rPr lang="en-US" sz="2000" dirty="0" err="1"/>
@@ -28598,7 +28342,17 @@
             </a:r>
             <a:r>
               <a:rPr lang="en-US" sz="2000" dirty="0"/>
-              <a:t>&lt;City&gt;(</a:t>
+              <a:t>&lt;City&gt;(                          </a:t>
+            </a:r>
+            <a:r>
+              <a:rPr lang="en-US" sz="2000" i="1" dirty="0">
+                <a:sym typeface="Wingdings" pitchFamily="2" charset="2"/>
+              </a:rPr>
+              <a:t> </a:t>
+            </a:r>
+            <a:r>
+              <a:rPr lang="en-US" sz="2000" i="1" dirty="0"/>
+              <a:t>&lt;City&gt; is return type</a:t>
             </a:r>
           </a:p>
           <a:p>
@@ -28830,6 +28584,38 @@
             </a:r>
             <a:r>
               <a:rPr lang="en-US" dirty="0"/>
+              <a:t> </a:t>
+            </a:r>
+            <a:r>
+              <a:rPr lang="en-GB" dirty="0"/>
+              <a:t>+ </a:t>
+            </a:r>
+            <a:r>
+              <a:rPr lang="en-GB" b="1" dirty="0">
+                <a:solidFill>
+                  <a:srgbClr val="C00000"/>
+                </a:solidFill>
+              </a:rPr>
+              <a:t>`/${</a:t>
+            </a:r>
+            <a:r>
+              <a:rPr lang="en-GB" b="1" dirty="0" err="1">
+                <a:solidFill>
+                  <a:srgbClr val="C00000"/>
+                </a:solidFill>
+              </a:rPr>
+              <a:t>city.id</a:t>
+            </a:r>
+            <a:r>
+              <a:rPr lang="en-GB" b="1" dirty="0">
+                <a:solidFill>
+                  <a:srgbClr val="C00000"/>
+                </a:solidFill>
+              </a:rPr>
+              <a:t>}`</a:t>
+            </a:r>
+            <a:r>
+              <a:rPr lang="en-US" dirty="0"/>
               <a:t>,</a:t>
             </a:r>
           </a:p>
@@ -29020,7 +28806,39 @@
             </a:r>
             <a:r>
               <a:rPr lang="en-US" dirty="0"/>
-              <a:t> + id)</a:t>
+              <a:t> +</a:t>
+            </a:r>
+            <a:r>
+              <a:rPr lang="en-GB" dirty="0"/>
+              <a:t> </a:t>
+            </a:r>
+            <a:r>
+              <a:rPr lang="en-GB" b="1" dirty="0">
+                <a:solidFill>
+                  <a:srgbClr val="C00000"/>
+                </a:solidFill>
+              </a:rPr>
+              <a:t>`/${</a:t>
+            </a:r>
+            <a:r>
+              <a:rPr lang="en-GB" b="1" dirty="0" err="1">
+                <a:solidFill>
+                  <a:srgbClr val="C00000"/>
+                </a:solidFill>
+              </a:rPr>
+              <a:t>city.id</a:t>
+            </a:r>
+            <a:r>
+              <a:rPr lang="en-GB" b="1" dirty="0">
+                <a:solidFill>
+                  <a:srgbClr val="C00000"/>
+                </a:solidFill>
+              </a:rPr>
+              <a:t>}`</a:t>
+            </a:r>
+            <a:r>
+              <a:rPr lang="en-US" dirty="0"/>
+              <a:t>)</a:t>
             </a:r>
           </a:p>
           <a:p>
@@ -29171,14 +28989,7 @@
                 <a:latin typeface="Verdana"/>
                 <a:cs typeface="Verdana"/>
               </a:rPr>
-              <a:t>CRUD </a:t>
-            </a:r>
-            <a:r>
-              <a:rPr lang="en-US" sz="4000" b="1" spc="-85" dirty="0" err="1">
-                <a:latin typeface="Verdana"/>
-                <a:cs typeface="Verdana"/>
-              </a:rPr>
-              <a:t>applicatie</a:t>
+              <a:t>CRUD application</a:t>
             </a:r>
             <a:endParaRPr lang="en-US" sz="4000" b="1" dirty="0">
               <a:latin typeface="Verdana"/>
@@ -29261,7 +29072,7 @@
         <p:spPr>
           <a:xfrm>
             <a:off x="4076081" y="223727"/>
-            <a:ext cx="2480945" cy="560705"/>
+            <a:ext cx="3099419" cy="641201"/>
           </a:xfrm>
           <a:prstGeom prst="rect">
             <a:avLst/>
@@ -29279,34 +29090,34 @@
               </a:lnSpc>
             </a:pPr>
             <a:r>
-              <a:rPr sz="4200" spc="-85" dirty="0">
+              <a:rPr sz="4200" b="1" spc="-85" dirty="0">
                 <a:latin typeface="Verdana"/>
                 <a:cs typeface="Verdana"/>
               </a:rPr>
               <a:t>Dat</a:t>
             </a:r>
             <a:r>
-              <a:rPr sz="4200" dirty="0">
+              <a:rPr sz="4200" b="1" dirty="0">
                 <a:latin typeface="Verdana"/>
                 <a:cs typeface="Verdana"/>
               </a:rPr>
               <a:t>a</a:t>
             </a:r>
             <a:r>
-              <a:rPr sz="4200" spc="254" dirty="0">
-                <a:latin typeface="Times New Roman"/>
-                <a:cs typeface="Times New Roman"/>
-              </a:rPr>
-              <a:t> </a:t>
-            </a:r>
-            <a:r>
-              <a:rPr sz="4200" spc="-85" dirty="0">
+              <a:rPr sz="4200" b="1" spc="254" dirty="0">
+                <a:latin typeface="Times New Roman"/>
+                <a:cs typeface="Times New Roman"/>
+              </a:rPr>
+              <a:t> </a:t>
+            </a:r>
+            <a:r>
+              <a:rPr sz="4200" b="1" spc="-85" dirty="0">
                 <a:latin typeface="Verdana"/>
                 <a:cs typeface="Verdana"/>
               </a:rPr>
               <a:t>flow</a:t>
             </a:r>
-            <a:endParaRPr sz="4200">
+            <a:endParaRPr sz="4200" b="1" dirty="0">
               <a:latin typeface="Verdana"/>
               <a:cs typeface="Verdana"/>
             </a:endParaRPr>
@@ -34125,7 +33936,7 @@
         <p:spPr>
           <a:xfrm>
             <a:off x="1266584" y="1326262"/>
-            <a:ext cx="9069859" cy="3608680"/>
+            <a:ext cx="9069859" cy="3208571"/>
           </a:xfrm>
         </p:spPr>
         <p:txBody>
@@ -34256,21 +34067,7 @@
                 <a:latin typeface="Verdana"/>
                 <a:cs typeface="Verdana"/>
               </a:rPr>
-              <a:t>No *</a:t>
-            </a:r>
-            <a:r>
-              <a:rPr lang="en-US" sz="2600" b="1" spc="-15" dirty="0" err="1">
-                <a:latin typeface="Verdana"/>
-                <a:cs typeface="Verdana"/>
-              </a:rPr>
-              <a:t>ngIf</a:t>
-            </a:r>
-            <a:r>
-              <a:rPr lang="en-US" sz="2600" b="1" spc="-15" dirty="0">
-                <a:latin typeface="Verdana"/>
-                <a:cs typeface="Verdana"/>
-              </a:rPr>
-              <a:t> in template to check if  async data is available</a:t>
+              <a:t>Saves boilerplate code in component</a:t>
             </a:r>
             <a:endParaRPr lang="en-US" sz="2000" b="1" dirty="0">
               <a:latin typeface="Verdana"/>
@@ -35114,7 +34911,7 @@
           <p:cNvPr id="2" name="Title 1">
             <a:extLst>
               <a:ext uri="{FF2B5EF4-FFF2-40B4-BE49-F238E27FC236}">
-                <a16:creationId xmlns:a16="http://schemas.microsoft.com/office/drawing/2014/main" id="{DD3A7483-4E3A-FF49-BD5F-FD8E0F2B8A5D}"/>
+                <a16:creationId xmlns:a16="http://schemas.microsoft.com/office/drawing/2014/main" id="{7992F1C5-7615-A647-8BEC-178BC2EA5704}"/>
               </a:ext>
             </a:extLst>
           </p:cNvPr>
@@ -35125,21 +34922,12 @@
             <p:ph type="title"/>
           </p:nvPr>
         </p:nvSpPr>
-        <p:spPr>
-          <a:xfrm>
-            <a:off x="1266584" y="472182"/>
-            <a:ext cx="8160230" cy="423193"/>
-          </a:xfrm>
-        </p:spPr>
+        <p:spPr/>
         <p:txBody>
           <a:bodyPr/>
           <a:lstStyle/>
           <a:p>
-            <a:pPr algn="ctr"/>
-            <a:r>
-              <a:rPr lang="en-US" dirty="0"/>
-              <a:t>Movies services API call</a:t>
-            </a:r>
+            <a:endParaRPr lang="en-NL"/>
           </a:p>
         </p:txBody>
       </p:sp>
@@ -35148,7 +34936,7 @@
           <p:cNvPr id="3" name="Text Placeholder 2">
             <a:extLst>
               <a:ext uri="{FF2B5EF4-FFF2-40B4-BE49-F238E27FC236}">
-                <a16:creationId xmlns:a16="http://schemas.microsoft.com/office/drawing/2014/main" id="{8E05DE2E-D70F-A04F-BBEA-D83569999687}"/>
+                <a16:creationId xmlns:a16="http://schemas.microsoft.com/office/drawing/2014/main" id="{516D61C1-AE57-4D42-AFBF-6D98CA9F74EA}"/>
               </a:ext>
             </a:extLst>
           </p:cNvPr>
@@ -35159,54 +34947,46 @@
             <p:ph type="body" idx="1"/>
           </p:nvPr>
         </p:nvSpPr>
-        <p:spPr/>
+        <p:spPr>
+          <a:xfrm>
+            <a:off x="811770" y="1183666"/>
+            <a:ext cx="9069859" cy="1846659"/>
+          </a:xfrm>
+        </p:spPr>
         <p:txBody>
           <a:bodyPr/>
           <a:lstStyle/>
           <a:p>
-            <a:endParaRPr lang="en-US"/>
-          </a:p>
-        </p:txBody>
-      </p:sp>
-      <p:sp>
-        <p:nvSpPr>
-          <p:cNvPr id="4" name="object 4">
-            <a:extLst>
-              <a:ext uri="{FF2B5EF4-FFF2-40B4-BE49-F238E27FC236}">
-                <a16:creationId xmlns:a16="http://schemas.microsoft.com/office/drawing/2014/main" id="{478402BE-CBF1-E64E-AABD-45EA837DF181}"/>
-              </a:ext>
-            </a:extLst>
-          </p:cNvPr>
-          <p:cNvSpPr/>
-          <p:nvPr/>
-        </p:nvSpPr>
-        <p:spPr>
-          <a:xfrm>
-            <a:off x="1305949" y="4917951"/>
-            <a:ext cx="2522223" cy="1835657"/>
-          </a:xfrm>
-          <a:prstGeom prst="rect">
-            <a:avLst/>
-          </a:prstGeom>
-          <a:blipFill>
-            <a:blip r:embed="rId2" cstate="print"/>
-            <a:stretch>
-              <a:fillRect/>
-            </a:stretch>
-          </a:blipFill>
-        </p:spPr>
-        <p:txBody>
-          <a:bodyPr wrap="square" lIns="0" tIns="0" rIns="0" bIns="0" rtlCol="0"/>
-          <a:lstStyle/>
-          <a:p>
-            <a:endParaRPr/>
+            <a:endParaRPr lang="en-NL" sz="4000" b="1" dirty="0">
+              <a:latin typeface="Verdana" panose="020B0604030504040204" pitchFamily="34" charset="0"/>
+              <a:ea typeface="Verdana" panose="020B0604030504040204" pitchFamily="34" charset="0"/>
+              <a:cs typeface="Verdana" panose="020B0604030504040204" pitchFamily="34" charset="0"/>
+            </a:endParaRPr>
+          </a:p>
+          <a:p>
+            <a:endParaRPr lang="en-NL" sz="4000" b="1" dirty="0">
+              <a:latin typeface="Verdana" panose="020B0604030504040204" pitchFamily="34" charset="0"/>
+              <a:ea typeface="Verdana" panose="020B0604030504040204" pitchFamily="34" charset="0"/>
+              <a:cs typeface="Verdana" panose="020B0604030504040204" pitchFamily="34" charset="0"/>
+            </a:endParaRPr>
+          </a:p>
+          <a:p>
+            <a:pPr algn="ctr"/>
+            <a:r>
+              <a:rPr lang="en-NL" sz="4000" b="1" dirty="0">
+                <a:latin typeface="Verdana" panose="020B0604030504040204" pitchFamily="34" charset="0"/>
+                <a:ea typeface="Verdana" panose="020B0604030504040204" pitchFamily="34" charset="0"/>
+                <a:cs typeface="Verdana" panose="020B0604030504040204" pitchFamily="34" charset="0"/>
+              </a:rPr>
+              <a:t>Weather API</a:t>
+            </a:r>
           </a:p>
         </p:txBody>
       </p:sp>
     </p:spTree>
     <p:extLst>
       <p:ext uri="{BB962C8B-B14F-4D97-AF65-F5344CB8AC3E}">
-        <p14:creationId xmlns:p14="http://schemas.microsoft.com/office/powerpoint/2010/main" val="865867448"/>
+        <p14:creationId xmlns:p14="http://schemas.microsoft.com/office/powerpoint/2010/main" val="1432638372"/>
       </p:ext>
     </p:extLst>
   </p:cSld>
@@ -35242,7 +35022,7 @@
         <p:spPr>
           <a:xfrm>
             <a:off x="4076081" y="223727"/>
-            <a:ext cx="2480945" cy="560705"/>
+            <a:ext cx="2955786" cy="641201"/>
           </a:xfrm>
           <a:prstGeom prst="rect">
             <a:avLst/>
@@ -35260,34 +35040,34 @@
               </a:lnSpc>
             </a:pPr>
             <a:r>
-              <a:rPr sz="4200" spc="-85" dirty="0">
+              <a:rPr sz="4200" b="1" spc="-85" dirty="0">
                 <a:latin typeface="Verdana"/>
                 <a:cs typeface="Verdana"/>
               </a:rPr>
               <a:t>Dat</a:t>
             </a:r>
             <a:r>
-              <a:rPr sz="4200" dirty="0">
+              <a:rPr sz="4200" b="1" dirty="0">
                 <a:latin typeface="Verdana"/>
                 <a:cs typeface="Verdana"/>
               </a:rPr>
               <a:t>a</a:t>
             </a:r>
             <a:r>
-              <a:rPr sz="4200" spc="254" dirty="0">
-                <a:latin typeface="Times New Roman"/>
-                <a:cs typeface="Times New Roman"/>
-              </a:rPr>
-              <a:t> </a:t>
-            </a:r>
-            <a:r>
-              <a:rPr sz="4200" spc="-85" dirty="0">
+              <a:rPr sz="4200" b="1" spc="254" dirty="0">
+                <a:latin typeface="Times New Roman"/>
+                <a:cs typeface="Times New Roman"/>
+              </a:rPr>
+              <a:t> </a:t>
+            </a:r>
+            <a:r>
+              <a:rPr sz="4200" b="1" spc="-85" dirty="0">
                 <a:latin typeface="Verdana"/>
                 <a:cs typeface="Verdana"/>
               </a:rPr>
               <a:t>flow</a:t>
             </a:r>
-            <a:endParaRPr sz="4200">
+            <a:endParaRPr sz="4200" b="1" dirty="0">
               <a:latin typeface="Verdana"/>
               <a:cs typeface="Verdana"/>
             </a:endParaRPr>
@@ -39492,6 +39272,485 @@
 </file>
 
 <file path=ppt/slides/slide50.xml><?xml version="1.0" encoding="utf-8"?>
+<p:sld xmlns:a="http://schemas.openxmlformats.org/drawingml/2006/main" xmlns:r="http://schemas.openxmlformats.org/officeDocument/2006/relationships" xmlns:p="http://schemas.openxmlformats.org/presentationml/2006/main">
+  <p:cSld>
+    <p:spTree>
+      <p:nvGrpSpPr>
+        <p:cNvPr id="1" name=""/>
+        <p:cNvGrpSpPr/>
+        <p:nvPr/>
+      </p:nvGrpSpPr>
+      <p:grpSpPr>
+        <a:xfrm>
+          <a:off x="0" y="0"/>
+          <a:ext cx="0" cy="0"/>
+          <a:chOff x="0" y="0"/>
+          <a:chExt cx="0" cy="0"/>
+        </a:xfrm>
+      </p:grpSpPr>
+      <p:sp>
+        <p:nvSpPr>
+          <p:cNvPr id="2" name="Title 1">
+            <a:extLst>
+              <a:ext uri="{FF2B5EF4-FFF2-40B4-BE49-F238E27FC236}">
+                <a16:creationId xmlns:a16="http://schemas.microsoft.com/office/drawing/2014/main" id="{FC2B198C-916D-1B4A-9F0C-CB72A1C5B25B}"/>
+              </a:ext>
+            </a:extLst>
+          </p:cNvPr>
+          <p:cNvSpPr>
+            <a:spLocks noGrp="1"/>
+          </p:cNvSpPr>
+          <p:nvPr>
+            <p:ph type="title"/>
+          </p:nvPr>
+        </p:nvSpPr>
+        <p:spPr>
+          <a:xfrm>
+            <a:off x="1266584" y="472182"/>
+            <a:ext cx="8160230" cy="423193"/>
+          </a:xfrm>
+        </p:spPr>
+        <p:txBody>
+          <a:bodyPr/>
+          <a:lstStyle/>
+          <a:p>
+            <a:pPr algn="ctr"/>
+            <a:r>
+              <a:rPr lang="en-NL" dirty="0"/>
+              <a:t>Weather API</a:t>
+            </a:r>
+          </a:p>
+        </p:txBody>
+      </p:sp>
+      <p:sp>
+        <p:nvSpPr>
+          <p:cNvPr id="3" name="Text Placeholder 2">
+            <a:extLst>
+              <a:ext uri="{FF2B5EF4-FFF2-40B4-BE49-F238E27FC236}">
+                <a16:creationId xmlns:a16="http://schemas.microsoft.com/office/drawing/2014/main" id="{AAE3D683-236A-C547-9BDD-71C4BDDF2673}"/>
+              </a:ext>
+            </a:extLst>
+          </p:cNvPr>
+          <p:cNvSpPr>
+            <a:spLocks noGrp="1"/>
+          </p:cNvSpPr>
+          <p:nvPr>
+            <p:ph type="body" idx="1"/>
+          </p:nvPr>
+        </p:nvSpPr>
+        <p:spPr>
+          <a:xfrm>
+            <a:off x="811770" y="1183666"/>
+            <a:ext cx="9640330" cy="5101397"/>
+          </a:xfrm>
+        </p:spPr>
+        <p:txBody>
+          <a:bodyPr/>
+          <a:lstStyle/>
+          <a:p>
+            <a:endParaRPr lang="en-GB" dirty="0">
+              <a:hlinkClick r:id="rId2">
+                <a:extLst>
+                  <a:ext uri="{A12FA001-AC4F-418D-AE19-62706E023703}">
+                    <ahyp:hlinkClr xmlns:ahyp="http://schemas.microsoft.com/office/drawing/2018/hyperlinkcolor" val="tx"/>
+                  </a:ext>
+                </a:extLst>
+              </a:hlinkClick>
+            </a:endParaRPr>
+          </a:p>
+          <a:p>
+            <a:r>
+              <a:rPr lang="en-GB" b="1" dirty="0">
+                <a:latin typeface="Verdana" panose="020B0604030504040204" pitchFamily="34" charset="0"/>
+                <a:ea typeface="Verdana" panose="020B0604030504040204" pitchFamily="34" charset="0"/>
+                <a:cs typeface="Verdana" panose="020B0604030504040204" pitchFamily="34" charset="0"/>
+                <a:hlinkClick r:id="rId2">
+                  <a:extLst>
+                    <a:ext uri="{A12FA001-AC4F-418D-AE19-62706E023703}">
+                      <ahyp:hlinkClr xmlns:ahyp="http://schemas.microsoft.com/office/drawing/2018/hyperlinkcolor" val="tx"/>
+                    </a:ext>
+                  </a:extLst>
+                </a:hlinkClick>
+              </a:rPr>
+              <a:t>Step 1: Get Weather Json</a:t>
+            </a:r>
+          </a:p>
+          <a:p>
+            <a:endParaRPr lang="en-GB" dirty="0">
+              <a:hlinkClick r:id="rId2">
+                <a:extLst>
+                  <a:ext uri="{A12FA001-AC4F-418D-AE19-62706E023703}">
+                    <ahyp:hlinkClr xmlns:ahyp="http://schemas.microsoft.com/office/drawing/2018/hyperlinkcolor" val="tx"/>
+                  </a:ext>
+                </a:extLst>
+              </a:hlinkClick>
+            </a:endParaRPr>
+          </a:p>
+          <a:p>
+            <a:r>
+              <a:rPr lang="en-GB" dirty="0">
+                <a:hlinkClick r:id="rId2">
+                  <a:extLst>
+                    <a:ext uri="{A12FA001-AC4F-418D-AE19-62706E023703}">
+                      <ahyp:hlinkClr xmlns:ahyp="http://schemas.microsoft.com/office/drawing/2018/hyperlinkcolor" val="tx"/>
+                    </a:ext>
+                  </a:extLst>
+                </a:hlinkClick>
+              </a:rPr>
+              <a:t>http://api.openweathermap.org/data/2.5/weather?units=metric&amp;appid=8566d604cd9402b65394b034e52aa2af&amp;</a:t>
+            </a:r>
+            <a:r>
+              <a:rPr lang="en-GB" b="1" dirty="0">
+                <a:solidFill>
+                  <a:srgbClr val="C00000"/>
+                </a:solidFill>
+                <a:hlinkClick r:id="rId2">
+                  <a:extLst>
+                    <a:ext uri="{A12FA001-AC4F-418D-AE19-62706E023703}">
+                      <ahyp:hlinkClr xmlns:ahyp="http://schemas.microsoft.com/office/drawing/2018/hyperlinkcolor" val="tx"/>
+                    </a:ext>
+                  </a:extLst>
+                </a:hlinkClick>
+              </a:rPr>
+              <a:t>q=Gouda</a:t>
+            </a:r>
+            <a:endParaRPr lang="en-GB" b="1" dirty="0">
+              <a:solidFill>
+                <a:srgbClr val="C00000"/>
+              </a:solidFill>
+            </a:endParaRPr>
+          </a:p>
+          <a:p>
+            <a:endParaRPr lang="en-GB" b="1" dirty="0">
+              <a:solidFill>
+                <a:srgbClr val="C00000"/>
+              </a:solidFill>
+            </a:endParaRPr>
+          </a:p>
+          <a:p>
+            <a:endParaRPr lang="en-GB" b="1" dirty="0">
+              <a:solidFill>
+                <a:srgbClr val="C00000"/>
+              </a:solidFill>
+            </a:endParaRPr>
+          </a:p>
+          <a:p>
+            <a:r>
+              <a:rPr lang="en-GB" b="1" dirty="0">
+                <a:latin typeface="Verdana" panose="020B0604030504040204" pitchFamily="34" charset="0"/>
+                <a:ea typeface="Verdana" panose="020B0604030504040204" pitchFamily="34" charset="0"/>
+                <a:cs typeface="Verdana" panose="020B0604030504040204" pitchFamily="34" charset="0"/>
+                <a:hlinkClick r:id="rId2">
+                  <a:extLst>
+                    <a:ext uri="{A12FA001-AC4F-418D-AE19-62706E023703}">
+                      <ahyp:hlinkClr xmlns:ahyp="http://schemas.microsoft.com/office/drawing/2018/hyperlinkcolor" val="tx"/>
+                    </a:ext>
+                  </a:extLst>
+                </a:hlinkClick>
+              </a:rPr>
+              <a:t>Step 2: </a:t>
+            </a:r>
+            <a:r>
+              <a:rPr lang="en-GB" b="1" dirty="0">
+                <a:latin typeface="Verdana" panose="020B0604030504040204" pitchFamily="34" charset="0"/>
+                <a:ea typeface="Verdana" panose="020B0604030504040204" pitchFamily="34" charset="0"/>
+                <a:cs typeface="Verdana" panose="020B0604030504040204" pitchFamily="34" charset="0"/>
+              </a:rPr>
+              <a:t>Generate TypeScript interfaces from JSON</a:t>
+            </a:r>
+            <a:endParaRPr lang="en-GB" b="1" dirty="0">
+              <a:latin typeface="Verdana" panose="020B0604030504040204" pitchFamily="34" charset="0"/>
+              <a:ea typeface="Verdana" panose="020B0604030504040204" pitchFamily="34" charset="0"/>
+              <a:cs typeface="Verdana" panose="020B0604030504040204" pitchFamily="34" charset="0"/>
+              <a:hlinkClick r:id="rId2">
+                <a:extLst>
+                  <a:ext uri="{A12FA001-AC4F-418D-AE19-62706E023703}">
+                    <ahyp:hlinkClr xmlns:ahyp="http://schemas.microsoft.com/office/drawing/2018/hyperlinkcolor" val="tx"/>
+                  </a:ext>
+                </a:extLst>
+              </a:hlinkClick>
+            </a:endParaRPr>
+          </a:p>
+          <a:p>
+            <a:endParaRPr lang="en-GB" b="1" dirty="0">
+              <a:latin typeface="Verdana" panose="020B0604030504040204" pitchFamily="34" charset="0"/>
+              <a:ea typeface="Verdana" panose="020B0604030504040204" pitchFamily="34" charset="0"/>
+              <a:cs typeface="Verdana" panose="020B0604030504040204" pitchFamily="34" charset="0"/>
+              <a:hlinkClick r:id="rId2">
+                <a:extLst>
+                  <a:ext uri="{A12FA001-AC4F-418D-AE19-62706E023703}">
+                    <ahyp:hlinkClr xmlns:ahyp="http://schemas.microsoft.com/office/drawing/2018/hyperlinkcolor" val="tx"/>
+                  </a:ext>
+                </a:extLst>
+              </a:hlinkClick>
+            </a:endParaRPr>
+          </a:p>
+          <a:p>
+            <a:r>
+              <a:rPr lang="en-GB" dirty="0">
+                <a:hlinkClick r:id="rId3"/>
+              </a:rPr>
+              <a:t>http://json2ts.com/</a:t>
+            </a:r>
+            <a:endParaRPr lang="en-GB" dirty="0"/>
+          </a:p>
+          <a:p>
+            <a:endParaRPr lang="en-GB" dirty="0"/>
+          </a:p>
+          <a:p>
+            <a:endParaRPr lang="en-GB" b="1" dirty="0">
+              <a:latin typeface="Verdana" panose="020B0604030504040204" pitchFamily="34" charset="0"/>
+              <a:ea typeface="Verdana" panose="020B0604030504040204" pitchFamily="34" charset="0"/>
+              <a:cs typeface="Verdana" panose="020B0604030504040204" pitchFamily="34" charset="0"/>
+              <a:hlinkClick r:id="rId2">
+                <a:extLst>
+                  <a:ext uri="{A12FA001-AC4F-418D-AE19-62706E023703}">
+                    <ahyp:hlinkClr xmlns:ahyp="http://schemas.microsoft.com/office/drawing/2018/hyperlinkcolor" val="tx"/>
+                  </a:ext>
+                </a:extLst>
+              </a:hlinkClick>
+            </a:endParaRPr>
+          </a:p>
+          <a:p>
+            <a:r>
+              <a:rPr lang="en-GB" b="1" dirty="0">
+                <a:latin typeface="Verdana" panose="020B0604030504040204" pitchFamily="34" charset="0"/>
+                <a:ea typeface="Verdana" panose="020B0604030504040204" pitchFamily="34" charset="0"/>
+                <a:cs typeface="Verdana" panose="020B0604030504040204" pitchFamily="34" charset="0"/>
+                <a:hlinkClick r:id="rId2">
+                  <a:extLst>
+                    <a:ext uri="{A12FA001-AC4F-418D-AE19-62706E023703}">
+                      <ahyp:hlinkClr xmlns:ahyp="http://schemas.microsoft.com/office/drawing/2018/hyperlinkcolor" val="tx"/>
+                    </a:ext>
+                  </a:extLst>
+                </a:hlinkClick>
+              </a:rPr>
+              <a:t>Step 3 Use the TypeScript interface in the C08-Application</a:t>
+            </a:r>
+          </a:p>
+          <a:p>
+            <a:endParaRPr lang="en-GB" b="1" dirty="0">
+              <a:latin typeface="Verdana" panose="020B0604030504040204" pitchFamily="34" charset="0"/>
+              <a:ea typeface="Verdana" panose="020B0604030504040204" pitchFamily="34" charset="0"/>
+              <a:cs typeface="Verdana" panose="020B0604030504040204" pitchFamily="34" charset="0"/>
+              <a:hlinkClick r:id="rId2">
+                <a:extLst>
+                  <a:ext uri="{A12FA001-AC4F-418D-AE19-62706E023703}">
+                    <ahyp:hlinkClr xmlns:ahyp="http://schemas.microsoft.com/office/drawing/2018/hyperlinkcolor" val="tx"/>
+                  </a:ext>
+                </a:extLst>
+              </a:hlinkClick>
+            </a:endParaRPr>
+          </a:p>
+          <a:p>
+            <a:endParaRPr lang="en-GB" b="1" dirty="0">
+              <a:latin typeface="Verdana" panose="020B0604030504040204" pitchFamily="34" charset="0"/>
+              <a:ea typeface="Verdana" panose="020B0604030504040204" pitchFamily="34" charset="0"/>
+              <a:cs typeface="Verdana" panose="020B0604030504040204" pitchFamily="34" charset="0"/>
+              <a:hlinkClick r:id="rId2">
+                <a:extLst>
+                  <a:ext uri="{A12FA001-AC4F-418D-AE19-62706E023703}">
+                    <ahyp:hlinkClr xmlns:ahyp="http://schemas.microsoft.com/office/drawing/2018/hyperlinkcolor" val="tx"/>
+                  </a:ext>
+                </a:extLst>
+              </a:hlinkClick>
+            </a:endParaRPr>
+          </a:p>
+          <a:p>
+            <a:endParaRPr lang="en-GB" dirty="0">
+              <a:latin typeface="Verdana" panose="020B0604030504040204" pitchFamily="34" charset="0"/>
+              <a:ea typeface="Verdana" panose="020B0604030504040204" pitchFamily="34" charset="0"/>
+              <a:cs typeface="Verdana" panose="020B0604030504040204" pitchFamily="34" charset="0"/>
+              <a:hlinkClick r:id="rId2">
+                <a:extLst>
+                  <a:ext uri="{A12FA001-AC4F-418D-AE19-62706E023703}">
+                    <ahyp:hlinkClr xmlns:ahyp="http://schemas.microsoft.com/office/drawing/2018/hyperlinkcolor" val="tx"/>
+                  </a:ext>
+                </a:extLst>
+              </a:hlinkClick>
+            </a:endParaRPr>
+          </a:p>
+          <a:p>
+            <a:endParaRPr lang="en-GB" b="1" dirty="0">
+              <a:latin typeface="Verdana" panose="020B0604030504040204" pitchFamily="34" charset="0"/>
+              <a:ea typeface="Verdana" panose="020B0604030504040204" pitchFamily="34" charset="0"/>
+              <a:cs typeface="Verdana" panose="020B0604030504040204" pitchFamily="34" charset="0"/>
+              <a:hlinkClick r:id="rId2">
+                <a:extLst>
+                  <a:ext uri="{A12FA001-AC4F-418D-AE19-62706E023703}">
+                    <ahyp:hlinkClr xmlns:ahyp="http://schemas.microsoft.com/office/drawing/2018/hyperlinkcolor" val="tx"/>
+                  </a:ext>
+                </a:extLst>
+              </a:hlinkClick>
+            </a:endParaRPr>
+          </a:p>
+        </p:txBody>
+      </p:sp>
+    </p:spTree>
+    <p:extLst>
+      <p:ext uri="{BB962C8B-B14F-4D97-AF65-F5344CB8AC3E}">
+        <p14:creationId xmlns:p14="http://schemas.microsoft.com/office/powerpoint/2010/main" val="2829372207"/>
+      </p:ext>
+    </p:extLst>
+  </p:cSld>
+  <p:clrMapOvr>
+    <a:masterClrMapping/>
+  </p:clrMapOvr>
+</p:sld>
+</file>
+
+<file path=ppt/slides/slide51.xml><?xml version="1.0" encoding="utf-8"?>
+<p:sld xmlns:a="http://schemas.openxmlformats.org/drawingml/2006/main" xmlns:r="http://schemas.openxmlformats.org/officeDocument/2006/relationships" xmlns:p="http://schemas.openxmlformats.org/presentationml/2006/main">
+  <p:cSld>
+    <p:spTree>
+      <p:nvGrpSpPr>
+        <p:cNvPr id="1" name=""/>
+        <p:cNvGrpSpPr/>
+        <p:nvPr/>
+      </p:nvGrpSpPr>
+      <p:grpSpPr>
+        <a:xfrm>
+          <a:off x="0" y="0"/>
+          <a:ext cx="0" cy="0"/>
+          <a:chOff x="0" y="0"/>
+          <a:chExt cx="0" cy="0"/>
+        </a:xfrm>
+      </p:grpSpPr>
+      <p:sp>
+        <p:nvSpPr>
+          <p:cNvPr id="2" name="Title 1">
+            <a:extLst>
+              <a:ext uri="{FF2B5EF4-FFF2-40B4-BE49-F238E27FC236}">
+                <a16:creationId xmlns:a16="http://schemas.microsoft.com/office/drawing/2014/main" id="{DD3A7483-4E3A-FF49-BD5F-FD8E0F2B8A5D}"/>
+              </a:ext>
+            </a:extLst>
+          </p:cNvPr>
+          <p:cNvSpPr>
+            <a:spLocks noGrp="1"/>
+          </p:cNvSpPr>
+          <p:nvPr>
+            <p:ph type="title"/>
+          </p:nvPr>
+        </p:nvSpPr>
+        <p:spPr>
+          <a:xfrm>
+            <a:off x="1266584" y="472182"/>
+            <a:ext cx="8160230" cy="423193"/>
+          </a:xfrm>
+        </p:spPr>
+        <p:txBody>
+          <a:bodyPr/>
+          <a:lstStyle/>
+          <a:p>
+            <a:pPr algn="ctr"/>
+            <a:r>
+              <a:rPr lang="en-NL" dirty="0"/>
+              <a:t>Weather API</a:t>
+            </a:r>
+            <a:r>
+              <a:rPr lang="en-US" dirty="0"/>
+              <a:t> app</a:t>
+            </a:r>
+          </a:p>
+        </p:txBody>
+      </p:sp>
+      <p:sp>
+        <p:nvSpPr>
+          <p:cNvPr id="3" name="Text Placeholder 2">
+            <a:extLst>
+              <a:ext uri="{FF2B5EF4-FFF2-40B4-BE49-F238E27FC236}">
+                <a16:creationId xmlns:a16="http://schemas.microsoft.com/office/drawing/2014/main" id="{8E05DE2E-D70F-A04F-BBEA-D83569999687}"/>
+              </a:ext>
+            </a:extLst>
+          </p:cNvPr>
+          <p:cNvSpPr>
+            <a:spLocks noGrp="1"/>
+          </p:cNvSpPr>
+          <p:nvPr>
+            <p:ph type="body" idx="1"/>
+          </p:nvPr>
+        </p:nvSpPr>
+        <p:spPr>
+          <a:xfrm>
+            <a:off x="811770" y="1183666"/>
+            <a:ext cx="9069859" cy="900246"/>
+          </a:xfrm>
+        </p:spPr>
+        <p:txBody>
+          <a:bodyPr/>
+          <a:lstStyle/>
+          <a:p>
+            <a:endParaRPr lang="en-US" dirty="0"/>
+          </a:p>
+          <a:p>
+            <a:endParaRPr lang="en-US" dirty="0"/>
+          </a:p>
+          <a:p>
+            <a:pPr algn="ctr"/>
+            <a:r>
+              <a:rPr lang="en-US" dirty="0"/>
+              <a:t>See project: </a:t>
+            </a:r>
+            <a:r>
+              <a:rPr lang="en-US" dirty="0">
+                <a:solidFill>
+                  <a:srgbClr val="C00000"/>
+                </a:solidFill>
+              </a:rPr>
+              <a:t>C08-services-live-weather</a:t>
+            </a:r>
+          </a:p>
+        </p:txBody>
+      </p:sp>
+      <p:sp>
+        <p:nvSpPr>
+          <p:cNvPr id="4" name="object 4">
+            <a:extLst>
+              <a:ext uri="{FF2B5EF4-FFF2-40B4-BE49-F238E27FC236}">
+                <a16:creationId xmlns:a16="http://schemas.microsoft.com/office/drawing/2014/main" id="{478402BE-CBF1-E64E-AABD-45EA837DF181}"/>
+              </a:ext>
+            </a:extLst>
+          </p:cNvPr>
+          <p:cNvSpPr/>
+          <p:nvPr/>
+        </p:nvSpPr>
+        <p:spPr>
+          <a:xfrm>
+            <a:off x="1305949" y="4917951"/>
+            <a:ext cx="2522223" cy="1835657"/>
+          </a:xfrm>
+          <a:prstGeom prst="rect">
+            <a:avLst/>
+          </a:prstGeom>
+          <a:blipFill>
+            <a:blip r:embed="rId2" cstate="print"/>
+            <a:stretch>
+              <a:fillRect/>
+            </a:stretch>
+          </a:blipFill>
+        </p:spPr>
+        <p:txBody>
+          <a:bodyPr wrap="square" lIns="0" tIns="0" rIns="0" bIns="0" rtlCol="0"/>
+          <a:lstStyle/>
+          <a:p>
+            <a:endParaRPr/>
+          </a:p>
+        </p:txBody>
+      </p:sp>
+    </p:spTree>
+    <p:extLst>
+      <p:ext uri="{BB962C8B-B14F-4D97-AF65-F5344CB8AC3E}">
+        <p14:creationId xmlns:p14="http://schemas.microsoft.com/office/powerpoint/2010/main" val="865867448"/>
+      </p:ext>
+    </p:extLst>
+  </p:cSld>
+  <p:clrMapOvr>
+    <a:masterClrMapping/>
+  </p:clrMapOvr>
+</p:sld>
+</file>
+
+<file path=ppt/slides/slide52.xml><?xml version="1.0" encoding="utf-8"?>
 <p:sld xmlns:a="http://schemas.openxmlformats.org/drawingml/2006/main" xmlns:r="http://schemas.openxmlformats.org/officeDocument/2006/relationships" xmlns:p="http://schemas.openxmlformats.org/presentationml/2006/main">
   <p:cSld>
     <p:spTree>
@@ -40482,7 +40741,7 @@
 </p:sld>
 </file>
 
-<file path=ppt/slides/slide51.xml><?xml version="1.0" encoding="utf-8"?>
+<file path=ppt/slides/slide53.xml><?xml version="1.0" encoding="utf-8"?>
 <p:sld xmlns:a="http://schemas.openxmlformats.org/drawingml/2006/main" xmlns:r="http://schemas.openxmlformats.org/officeDocument/2006/relationships" xmlns:p="http://schemas.openxmlformats.org/presentationml/2006/main">
   <p:cSld>
     <p:spTree>
@@ -40785,62 +41044,220 @@
         <p:spPr>
           <a:xfrm>
             <a:off x="811770" y="1183666"/>
-            <a:ext cx="9069859" cy="1800493"/>
+            <a:ext cx="9069859" cy="3046988"/>
           </a:xfrm>
         </p:spPr>
         <p:txBody>
           <a:bodyPr/>
           <a:lstStyle/>
           <a:p>
-            <a:endParaRPr lang="en-US" dirty="0"/>
+            <a:endParaRPr lang="en-US" sz="1800" dirty="0">
+              <a:latin typeface="Verdana" panose="020B0604030504040204" pitchFamily="34" charset="0"/>
+              <a:ea typeface="Verdana" panose="020B0604030504040204" pitchFamily="34" charset="0"/>
+              <a:cs typeface="Verdana" panose="020B0604030504040204" pitchFamily="34" charset="0"/>
+            </a:endParaRPr>
           </a:p>
           <a:p>
             <a:pPr marL="342900" indent="-342900">
               <a:buFont typeface="Arial" panose="020B0604020202020204" pitchFamily="34" charset="0"/>
               <a:buChar char="•"/>
             </a:pPr>
-            <a:r>
-              <a:rPr lang="en-US" dirty="0"/>
-              <a:t>Data available for all components</a:t>
-            </a:r>
+            <a:endParaRPr lang="en-US" sz="1800" dirty="0">
+              <a:latin typeface="Verdana" panose="020B0604030504040204" pitchFamily="34" charset="0"/>
+              <a:ea typeface="Verdana" panose="020B0604030504040204" pitchFamily="34" charset="0"/>
+              <a:cs typeface="Verdana" panose="020B0604030504040204" pitchFamily="34" charset="0"/>
+            </a:endParaRPr>
           </a:p>
           <a:p>
             <a:pPr marL="342900" indent="-342900">
               <a:buFont typeface="Arial" panose="020B0604020202020204" pitchFamily="34" charset="0"/>
               <a:buChar char="•"/>
             </a:pPr>
-            <a:endParaRPr lang="en-US" dirty="0"/>
+            <a:r>
+              <a:rPr lang="nl-NL" sz="1800" spc="-5" dirty="0">
+                <a:latin typeface="Verdana" panose="020B0604030504040204" pitchFamily="34" charset="0"/>
+                <a:ea typeface="Verdana" panose="020B0604030504040204" pitchFamily="34" charset="0"/>
+                <a:cs typeface="Verdana" panose="020B0604030504040204" pitchFamily="34" charset="0"/>
+              </a:rPr>
+              <a:t>Make data </a:t>
+            </a:r>
+            <a:r>
+              <a:rPr lang="nl-NL" sz="1800" spc="-5" dirty="0" err="1">
+                <a:latin typeface="Verdana" panose="020B0604030504040204" pitchFamily="34" charset="0"/>
+                <a:ea typeface="Verdana" panose="020B0604030504040204" pitchFamily="34" charset="0"/>
+                <a:cs typeface="Verdana" panose="020B0604030504040204" pitchFamily="34" charset="0"/>
+              </a:rPr>
+              <a:t>functionality</a:t>
+            </a:r>
+            <a:r>
+              <a:rPr lang="nl-NL" sz="1800" spc="195" dirty="0">
+                <a:latin typeface="Verdana" panose="020B0604030504040204" pitchFamily="34" charset="0"/>
+                <a:ea typeface="Verdana" panose="020B0604030504040204" pitchFamily="34" charset="0"/>
+                <a:cs typeface="Verdana" panose="020B0604030504040204" pitchFamily="34" charset="0"/>
+              </a:rPr>
+              <a:t> </a:t>
+            </a:r>
+            <a:r>
+              <a:rPr lang="nl-NL" sz="1800" dirty="0" err="1">
+                <a:latin typeface="Verdana" panose="020B0604030504040204" pitchFamily="34" charset="0"/>
+                <a:ea typeface="Verdana" panose="020B0604030504040204" pitchFamily="34" charset="0"/>
+                <a:cs typeface="Verdana" panose="020B0604030504040204" pitchFamily="34" charset="0"/>
+              </a:rPr>
+              <a:t>reusable</a:t>
+            </a:r>
+            <a:r>
+              <a:rPr lang="nl-NL" sz="1800" spc="190" dirty="0">
+                <a:latin typeface="Verdana" panose="020B0604030504040204" pitchFamily="34" charset="0"/>
+                <a:ea typeface="Verdana" panose="020B0604030504040204" pitchFamily="34" charset="0"/>
+                <a:cs typeface="Verdana" panose="020B0604030504040204" pitchFamily="34" charset="0"/>
+              </a:rPr>
+              <a:t> </a:t>
+            </a:r>
+            <a:r>
+              <a:rPr lang="nl-NL" sz="1800" dirty="0" err="1">
+                <a:latin typeface="Verdana" panose="020B0604030504040204" pitchFamily="34" charset="0"/>
+                <a:ea typeface="Verdana" panose="020B0604030504040204" pitchFamily="34" charset="0"/>
+                <a:cs typeface="Verdana" panose="020B0604030504040204" pitchFamily="34" charset="0"/>
+              </a:rPr>
+              <a:t>for</a:t>
+            </a:r>
+            <a:r>
+              <a:rPr lang="nl-NL" sz="1800" dirty="0">
+                <a:latin typeface="Verdana" panose="020B0604030504040204" pitchFamily="34" charset="0"/>
+                <a:ea typeface="Verdana" panose="020B0604030504040204" pitchFamily="34" charset="0"/>
+                <a:cs typeface="Verdana" panose="020B0604030504040204" pitchFamily="34" charset="0"/>
+              </a:rPr>
+              <a:t> different</a:t>
+            </a:r>
+            <a:r>
+              <a:rPr lang="nl-NL" sz="1800" spc="185" dirty="0">
+                <a:latin typeface="Verdana" panose="020B0604030504040204" pitchFamily="34" charset="0"/>
+                <a:ea typeface="Verdana" panose="020B0604030504040204" pitchFamily="34" charset="0"/>
+                <a:cs typeface="Verdana" panose="020B0604030504040204" pitchFamily="34" charset="0"/>
+              </a:rPr>
+              <a:t> </a:t>
+            </a:r>
+            <a:r>
+              <a:rPr lang="nl-NL" sz="1800" spc="-5" dirty="0" err="1">
+                <a:latin typeface="Verdana" panose="020B0604030504040204" pitchFamily="34" charset="0"/>
+                <a:ea typeface="Verdana" panose="020B0604030504040204" pitchFamily="34" charset="0"/>
+                <a:cs typeface="Verdana" panose="020B0604030504040204" pitchFamily="34" charset="0"/>
+              </a:rPr>
+              <a:t>components</a:t>
+            </a:r>
+            <a:endParaRPr lang="en-US" sz="1800" dirty="0">
+              <a:latin typeface="Verdana" panose="020B0604030504040204" pitchFamily="34" charset="0"/>
+              <a:ea typeface="Verdana" panose="020B0604030504040204" pitchFamily="34" charset="0"/>
+              <a:cs typeface="Verdana" panose="020B0604030504040204" pitchFamily="34" charset="0"/>
+            </a:endParaRPr>
           </a:p>
           <a:p>
             <a:pPr marL="342900" indent="-342900">
               <a:buFont typeface="Arial" panose="020B0604020202020204" pitchFamily="34" charset="0"/>
               <a:buChar char="•"/>
             </a:pPr>
-            <a:r>
-              <a:rPr lang="en-US" dirty="0"/>
-              <a:t>Data will be available when you switch from component/view</a:t>
-            </a:r>
-          </a:p>
-          <a:p>
-            <a:r>
-              <a:rPr lang="en-US" dirty="0"/>
-              <a:t>(components are </a:t>
-            </a:r>
-            <a:r>
-              <a:rPr lang="en-GB" dirty="0"/>
-              <a:t>volatile to “save” data</a:t>
-            </a:r>
-            <a:r>
-              <a:rPr lang="en-US" dirty="0"/>
-              <a:t>)</a:t>
-            </a:r>
+            <a:endParaRPr lang="en-US" sz="1800" dirty="0">
+              <a:latin typeface="Verdana" panose="020B0604030504040204" pitchFamily="34" charset="0"/>
+              <a:ea typeface="Verdana" panose="020B0604030504040204" pitchFamily="34" charset="0"/>
+              <a:cs typeface="Verdana" panose="020B0604030504040204" pitchFamily="34" charset="0"/>
+            </a:endParaRPr>
           </a:p>
           <a:p>
             <a:pPr marL="342900" indent="-342900">
               <a:buFont typeface="Arial" panose="020B0604020202020204" pitchFamily="34" charset="0"/>
               <a:buChar char="•"/>
             </a:pPr>
-            <a:endParaRPr lang="en-US" dirty="0"/>
+            <a:r>
+              <a:rPr lang="en-US" sz="1800" dirty="0">
+                <a:latin typeface="Verdana" panose="020B0604030504040204" pitchFamily="34" charset="0"/>
+                <a:ea typeface="Verdana" panose="020B0604030504040204" pitchFamily="34" charset="0"/>
+                <a:cs typeface="Verdana" panose="020B0604030504040204" pitchFamily="34" charset="0"/>
+              </a:rPr>
+              <a:t>Data functionality available for all components</a:t>
+            </a:r>
+          </a:p>
+          <a:p>
+            <a:pPr marL="342900" indent="-342900">
+              <a:buFont typeface="Arial" panose="020B0604020202020204" pitchFamily="34" charset="0"/>
+              <a:buChar char="•"/>
+            </a:pPr>
+            <a:endParaRPr lang="en-US" sz="1800" dirty="0">
+              <a:latin typeface="Verdana" panose="020B0604030504040204" pitchFamily="34" charset="0"/>
+              <a:ea typeface="Verdana" panose="020B0604030504040204" pitchFamily="34" charset="0"/>
+              <a:cs typeface="Verdana" panose="020B0604030504040204" pitchFamily="34" charset="0"/>
+            </a:endParaRPr>
+          </a:p>
+          <a:p>
+            <a:pPr marL="342900" indent="-342900">
+              <a:buFont typeface="Arial" panose="020B0604020202020204" pitchFamily="34" charset="0"/>
+              <a:buChar char="•"/>
+            </a:pPr>
+            <a:r>
+              <a:rPr lang="en-US" sz="1800" dirty="0">
+                <a:latin typeface="Verdana" panose="020B0604030504040204" pitchFamily="34" charset="0"/>
+                <a:ea typeface="Verdana" panose="020B0604030504040204" pitchFamily="34" charset="0"/>
+                <a:cs typeface="Verdana" panose="020B0604030504040204" pitchFamily="34" charset="0"/>
+              </a:rPr>
+              <a:t>Data will be available when you switch from component/view</a:t>
+            </a:r>
+          </a:p>
+          <a:p>
+            <a:r>
+              <a:rPr lang="en-US" sz="1800" dirty="0">
+                <a:latin typeface="Verdana" panose="020B0604030504040204" pitchFamily="34" charset="0"/>
+                <a:ea typeface="Verdana" panose="020B0604030504040204" pitchFamily="34" charset="0"/>
+                <a:cs typeface="Verdana" panose="020B0604030504040204" pitchFamily="34" charset="0"/>
+              </a:rPr>
+              <a:t>    (components are </a:t>
+            </a:r>
+            <a:r>
+              <a:rPr lang="en-GB" sz="1800" dirty="0">
+                <a:latin typeface="Verdana" panose="020B0604030504040204" pitchFamily="34" charset="0"/>
+                <a:ea typeface="Verdana" panose="020B0604030504040204" pitchFamily="34" charset="0"/>
+                <a:cs typeface="Verdana" panose="020B0604030504040204" pitchFamily="34" charset="0"/>
+              </a:rPr>
+              <a:t>volatile to “share” data</a:t>
+            </a:r>
+            <a:r>
+              <a:rPr lang="en-US" sz="1800" dirty="0">
+                <a:latin typeface="Verdana" panose="020B0604030504040204" pitchFamily="34" charset="0"/>
+                <a:ea typeface="Verdana" panose="020B0604030504040204" pitchFamily="34" charset="0"/>
+                <a:cs typeface="Verdana" panose="020B0604030504040204" pitchFamily="34" charset="0"/>
+              </a:rPr>
+              <a:t>)</a:t>
+            </a:r>
+          </a:p>
+          <a:p>
+            <a:endParaRPr lang="en-US" sz="1800" dirty="0">
+              <a:latin typeface="Verdana" panose="020B0604030504040204" pitchFamily="34" charset="0"/>
+              <a:ea typeface="Verdana" panose="020B0604030504040204" pitchFamily="34" charset="0"/>
+              <a:cs typeface="Verdana" panose="020B0604030504040204" pitchFamily="34" charset="0"/>
+            </a:endParaRPr>
+          </a:p>
+          <a:p>
+            <a:pPr marL="285750" indent="-285750">
+              <a:buFont typeface="Arial" panose="020B0604020202020204" pitchFamily="34" charset="0"/>
+              <a:buChar char="•"/>
+            </a:pPr>
+            <a:r>
+              <a:rPr lang="en-US" sz="1800" dirty="0">
+                <a:latin typeface="Verdana" panose="020B0604030504040204" pitchFamily="34" charset="0"/>
+                <a:ea typeface="Verdana" panose="020B0604030504040204" pitchFamily="34" charset="0"/>
+                <a:cs typeface="Verdana" panose="020B0604030504040204" pitchFamily="34" charset="0"/>
+              </a:rPr>
+              <a:t>Contains logic that is not directly related to the view</a:t>
+            </a:r>
+          </a:p>
+          <a:p>
+            <a:pPr marL="342900" indent="-342900">
+              <a:buFont typeface="Arial" panose="020B0604020202020204" pitchFamily="34" charset="0"/>
+              <a:buChar char="•"/>
+            </a:pPr>
+            <a:endParaRPr lang="en-US" sz="1800" dirty="0">
+              <a:latin typeface="Verdana" panose="020B0604030504040204" pitchFamily="34" charset="0"/>
+              <a:ea typeface="Verdana" panose="020B0604030504040204" pitchFamily="34" charset="0"/>
+              <a:cs typeface="Verdana" panose="020B0604030504040204" pitchFamily="34" charset="0"/>
+            </a:endParaRPr>
           </a:p>
         </p:txBody>
       </p:sp>
@@ -41433,111 +41850,23 @@
           <a:bodyPr/>
           <a:lstStyle/>
           <a:p>
-            <a:endParaRPr lang="en-US" dirty="0"/>
-          </a:p>
-          <a:p>
-            <a:r>
-              <a:rPr lang="en-US" spc="10" dirty="0" err="1"/>
-              <a:t>Sta</a:t>
-            </a:r>
-            <a:r>
-              <a:rPr lang="en-US" spc="15" dirty="0" err="1"/>
-              <a:t>p</a:t>
-            </a:r>
-            <a:r>
-              <a:rPr lang="en-US" spc="275" dirty="0">
-                <a:latin typeface="Times New Roman"/>
-                <a:cs typeface="Times New Roman"/>
-              </a:rPr>
-              <a:t> </a:t>
-            </a:r>
-            <a:r>
-              <a:rPr lang="en-US" spc="15" dirty="0"/>
-              <a:t>1</a:t>
-            </a:r>
-            <a:r>
-              <a:rPr lang="en-US" spc="265" dirty="0">
-                <a:latin typeface="Times New Roman"/>
-                <a:cs typeface="Times New Roman"/>
-              </a:rPr>
-              <a:t> </a:t>
-            </a:r>
-            <a:r>
-              <a:rPr lang="en-US" spc="15" dirty="0"/>
-              <a:t>–</a:t>
-            </a:r>
-            <a:r>
-              <a:rPr lang="en-US" spc="265" dirty="0">
-                <a:latin typeface="Times New Roman"/>
-                <a:cs typeface="Times New Roman"/>
-              </a:rPr>
-              <a:t> </a:t>
-            </a:r>
-            <a:r>
-              <a:rPr lang="en-US" spc="15" dirty="0"/>
-              <a:t>create a service</a:t>
-            </a:r>
-            <a:endParaRPr lang="en-US" spc="20" dirty="0"/>
-          </a:p>
-          <a:p>
-            <a:endParaRPr lang="en-US" spc="20" dirty="0"/>
-          </a:p>
-          <a:p>
-            <a:endParaRPr lang="en-US" dirty="0"/>
-          </a:p>
-          <a:p>
-            <a:r>
-              <a:rPr lang="en-US" spc="10" dirty="0" err="1"/>
-              <a:t>Sta</a:t>
-            </a:r>
-            <a:r>
-              <a:rPr lang="en-US" spc="15" dirty="0" err="1"/>
-              <a:t>p</a:t>
-            </a:r>
-            <a:r>
-              <a:rPr lang="en-US" spc="275" dirty="0">
-                <a:latin typeface="Times New Roman"/>
-                <a:cs typeface="Times New Roman"/>
-              </a:rPr>
-              <a:t> </a:t>
-            </a:r>
-            <a:r>
-              <a:rPr lang="en-US" spc="15" dirty="0"/>
-              <a:t>2</a:t>
-            </a:r>
-            <a:r>
-              <a:rPr lang="en-US" spc="265" dirty="0">
-                <a:latin typeface="Times New Roman"/>
-                <a:cs typeface="Times New Roman"/>
-              </a:rPr>
-              <a:t> </a:t>
-            </a:r>
-            <a:r>
-              <a:rPr lang="en-US" spc="15" dirty="0"/>
-              <a:t>– </a:t>
-            </a:r>
-            <a:r>
-              <a:rPr lang="en-US" spc="10" dirty="0"/>
-              <a:t>consume/inject service in component</a:t>
-            </a:r>
-          </a:p>
-          <a:p>
-            <a:endParaRPr lang="en-US" spc="10" dirty="0"/>
-          </a:p>
-          <a:p>
-            <a:endParaRPr lang="en-US" spc="10" dirty="0"/>
-          </a:p>
-          <a:p>
-            <a:r>
-              <a:rPr lang="en-US" spc="10" dirty="0" err="1">
+            <a:endParaRPr lang="en-US" dirty="0">
+              <a:latin typeface="Verdana" panose="020B0604030504040204" pitchFamily="34" charset="0"/>
+              <a:ea typeface="Verdana" panose="020B0604030504040204" pitchFamily="34" charset="0"/>
+              <a:cs typeface="Verdana" panose="020B0604030504040204" pitchFamily="34" charset="0"/>
+            </a:endParaRPr>
+          </a:p>
+          <a:p>
+            <a:r>
+              <a:rPr lang="en-US" spc="10" dirty="0">
                 <a:latin typeface="Verdana" panose="020B0604030504040204" pitchFamily="34" charset="0"/>
                 <a:ea typeface="Verdana" panose="020B0604030504040204" pitchFamily="34" charset="0"/>
                 <a:cs typeface="Verdana" panose="020B0604030504040204" pitchFamily="34" charset="0"/>
               </a:rPr>
-              <a:t>Sta</a:t>
-            </a:r>
-            <a:r>
-              <a:rPr lang="en-US" spc="15" dirty="0" err="1">
+              <a:t>Ste</a:t>
+            </a:r>
+            <a:r>
+              <a:rPr lang="en-US" spc="15" dirty="0">
                 <a:latin typeface="Verdana" panose="020B0604030504040204" pitchFamily="34" charset="0"/>
                 <a:ea typeface="Verdana" panose="020B0604030504040204" pitchFamily="34" charset="0"/>
                 <a:cs typeface="Verdana" panose="020B0604030504040204" pitchFamily="34" charset="0"/>
@@ -41558,39 +41887,211 @@
                 <a:ea typeface="Verdana" panose="020B0604030504040204" pitchFamily="34" charset="0"/>
                 <a:cs typeface="Verdana" panose="020B0604030504040204" pitchFamily="34" charset="0"/>
               </a:rPr>
+              <a:t>1</a:t>
+            </a:r>
+            <a:r>
+              <a:rPr lang="en-US" spc="265" dirty="0">
+                <a:latin typeface="Verdana" panose="020B0604030504040204" pitchFamily="34" charset="0"/>
+                <a:ea typeface="Verdana" panose="020B0604030504040204" pitchFamily="34" charset="0"/>
+                <a:cs typeface="Verdana" panose="020B0604030504040204" pitchFamily="34" charset="0"/>
+              </a:rPr>
+              <a:t> </a:t>
+            </a:r>
+            <a:r>
+              <a:rPr lang="en-US" spc="15" dirty="0">
+                <a:latin typeface="Verdana" panose="020B0604030504040204" pitchFamily="34" charset="0"/>
+                <a:ea typeface="Verdana" panose="020B0604030504040204" pitchFamily="34" charset="0"/>
+                <a:cs typeface="Verdana" panose="020B0604030504040204" pitchFamily="34" charset="0"/>
+              </a:rPr>
+              <a:t>–</a:t>
+            </a:r>
+            <a:r>
+              <a:rPr lang="en-US" spc="265" dirty="0">
+                <a:latin typeface="Verdana" panose="020B0604030504040204" pitchFamily="34" charset="0"/>
+                <a:ea typeface="Verdana" panose="020B0604030504040204" pitchFamily="34" charset="0"/>
+                <a:cs typeface="Verdana" panose="020B0604030504040204" pitchFamily="34" charset="0"/>
+              </a:rPr>
+              <a:t> </a:t>
+            </a:r>
+            <a:r>
+              <a:rPr lang="en-US" spc="15" dirty="0">
+                <a:latin typeface="Verdana" panose="020B0604030504040204" pitchFamily="34" charset="0"/>
+                <a:ea typeface="Verdana" panose="020B0604030504040204" pitchFamily="34" charset="0"/>
+                <a:cs typeface="Verdana" panose="020B0604030504040204" pitchFamily="34" charset="0"/>
+              </a:rPr>
+              <a:t>create a service</a:t>
+            </a:r>
+            <a:endParaRPr lang="en-US" spc="20" dirty="0">
+              <a:latin typeface="Verdana" panose="020B0604030504040204" pitchFamily="34" charset="0"/>
+              <a:ea typeface="Verdana" panose="020B0604030504040204" pitchFamily="34" charset="0"/>
+              <a:cs typeface="Verdana" panose="020B0604030504040204" pitchFamily="34" charset="0"/>
+            </a:endParaRPr>
+          </a:p>
+          <a:p>
+            <a:endParaRPr lang="en-US" spc="20" dirty="0">
+              <a:latin typeface="Verdana" panose="020B0604030504040204" pitchFamily="34" charset="0"/>
+              <a:ea typeface="Verdana" panose="020B0604030504040204" pitchFamily="34" charset="0"/>
+              <a:cs typeface="Verdana" panose="020B0604030504040204" pitchFamily="34" charset="0"/>
+            </a:endParaRPr>
+          </a:p>
+          <a:p>
+            <a:endParaRPr lang="en-US" dirty="0">
+              <a:latin typeface="Verdana" panose="020B0604030504040204" pitchFamily="34" charset="0"/>
+              <a:ea typeface="Verdana" panose="020B0604030504040204" pitchFamily="34" charset="0"/>
+              <a:cs typeface="Verdana" panose="020B0604030504040204" pitchFamily="34" charset="0"/>
+            </a:endParaRPr>
+          </a:p>
+          <a:p>
+            <a:r>
+              <a:rPr lang="en-US" spc="10" dirty="0">
+                <a:latin typeface="Verdana" panose="020B0604030504040204" pitchFamily="34" charset="0"/>
+                <a:ea typeface="Verdana" panose="020B0604030504040204" pitchFamily="34" charset="0"/>
+                <a:cs typeface="Verdana" panose="020B0604030504040204" pitchFamily="34" charset="0"/>
+              </a:rPr>
+              <a:t>Ste</a:t>
+            </a:r>
+            <a:r>
+              <a:rPr lang="en-US" spc="15" dirty="0">
+                <a:latin typeface="Verdana" panose="020B0604030504040204" pitchFamily="34" charset="0"/>
+                <a:ea typeface="Verdana" panose="020B0604030504040204" pitchFamily="34" charset="0"/>
+                <a:cs typeface="Verdana" panose="020B0604030504040204" pitchFamily="34" charset="0"/>
+              </a:rPr>
+              <a:t>p</a:t>
+            </a:r>
+            <a:r>
+              <a:rPr lang="en-US" spc="275" dirty="0">
+                <a:latin typeface="Verdana" panose="020B0604030504040204" pitchFamily="34" charset="0"/>
+                <a:ea typeface="Verdana" panose="020B0604030504040204" pitchFamily="34" charset="0"/>
+                <a:cs typeface="Verdana" panose="020B0604030504040204" pitchFamily="34" charset="0"/>
+              </a:rPr>
+              <a:t> </a:t>
+            </a:r>
+            <a:r>
+              <a:rPr lang="en-US" spc="15" dirty="0">
+                <a:latin typeface="Verdana" panose="020B0604030504040204" pitchFamily="34" charset="0"/>
+                <a:ea typeface="Verdana" panose="020B0604030504040204" pitchFamily="34" charset="0"/>
+                <a:cs typeface="Verdana" panose="020B0604030504040204" pitchFamily="34" charset="0"/>
+              </a:rPr>
+              <a:t>2</a:t>
+            </a:r>
+            <a:r>
+              <a:rPr lang="en-US" spc="265" dirty="0">
+                <a:latin typeface="Verdana" panose="020B0604030504040204" pitchFamily="34" charset="0"/>
+                <a:ea typeface="Verdana" panose="020B0604030504040204" pitchFamily="34" charset="0"/>
+                <a:cs typeface="Verdana" panose="020B0604030504040204" pitchFamily="34" charset="0"/>
+              </a:rPr>
+              <a:t> </a:t>
+            </a:r>
+            <a:r>
+              <a:rPr lang="en-US" spc="15" dirty="0">
+                <a:latin typeface="Verdana" panose="020B0604030504040204" pitchFamily="34" charset="0"/>
+                <a:ea typeface="Verdana" panose="020B0604030504040204" pitchFamily="34" charset="0"/>
+                <a:cs typeface="Verdana" panose="020B0604030504040204" pitchFamily="34" charset="0"/>
+              </a:rPr>
+              <a:t>– </a:t>
+            </a:r>
+            <a:r>
+              <a:rPr lang="en-US" spc="10" dirty="0">
+                <a:latin typeface="Verdana" panose="020B0604030504040204" pitchFamily="34" charset="0"/>
+                <a:ea typeface="Verdana" panose="020B0604030504040204" pitchFamily="34" charset="0"/>
+                <a:cs typeface="Verdana" panose="020B0604030504040204" pitchFamily="34" charset="0"/>
+              </a:rPr>
+              <a:t>consume/inject service in component</a:t>
+            </a:r>
+          </a:p>
+          <a:p>
+            <a:endParaRPr lang="en-US" spc="10" dirty="0">
+              <a:latin typeface="Verdana" panose="020B0604030504040204" pitchFamily="34" charset="0"/>
+              <a:ea typeface="Verdana" panose="020B0604030504040204" pitchFamily="34" charset="0"/>
+              <a:cs typeface="Verdana" panose="020B0604030504040204" pitchFamily="34" charset="0"/>
+            </a:endParaRPr>
+          </a:p>
+          <a:p>
+            <a:endParaRPr lang="en-US" spc="10" dirty="0">
+              <a:latin typeface="Verdana" panose="020B0604030504040204" pitchFamily="34" charset="0"/>
+              <a:ea typeface="Verdana" panose="020B0604030504040204" pitchFamily="34" charset="0"/>
+              <a:cs typeface="Verdana" panose="020B0604030504040204" pitchFamily="34" charset="0"/>
+            </a:endParaRPr>
+          </a:p>
+          <a:p>
+            <a:r>
+              <a:rPr lang="en-US" spc="10" dirty="0">
+                <a:latin typeface="Verdana" panose="020B0604030504040204" pitchFamily="34" charset="0"/>
+                <a:ea typeface="Verdana" panose="020B0604030504040204" pitchFamily="34" charset="0"/>
+                <a:cs typeface="Verdana" panose="020B0604030504040204" pitchFamily="34" charset="0"/>
+              </a:rPr>
+              <a:t>Ste</a:t>
+            </a:r>
+            <a:r>
+              <a:rPr lang="en-US" spc="15" dirty="0">
+                <a:latin typeface="Verdana" panose="020B0604030504040204" pitchFamily="34" charset="0"/>
+                <a:ea typeface="Verdana" panose="020B0604030504040204" pitchFamily="34" charset="0"/>
+                <a:cs typeface="Verdana" panose="020B0604030504040204" pitchFamily="34" charset="0"/>
+              </a:rPr>
+              <a:t>p</a:t>
+            </a:r>
+            <a:r>
+              <a:rPr lang="en-US" spc="275" dirty="0">
+                <a:latin typeface="Verdana" panose="020B0604030504040204" pitchFamily="34" charset="0"/>
+                <a:ea typeface="Verdana" panose="020B0604030504040204" pitchFamily="34" charset="0"/>
+                <a:cs typeface="Verdana" panose="020B0604030504040204" pitchFamily="34" charset="0"/>
+              </a:rPr>
+              <a:t> </a:t>
+            </a:r>
+            <a:r>
+              <a:rPr lang="en-US" spc="15" dirty="0">
+                <a:latin typeface="Verdana" panose="020B0604030504040204" pitchFamily="34" charset="0"/>
+                <a:ea typeface="Verdana" panose="020B0604030504040204" pitchFamily="34" charset="0"/>
+                <a:cs typeface="Verdana" panose="020B0604030504040204" pitchFamily="34" charset="0"/>
+              </a:rPr>
               <a:t>3</a:t>
             </a:r>
             <a:r>
               <a:rPr lang="en-US" spc="265" dirty="0">
-                <a:latin typeface="Times New Roman"/>
-                <a:cs typeface="Times New Roman"/>
-              </a:rPr>
-              <a:t> </a:t>
-            </a:r>
-            <a:r>
-              <a:rPr lang="en-US" spc="15" dirty="0"/>
+                <a:latin typeface="Verdana" panose="020B0604030504040204" pitchFamily="34" charset="0"/>
+                <a:ea typeface="Verdana" panose="020B0604030504040204" pitchFamily="34" charset="0"/>
+                <a:cs typeface="Verdana" panose="020B0604030504040204" pitchFamily="34" charset="0"/>
+              </a:rPr>
+              <a:t> </a:t>
+            </a:r>
+            <a:r>
+              <a:rPr lang="en-US" spc="15" dirty="0">
+                <a:latin typeface="Verdana" panose="020B0604030504040204" pitchFamily="34" charset="0"/>
+                <a:ea typeface="Verdana" panose="020B0604030504040204" pitchFamily="34" charset="0"/>
+                <a:cs typeface="Verdana" panose="020B0604030504040204" pitchFamily="34" charset="0"/>
+              </a:rPr>
               <a:t>–</a:t>
             </a:r>
             <a:r>
               <a:rPr lang="en-US" spc="265" dirty="0">
-                <a:latin typeface="Times New Roman"/>
-                <a:cs typeface="Times New Roman"/>
-              </a:rPr>
-              <a:t> </a:t>
-            </a:r>
-            <a:r>
-              <a:rPr lang="en-US" spc="10" dirty="0"/>
+                <a:latin typeface="Verdana" panose="020B0604030504040204" pitchFamily="34" charset="0"/>
+                <a:ea typeface="Verdana" panose="020B0604030504040204" pitchFamily="34" charset="0"/>
+                <a:cs typeface="Verdana" panose="020B0604030504040204" pitchFamily="34" charset="0"/>
+              </a:rPr>
+              <a:t> </a:t>
+            </a:r>
+            <a:r>
+              <a:rPr lang="en-US" spc="10" dirty="0">
+                <a:latin typeface="Verdana" panose="020B0604030504040204" pitchFamily="34" charset="0"/>
+                <a:ea typeface="Verdana" panose="020B0604030504040204" pitchFamily="34" charset="0"/>
+                <a:cs typeface="Verdana" panose="020B0604030504040204" pitchFamily="34" charset="0"/>
+              </a:rPr>
               <a:t>inject service in</a:t>
             </a:r>
             <a:r>
               <a:rPr lang="en-US" spc="260" dirty="0">
-                <a:latin typeface="Times New Roman"/>
-                <a:cs typeface="Times New Roman"/>
-              </a:rPr>
-              <a:t> </a:t>
-            </a:r>
-            <a:r>
-              <a:rPr lang="en-US" spc="15" dirty="0"/>
+                <a:latin typeface="Verdana" panose="020B0604030504040204" pitchFamily="34" charset="0"/>
+                <a:ea typeface="Verdana" panose="020B0604030504040204" pitchFamily="34" charset="0"/>
+                <a:cs typeface="Verdana" panose="020B0604030504040204" pitchFamily="34" charset="0"/>
+              </a:rPr>
+              <a:t> </a:t>
+            </a:r>
+            <a:r>
+              <a:rPr lang="en-US" spc="15" dirty="0">
+                <a:latin typeface="Verdana" panose="020B0604030504040204" pitchFamily="34" charset="0"/>
+                <a:ea typeface="Verdana" panose="020B0604030504040204" pitchFamily="34" charset="0"/>
+                <a:cs typeface="Verdana" panose="020B0604030504040204" pitchFamily="34" charset="0"/>
+              </a:rPr>
               <a:t>Module (</a:t>
             </a:r>
             <a:r>
@@ -41598,14 +42099,25 @@
                 <a:solidFill>
                   <a:srgbClr val="C00000"/>
                 </a:solidFill>
+                <a:latin typeface="Verdana" panose="020B0604030504040204" pitchFamily="34" charset="0"/>
+                <a:ea typeface="Verdana" panose="020B0604030504040204" pitchFamily="34" charset="0"/>
+                <a:cs typeface="Verdana" panose="020B0604030504040204" pitchFamily="34" charset="0"/>
               </a:rPr>
               <a:t>app.module.ts</a:t>
             </a:r>
             <a:r>
-              <a:rPr lang="en-US" spc="15" dirty="0"/>
+              <a:rPr lang="en-US" spc="15" dirty="0">
+                <a:latin typeface="Verdana" panose="020B0604030504040204" pitchFamily="34" charset="0"/>
+                <a:ea typeface="Verdana" panose="020B0604030504040204" pitchFamily="34" charset="0"/>
+                <a:cs typeface="Verdana" panose="020B0604030504040204" pitchFamily="34" charset="0"/>
+              </a:rPr>
               <a:t>)</a:t>
             </a:r>
-            <a:endParaRPr lang="en-US" dirty="0"/>
+            <a:endParaRPr lang="en-US" dirty="0">
+              <a:latin typeface="Verdana" panose="020B0604030504040204" pitchFamily="34" charset="0"/>
+              <a:ea typeface="Verdana" panose="020B0604030504040204" pitchFamily="34" charset="0"/>
+              <a:cs typeface="Verdana" panose="020B0604030504040204" pitchFamily="34" charset="0"/>
+            </a:endParaRPr>
           </a:p>
         </p:txBody>
       </p:sp>
@@ -41664,7 +42176,7 @@
           </a:bodyPr>
           <a:lstStyle/>
           <a:p>
-            <a:pPr marL="12700">
+            <a:pPr marL="12700" algn="ctr">
               <a:lnSpc>
                 <a:spcPct val="100000"/>
               </a:lnSpc>

--- a/PPT/03- Angular Service.pptx
+++ b/PPT/03- Angular Service.pptx
@@ -3464,7 +3464,7 @@
           <a:p>
             <a:fld id="{9C322094-E358-534C-BE80-A03A09CAF25D}" type="datetime1">
               <a:rPr lang="en-US" smtClean="0"/>
-              <a:t>12/2/20</a:t>
+              <a:t>12/3/20</a:t>
             </a:fld>
             <a:endParaRPr lang="en-US"/>
           </a:p>
@@ -3618,7 +3618,7 @@
           <a:p>
             <a:fld id="{9966B5DA-DEE5-8644-9F0E-DBCE6D1C3A42}" type="datetime1">
               <a:rPr lang="en-US" smtClean="0"/>
-              <a:t>12/2/20</a:t>
+              <a:t>12/3/20</a:t>
             </a:fld>
             <a:endParaRPr lang="en-US"/>
           </a:p>
@@ -3809,7 +3809,7 @@
           <a:p>
             <a:fld id="{41F97762-3263-DF49-80A6-CD151E4C6914}" type="datetime1">
               <a:rPr lang="en-US" smtClean="0"/>
-              <a:t>12/2/20</a:t>
+              <a:t>12/3/20</a:t>
             </a:fld>
             <a:endParaRPr lang="en-US"/>
           </a:p>
@@ -3934,7 +3934,7 @@
           <a:p>
             <a:fld id="{526BEC33-56F8-0444-9BA6-E82DAC05C6FD}" type="datetime1">
               <a:rPr lang="en-US" smtClean="0"/>
-              <a:t>12/2/20</a:t>
+              <a:t>12/3/20</a:t>
             </a:fld>
             <a:endParaRPr lang="en-US"/>
           </a:p>
@@ -4030,7 +4030,7 @@
           <a:p>
             <a:fld id="{B78498E7-83D0-C34B-8AF7-9656E256FA44}" type="datetime1">
               <a:rPr lang="en-US" smtClean="0"/>
-              <a:t>12/2/20</a:t>
+              <a:t>12/3/20</a:t>
             </a:fld>
             <a:endParaRPr lang="en-US"/>
           </a:p>
@@ -4148,7 +4148,7 @@
           <a:p>
             <a:fld id="{9379F80A-5E69-4003-A4CA-EECDF3CD699D}" type="datetimeFigureOut">
               <a:rPr lang="nl-NL" smtClean="0"/>
-              <a:t>02-12-2020</a:t>
+              <a:t>03-12-2020</a:t>
             </a:fld>
             <a:endParaRPr lang="nl-NL"/>
           </a:p>
@@ -4396,7 +4396,7 @@
           <a:p>
             <a:fld id="{ECAC77C6-CD6A-8242-9423-990DEB973133}" type="datetime1">
               <a:rPr lang="en-US" smtClean="0"/>
-              <a:t>12/2/20</a:t>
+              <a:t>12/3/20</a:t>
             </a:fld>
             <a:endParaRPr lang="en-US"/>
           </a:p>
@@ -30086,12 +30086,24 @@
               <a:t>(</a:t>
             </a:r>
             <a:r>
-              <a:rPr lang="en-US" sz="2000" dirty="0" err="1"/>
+              <a:rPr lang="en-US" sz="2000" dirty="0" err="1">
+                <a:solidFill>
+                  <a:schemeClr val="accent6"/>
+                </a:solidFill>
+              </a:rPr>
               <a:t>cityName</a:t>
             </a:r>
             <a:r>
+              <a:rPr lang="en-US" sz="2000" dirty="0">
+                <a:solidFill>
+                  <a:schemeClr val="accent6"/>
+                </a:solidFill>
+              </a:rPr>
+              <a:t>: string</a:t>
+            </a:r>
+            <a:r>
               <a:rPr lang="en-US" sz="2000" dirty="0"/>
-              <a:t>: string): Observable&lt;City&gt; {</a:t>
+              <a:t>): Observable&lt;City&gt; {</a:t>
             </a:r>
           </a:p>
           <a:p>
@@ -30128,7 +30140,11 @@
               <a:t>, </a:t>
             </a:r>
             <a:r>
-              <a:rPr lang="en-US" sz="2000" dirty="0" err="1"/>
+              <a:rPr lang="en-US" sz="2000" dirty="0" err="1">
+                <a:solidFill>
+                  <a:schemeClr val="accent6"/>
+                </a:solidFill>
+              </a:rPr>
               <a:t>cityName</a:t>
             </a:r>
             <a:r>
@@ -35439,7 +35455,24 @@
                 <a:latin typeface="Verdana"/>
                 <a:cs typeface="Verdana"/>
               </a:rPr>
-              <a:t>Async also unsubscribes !!!</a:t>
+              <a:t>Async also </a:t>
+            </a:r>
+            <a:r>
+              <a:rPr lang="en-US" sz="2400" b="1" dirty="0">
+                <a:solidFill>
+                  <a:srgbClr val="FF0000"/>
+                </a:solidFill>
+                <a:latin typeface="Verdana"/>
+                <a:cs typeface="Verdana"/>
+              </a:rPr>
+              <a:t>un</a:t>
+            </a:r>
+            <a:r>
+              <a:rPr lang="en-US" sz="2400" b="1" dirty="0">
+                <a:latin typeface="Verdana"/>
+                <a:cs typeface="Verdana"/>
+              </a:rPr>
+              <a:t>subscribes !!!</a:t>
             </a:r>
           </a:p>
         </p:txBody>
@@ -35812,7 +35845,7 @@
                 <a:latin typeface="Verdana"/>
                 <a:cs typeface="Verdana"/>
               </a:rPr>
-              <a:t>subscribe()</a:t>
+              <a:t>subscribe() needed</a:t>
             </a:r>
             <a:endParaRPr lang="en-US" sz="2600" spc="-15" dirty="0">
               <a:latin typeface="Verdana"/>
@@ -35858,7 +35891,7 @@
                 <a:latin typeface="Verdana"/>
                 <a:cs typeface="Verdana"/>
               </a:rPr>
-              <a:t>unsubscribe()</a:t>
+              <a:t>unsubscribe() needed</a:t>
             </a:r>
             <a:endParaRPr lang="en-US" sz="2600" spc="-15" dirty="0">
               <a:latin typeface="Verdana"/>
@@ -43218,7 +43251,7 @@
         <p:spPr>
           <a:xfrm>
             <a:off x="811770" y="1183666"/>
-            <a:ext cx="9069859" cy="2762295"/>
+            <a:ext cx="9069859" cy="3624069"/>
           </a:xfrm>
         </p:spPr>
         <p:txBody>
@@ -43268,7 +43301,29 @@
                 <a:ea typeface="Verdana" panose="020B0604030504040204" pitchFamily="34" charset="0"/>
                 <a:cs typeface="Verdana" panose="020B0604030504040204" pitchFamily="34" charset="0"/>
               </a:rPr>
-              <a:t>Put all your (business)logic in the service !</a:t>
+              <a:t>Put all your (business)logic in the </a:t>
+            </a:r>
+            <a:r>
+              <a:rPr lang="en-US" sz="2800" b="1" dirty="0">
+                <a:solidFill>
+                  <a:srgbClr val="C00000"/>
+                </a:solidFill>
+                <a:latin typeface="Verdana" panose="020B0604030504040204" pitchFamily="34" charset="0"/>
+                <a:ea typeface="Verdana" panose="020B0604030504040204" pitchFamily="34" charset="0"/>
+                <a:cs typeface="Verdana" panose="020B0604030504040204" pitchFamily="34" charset="0"/>
+              </a:rPr>
+              <a:t>service</a:t>
+            </a:r>
+            <a:r>
+              <a:rPr lang="en-US" sz="2800" b="1" dirty="0">
+                <a:solidFill>
+                  <a:srgbClr val="FF0000"/>
+                </a:solidFill>
+                <a:latin typeface="Verdana" panose="020B0604030504040204" pitchFamily="34" charset="0"/>
+                <a:ea typeface="Verdana" panose="020B0604030504040204" pitchFamily="34" charset="0"/>
+                <a:cs typeface="Verdana" panose="020B0604030504040204" pitchFamily="34" charset="0"/>
+              </a:rPr>
+              <a:t> !</a:t>
             </a:r>
           </a:p>
           <a:p>
@@ -43284,16 +43339,60 @@
           </a:p>
           <a:p>
             <a:pPr algn="ctr"/>
+            <a:endParaRPr lang="en-US" sz="2800" b="1" dirty="0">
+              <a:solidFill>
+                <a:schemeClr val="accent6"/>
+              </a:solidFill>
+              <a:latin typeface="Verdana" panose="020B0604030504040204" pitchFamily="34" charset="0"/>
+              <a:ea typeface="Verdana" panose="020B0604030504040204" pitchFamily="34" charset="0"/>
+              <a:cs typeface="Verdana" panose="020B0604030504040204" pitchFamily="34" charset="0"/>
+            </a:endParaRPr>
+          </a:p>
+          <a:p>
+            <a:pPr algn="ctr"/>
+            <a:endParaRPr lang="en-US" sz="2800" b="1" dirty="0">
+              <a:solidFill>
+                <a:schemeClr val="accent6"/>
+              </a:solidFill>
+              <a:latin typeface="Verdana" panose="020B0604030504040204" pitchFamily="34" charset="0"/>
+              <a:ea typeface="Verdana" panose="020B0604030504040204" pitchFamily="34" charset="0"/>
+              <a:cs typeface="Verdana" panose="020B0604030504040204" pitchFamily="34" charset="0"/>
+            </a:endParaRPr>
+          </a:p>
+          <a:p>
+            <a:pPr algn="ctr"/>
             <a:r>
               <a:rPr lang="en-US" sz="2800" b="1" dirty="0">
                 <a:solidFill>
-                  <a:srgbClr val="FF0000"/>
+                  <a:schemeClr val="accent6"/>
                 </a:solidFill>
                 <a:latin typeface="Verdana" panose="020B0604030504040204" pitchFamily="34" charset="0"/>
                 <a:ea typeface="Verdana" panose="020B0604030504040204" pitchFamily="34" charset="0"/>
                 <a:cs typeface="Verdana" panose="020B0604030504040204" pitchFamily="34" charset="0"/>
               </a:rPr>
-              <a:t>The Component should be lean and mean !</a:t>
+              <a:t>The </a:t>
+            </a:r>
+            <a:r>
+              <a:rPr lang="en-US" sz="2800" b="1" dirty="0">
+                <a:solidFill>
+                  <a:srgbClr val="FFC000"/>
+                </a:solidFill>
+                <a:latin typeface="Verdana" panose="020B0604030504040204" pitchFamily="34" charset="0"/>
+                <a:ea typeface="Verdana" panose="020B0604030504040204" pitchFamily="34" charset="0"/>
+                <a:cs typeface="Verdana" panose="020B0604030504040204" pitchFamily="34" charset="0"/>
+              </a:rPr>
+              <a:t>Component</a:t>
+            </a:r>
+            <a:r>
+              <a:rPr lang="en-US" sz="2800" b="1" dirty="0">
+                <a:solidFill>
+                  <a:schemeClr val="accent6"/>
+                </a:solidFill>
+                <a:latin typeface="Verdana" panose="020B0604030504040204" pitchFamily="34" charset="0"/>
+                <a:ea typeface="Verdana" panose="020B0604030504040204" pitchFamily="34" charset="0"/>
+                <a:cs typeface="Verdana" panose="020B0604030504040204" pitchFamily="34" charset="0"/>
+              </a:rPr>
+              <a:t> should be lean and mean !</a:t>
             </a:r>
           </a:p>
           <a:p>
@@ -43302,6 +43401,9 @@
               <a:buChar char="•"/>
             </a:pPr>
             <a:endParaRPr lang="en-US" sz="1600" dirty="0">
+              <a:solidFill>
+                <a:schemeClr val="accent6"/>
+              </a:solidFill>
               <a:latin typeface="Verdana" panose="020B0604030504040204" pitchFamily="34" charset="0"/>
               <a:ea typeface="Verdana" panose="020B0604030504040204" pitchFamily="34" charset="0"/>
               <a:cs typeface="Verdana" panose="020B0604030504040204" pitchFamily="34" charset="0"/>

--- a/PPT/03- Angular Service.pptx
+++ b/PPT/03- Angular Service.pptx
@@ -3464,7 +3464,7 @@
           <a:p>
             <a:fld id="{9C322094-E358-534C-BE80-A03A09CAF25D}" type="datetime1">
               <a:rPr lang="en-US" smtClean="0"/>
-              <a:t>12/3/20</a:t>
+              <a:t>4/16/21</a:t>
             </a:fld>
             <a:endParaRPr lang="en-US"/>
           </a:p>
@@ -3618,7 +3618,7 @@
           <a:p>
             <a:fld id="{9966B5DA-DEE5-8644-9F0E-DBCE6D1C3A42}" type="datetime1">
               <a:rPr lang="en-US" smtClean="0"/>
-              <a:t>12/3/20</a:t>
+              <a:t>4/16/21</a:t>
             </a:fld>
             <a:endParaRPr lang="en-US"/>
           </a:p>
@@ -3809,7 +3809,7 @@
           <a:p>
             <a:fld id="{41F97762-3263-DF49-80A6-CD151E4C6914}" type="datetime1">
               <a:rPr lang="en-US" smtClean="0"/>
-              <a:t>12/3/20</a:t>
+              <a:t>4/16/21</a:t>
             </a:fld>
             <a:endParaRPr lang="en-US"/>
           </a:p>
@@ -3934,7 +3934,7 @@
           <a:p>
             <a:fld id="{526BEC33-56F8-0444-9BA6-E82DAC05C6FD}" type="datetime1">
               <a:rPr lang="en-US" smtClean="0"/>
-              <a:t>12/3/20</a:t>
+              <a:t>4/16/21</a:t>
             </a:fld>
             <a:endParaRPr lang="en-US"/>
           </a:p>
@@ -4030,7 +4030,7 @@
           <a:p>
             <a:fld id="{B78498E7-83D0-C34B-8AF7-9656E256FA44}" type="datetime1">
               <a:rPr lang="en-US" smtClean="0"/>
-              <a:t>12/3/20</a:t>
+              <a:t>4/16/21</a:t>
             </a:fld>
             <a:endParaRPr lang="en-US"/>
           </a:p>
@@ -4148,7 +4148,7 @@
           <a:p>
             <a:fld id="{9379F80A-5E69-4003-A4CA-EECDF3CD699D}" type="datetimeFigureOut">
               <a:rPr lang="nl-NL" smtClean="0"/>
-              <a:t>03-12-2020</a:t>
+              <a:t>16-04-2021</a:t>
             </a:fld>
             <a:endParaRPr lang="nl-NL"/>
           </a:p>
@@ -4396,7 +4396,7 @@
           <a:p>
             <a:fld id="{ECAC77C6-CD6A-8242-9423-990DEB973133}" type="datetime1">
               <a:rPr lang="en-US" smtClean="0"/>
-              <a:t>12/3/20</a:t>
+              <a:t>4/16/21</a:t>
             </a:fld>
             <a:endParaRPr lang="en-US"/>
           </a:p>
@@ -35455,7 +35455,7 @@
                 <a:latin typeface="Verdana"/>
                 <a:cs typeface="Verdana"/>
               </a:rPr>
-              <a:t>Async also </a:t>
+              <a:t>| Async also </a:t>
             </a:r>
             <a:r>
               <a:rPr lang="en-US" sz="2400" b="1" dirty="0">

--- a/PPT/03- Angular Service.pptx
+++ b/PPT/03- Angular Service.pptx
@@ -1096,7 +1096,21 @@
             <p:ph type="sldImg"/>
           </p:nvPr>
         </p:nvSpPr>
-        <p:spPr/>
+        <p:spPr>
+          <a:xfrm>
+            <a:off x="3543300" y="946150"/>
+            <a:ext cx="3606800" cy="2551113"/>
+          </a:xfrm>
+          <a:prstGeom prst="rect">
+            <a:avLst/>
+          </a:prstGeom>
+          <a:noFill/>
+          <a:ln w="12700">
+            <a:solidFill>
+              <a:prstClr val="black"/>
+            </a:solidFill>
+          </a:ln>
+        </p:spPr>
       </p:sp>
       <p:sp>
         <p:nvSpPr>
@@ -1108,104 +1122,27 @@
             <p:ph type="body" idx="1"/>
           </p:nvPr>
         </p:nvSpPr>
-        <p:spPr/>
+        <p:spPr>
+          <a:xfrm>
+            <a:off x="1069975" y="3640138"/>
+            <a:ext cx="8553450" cy="2978150"/>
+          </a:xfrm>
+          <a:prstGeom prst="rect">
+            <a:avLst/>
+          </a:prstGeom>
+        </p:spPr>
         <p:txBody>
           <a:bodyPr/>
           <a:lstStyle/>
           <a:p>
-            <a:pPr marL="0" marR="0" indent="0" algn="l" defTabSz="914400" rtl="0" eaLnBrk="1" fontAlgn="auto" latinLnBrk="0" hangingPunct="1">
-              <a:lnSpc>
-                <a:spcPct val="100000"/>
-              </a:lnSpc>
-              <a:spcBef>
-                <a:spcPts val="0"/>
-              </a:spcBef>
-              <a:spcAft>
-                <a:spcPts val="0"/>
-              </a:spcAft>
-              <a:buClrTx/>
-              <a:buSzTx/>
-              <a:buFontTx/>
-              <a:buNone/>
-              <a:tabLst/>
-              <a:defRPr/>
-            </a:pPr>
-            <a:r>
-              <a:rPr lang="en-US" b="1" dirty="0"/>
-              <a:t>Subscribe</a:t>
-            </a:r>
-            <a:r>
-              <a:rPr lang="en-US" b="1" baseline="0" dirty="0"/>
-              <a:t> always on the incoming data-stream !!!  (= PUSH BERICHT)</a:t>
-            </a:r>
-            <a:endParaRPr lang="en-US" b="1" dirty="0"/>
-          </a:p>
-          <a:p>
-            <a:endParaRPr lang="en-US" dirty="0"/>
-          </a:p>
-          <a:p>
-            <a:pPr marL="0" marR="0" lvl="0" indent="0" algn="l" defTabSz="914400" rtl="0" eaLnBrk="1" fontAlgn="auto" latinLnBrk="0" hangingPunct="1">
-              <a:lnSpc>
-                <a:spcPct val="100000"/>
-              </a:lnSpc>
-              <a:spcBef>
-                <a:spcPts val="0"/>
-              </a:spcBef>
-              <a:spcAft>
-                <a:spcPts val="0"/>
-              </a:spcAft>
-              <a:buClrTx/>
-              <a:buSzTx/>
-              <a:buFontTx/>
-              <a:buNone/>
-              <a:tabLst/>
-              <a:defRPr/>
-            </a:pPr>
-            <a:r>
-              <a:rPr lang="en-US" dirty="0"/>
-              <a:t>Use ES6</a:t>
-            </a:r>
-            <a:r>
-              <a:rPr lang="en-US" baseline="0" dirty="0"/>
-              <a:t> </a:t>
-            </a:r>
-            <a:r>
-              <a:rPr lang="en-US" b="1" dirty="0"/>
-              <a:t>arrow functions</a:t>
-            </a:r>
-          </a:p>
-          <a:p>
-            <a:endParaRPr lang="en-US" dirty="0"/>
-          </a:p>
-        </p:txBody>
-      </p:sp>
-      <p:sp>
-        <p:nvSpPr>
-          <p:cNvPr id="4" name="Slide Number Placeholder 3"/>
-          <p:cNvSpPr>
-            <a:spLocks noGrp="1"/>
-          </p:cNvSpPr>
-          <p:nvPr>
-            <p:ph type="sldNum" sz="quarter" idx="10"/>
-          </p:nvPr>
-        </p:nvSpPr>
-        <p:spPr/>
-        <p:txBody>
-          <a:bodyPr/>
-          <a:lstStyle/>
-          <a:p>
-            <a:fld id="{59C059BC-4998-4873-8F2D-C8268E612536}" type="slidenum">
-              <a:rPr lang="nl-NL" smtClean="0"/>
-              <a:t>24</a:t>
-            </a:fld>
-            <a:endParaRPr lang="nl-NL"/>
+            <a:endParaRPr lang="en-NL" dirty="0"/>
           </a:p>
         </p:txBody>
       </p:sp>
     </p:spTree>
     <p:extLst>
       <p:ext uri="{BB962C8B-B14F-4D97-AF65-F5344CB8AC3E}">
-        <p14:creationId xmlns:p14="http://schemas.microsoft.com/office/powerpoint/2010/main" val="1861887379"/>
+        <p14:creationId xmlns:p14="http://schemas.microsoft.com/office/powerpoint/2010/main" val="108648949"/>
       </p:ext>
     </p:extLst>
   </p:cSld>
@@ -1234,7 +1171,19 @@
       </p:grpSpPr>
       <p:sp>
         <p:nvSpPr>
-          <p:cNvPr id="2" name="Notes Placeholder"/>
+          <p:cNvPr id="2" name="Slide Image Placeholder 1"/>
+          <p:cNvSpPr>
+            <a:spLocks noGrp="1" noRot="1" noChangeAspect="1"/>
+          </p:cNvSpPr>
+          <p:nvPr>
+            <p:ph type="sldImg"/>
+          </p:nvPr>
+        </p:nvSpPr>
+        <p:spPr/>
+      </p:sp>
+      <p:sp>
+        <p:nvSpPr>
+          <p:cNvPr id="3" name="Notes Placeholder 2"/>
           <p:cNvSpPr>
             <a:spLocks noGrp="1"/>
           </p:cNvSpPr>
@@ -1244,16 +1193,104 @@
         </p:nvSpPr>
         <p:spPr/>
         <p:txBody>
-          <a:bodyPr>
-            <a:normAutofit fontScale="25000" lnSpcReduction="20000"/>
-          </a:bodyPr>
+          <a:bodyPr/>
           <a:lstStyle/>
           <a:p>
-            <a:endParaRPr/>
+            <a:pPr marL="0" marR="0" indent="0" algn="l" defTabSz="914400" rtl="0" eaLnBrk="1" fontAlgn="auto" latinLnBrk="0" hangingPunct="1">
+              <a:lnSpc>
+                <a:spcPct val="100000"/>
+              </a:lnSpc>
+              <a:spcBef>
+                <a:spcPts val="0"/>
+              </a:spcBef>
+              <a:spcAft>
+                <a:spcPts val="0"/>
+              </a:spcAft>
+              <a:buClrTx/>
+              <a:buSzTx/>
+              <a:buFontTx/>
+              <a:buNone/>
+              <a:tabLst/>
+              <a:defRPr/>
+            </a:pPr>
+            <a:r>
+              <a:rPr lang="en-US" b="1" dirty="0"/>
+              <a:t>Subscribe</a:t>
+            </a:r>
+            <a:r>
+              <a:rPr lang="en-US" b="1" baseline="0" dirty="0"/>
+              <a:t> always on the incoming data-stream !!!  (= PUSH BERICHT)</a:t>
+            </a:r>
+            <a:endParaRPr lang="en-US" b="1" dirty="0"/>
+          </a:p>
+          <a:p>
+            <a:endParaRPr lang="en-US" dirty="0"/>
+          </a:p>
+          <a:p>
+            <a:pPr marL="0" marR="0" lvl="0" indent="0" algn="l" defTabSz="914400" rtl="0" eaLnBrk="1" fontAlgn="auto" latinLnBrk="0" hangingPunct="1">
+              <a:lnSpc>
+                <a:spcPct val="100000"/>
+              </a:lnSpc>
+              <a:spcBef>
+                <a:spcPts val="0"/>
+              </a:spcBef>
+              <a:spcAft>
+                <a:spcPts val="0"/>
+              </a:spcAft>
+              <a:buClrTx/>
+              <a:buSzTx/>
+              <a:buFontTx/>
+              <a:buNone/>
+              <a:tabLst/>
+              <a:defRPr/>
+            </a:pPr>
+            <a:r>
+              <a:rPr lang="en-US" dirty="0"/>
+              <a:t>Use ES6</a:t>
+            </a:r>
+            <a:r>
+              <a:rPr lang="en-US" baseline="0" dirty="0"/>
+              <a:t> </a:t>
+            </a:r>
+            <a:r>
+              <a:rPr lang="en-US" b="1" dirty="0"/>
+              <a:t>arrow functions</a:t>
+            </a:r>
+          </a:p>
+          <a:p>
+            <a:endParaRPr lang="en-US" dirty="0"/>
+          </a:p>
+        </p:txBody>
+      </p:sp>
+      <p:sp>
+        <p:nvSpPr>
+          <p:cNvPr id="4" name="Slide Number Placeholder 3"/>
+          <p:cNvSpPr>
+            <a:spLocks noGrp="1"/>
+          </p:cNvSpPr>
+          <p:nvPr>
+            <p:ph type="sldNum" sz="quarter" idx="10"/>
+          </p:nvPr>
+        </p:nvSpPr>
+        <p:spPr/>
+        <p:txBody>
+          <a:bodyPr/>
+          <a:lstStyle/>
+          <a:p>
+            <a:fld id="{59C059BC-4998-4873-8F2D-C8268E612536}" type="slidenum">
+              <a:rPr lang="nl-NL" smtClean="0"/>
+              <a:t>24</a:t>
+            </a:fld>
+            <a:endParaRPr lang="nl-NL"/>
           </a:p>
         </p:txBody>
       </p:sp>
     </p:spTree>
+    <p:extLst>
+      <p:ext uri="{BB962C8B-B14F-4D97-AF65-F5344CB8AC3E}">
+        <p14:creationId xmlns:p14="http://schemas.microsoft.com/office/powerpoint/2010/main" val="1861887379"/>
+      </p:ext>
+    </p:extLst>
   </p:cSld>
   <p:clrMapOvr>
     <a:masterClrMapping/>
@@ -1576,11 +1613,6 @@
         </p:txBody>
       </p:sp>
     </p:spTree>
-    <p:extLst>
-      <p:ext uri="{BB962C8B-B14F-4D97-AF65-F5344CB8AC3E}">
-        <p14:creationId xmlns:p14="http://schemas.microsoft.com/office/powerpoint/2010/main" val="202236799"/>
-      </p:ext>
-    </p:extLst>
   </p:cSld>
   <p:clrMapOvr>
     <a:masterClrMapping/>
@@ -1622,314 +1654,16 @@
           </a:bodyPr>
           <a:lstStyle/>
           <a:p>
-            <a:pPr marL="0" marR="0" lvl="0" indent="0" algn="l" defTabSz="914400" rtl="0" eaLnBrk="1" fontAlgn="auto" latinLnBrk="0" hangingPunct="1">
-              <a:lnSpc>
-                <a:spcPct val="100000"/>
-              </a:lnSpc>
-              <a:spcBef>
-                <a:spcPts val="0"/>
-              </a:spcBef>
-              <a:spcAft>
-                <a:spcPts val="0"/>
-              </a:spcAft>
-              <a:buClrTx/>
-              <a:buSzTx/>
-              <a:buFontTx/>
-              <a:buNone/>
-              <a:tabLst/>
-              <a:defRPr/>
-            </a:pPr>
-            <a:r>
-              <a:rPr lang="en-GB" sz="1200" b="1" spc="-20" dirty="0">
-                <a:latin typeface="Verdana"/>
-                <a:cs typeface="Verdana"/>
-              </a:rPr>
-              <a:t>Piping</a:t>
-            </a:r>
-            <a:r>
-              <a:rPr lang="en-GB" sz="1200" spc="-10" dirty="0">
-                <a:latin typeface="Verdana"/>
-                <a:cs typeface="Verdana"/>
-              </a:rPr>
-              <a:t>.</a:t>
-            </a:r>
-            <a:r>
-              <a:rPr lang="en-GB" sz="1200" spc="235" dirty="0">
-                <a:latin typeface="Times New Roman"/>
-                <a:cs typeface="Times New Roman"/>
-              </a:rPr>
-              <a:t> </a:t>
-            </a:r>
-            <a:r>
-              <a:rPr lang="en-GB" sz="1200" spc="-75" dirty="0" err="1">
-                <a:latin typeface="Verdana"/>
-                <a:cs typeface="Verdana"/>
-              </a:rPr>
-              <a:t>R</a:t>
-            </a:r>
-            <a:r>
-              <a:rPr lang="en-GB" sz="1200" spc="-15" dirty="0" err="1">
-                <a:latin typeface="Verdana"/>
-                <a:cs typeface="Verdana"/>
-              </a:rPr>
-              <a:t>esultaat</a:t>
-            </a:r>
-            <a:r>
-              <a:rPr lang="en-GB" sz="1200" spc="215" dirty="0">
-                <a:latin typeface="Times New Roman"/>
-                <a:cs typeface="Times New Roman"/>
-              </a:rPr>
-              <a:t> </a:t>
-            </a:r>
-            <a:r>
-              <a:rPr lang="en-GB" sz="1200" spc="-60" dirty="0">
-                <a:latin typeface="Verdana"/>
-                <a:cs typeface="Verdana"/>
-              </a:rPr>
-              <a:t>v</a:t>
-            </a:r>
-            <a:r>
-              <a:rPr lang="en-GB" sz="1200" spc="-20" dirty="0">
-                <a:latin typeface="Verdana"/>
-                <a:cs typeface="Verdana"/>
-              </a:rPr>
-              <a:t>a</a:t>
-            </a:r>
-            <a:r>
-              <a:rPr lang="en-GB" sz="1200" spc="-15" dirty="0">
-                <a:latin typeface="Verdana"/>
-                <a:cs typeface="Verdana"/>
-              </a:rPr>
-              <a:t>n</a:t>
-            </a:r>
-            <a:r>
-              <a:rPr lang="en-GB" sz="1200" spc="229" dirty="0">
-                <a:latin typeface="Times New Roman"/>
-                <a:cs typeface="Times New Roman"/>
-              </a:rPr>
-              <a:t> </a:t>
-            </a:r>
-            <a:r>
-              <a:rPr lang="en-GB" sz="1200" spc="-15" dirty="0">
-                <a:latin typeface="Verdana"/>
-                <a:cs typeface="Verdana"/>
-              </a:rPr>
-              <a:t>de</a:t>
-            </a:r>
-            <a:r>
-              <a:rPr lang="en-GB" sz="1200" spc="229" dirty="0">
-                <a:latin typeface="Times New Roman"/>
-                <a:cs typeface="Times New Roman"/>
-              </a:rPr>
-              <a:t> </a:t>
-            </a:r>
-            <a:r>
-              <a:rPr lang="en-GB" sz="1200" spc="-15" dirty="0" err="1">
-                <a:latin typeface="Verdana"/>
-                <a:cs typeface="Verdana"/>
-              </a:rPr>
-              <a:t>een</a:t>
-            </a:r>
-            <a:r>
-              <a:rPr lang="en-GB" sz="1200" spc="229" dirty="0">
-                <a:latin typeface="Times New Roman"/>
-                <a:cs typeface="Times New Roman"/>
-              </a:rPr>
-              <a:t> </a:t>
-            </a:r>
-            <a:r>
-              <a:rPr lang="en-GB" sz="1200" spc="-15" dirty="0" err="1">
-                <a:latin typeface="Verdana"/>
-                <a:cs typeface="Verdana"/>
-              </a:rPr>
-              <a:t>functie</a:t>
-            </a:r>
-            <a:r>
-              <a:rPr lang="en-GB" sz="1200" spc="-15" dirty="0">
-                <a:latin typeface="Verdana"/>
-                <a:cs typeface="Verdana"/>
-              </a:rPr>
-              <a:t> (</a:t>
-            </a:r>
-            <a:r>
-              <a:rPr lang="en-GB" sz="1200" i="1" spc="-15" dirty="0">
-                <a:latin typeface="Verdana"/>
-                <a:cs typeface="Verdana"/>
-              </a:rPr>
-              <a:t>retry, delay</a:t>
-            </a:r>
-            <a:r>
-              <a:rPr lang="en-GB" sz="1200" spc="-15" dirty="0">
-                <a:latin typeface="Verdana"/>
-                <a:cs typeface="Verdana"/>
-              </a:rPr>
-              <a:t>)</a:t>
-            </a:r>
-            <a:r>
-              <a:rPr lang="en-GB" sz="1200" spc="200" dirty="0">
-                <a:latin typeface="Times New Roman"/>
-                <a:cs typeface="Times New Roman"/>
-              </a:rPr>
-              <a:t> </a:t>
-            </a:r>
-            <a:r>
-              <a:rPr lang="en-GB" sz="1200" spc="-15" dirty="0" err="1">
-                <a:latin typeface="Verdana"/>
-                <a:cs typeface="Verdana"/>
-              </a:rPr>
-              <a:t>dient</a:t>
-            </a:r>
-            <a:r>
-              <a:rPr lang="en-GB" sz="1200" spc="229" dirty="0">
-                <a:latin typeface="Times New Roman"/>
-                <a:cs typeface="Times New Roman"/>
-              </a:rPr>
-              <a:t> </a:t>
-            </a:r>
-            <a:r>
-              <a:rPr lang="en-GB" sz="1200" spc="-15" dirty="0" err="1">
-                <a:latin typeface="Verdana"/>
-                <a:cs typeface="Verdana"/>
-              </a:rPr>
-              <a:t>als</a:t>
-            </a:r>
-            <a:r>
-              <a:rPr lang="en-GB" sz="1200" spc="225" dirty="0">
-                <a:latin typeface="Times New Roman"/>
-                <a:cs typeface="Times New Roman"/>
-              </a:rPr>
-              <a:t> </a:t>
-            </a:r>
-            <a:r>
-              <a:rPr lang="en-GB" sz="1200" spc="-15" dirty="0" err="1">
-                <a:latin typeface="Verdana"/>
-                <a:cs typeface="Verdana"/>
-              </a:rPr>
-              <a:t>i</a:t>
-            </a:r>
-            <a:r>
-              <a:rPr lang="en-GB" sz="1200" spc="-40" dirty="0" err="1">
-                <a:latin typeface="Verdana"/>
-                <a:cs typeface="Verdana"/>
-              </a:rPr>
-              <a:t>n</a:t>
-            </a:r>
-            <a:r>
-              <a:rPr lang="en-GB" sz="1200" spc="-35" dirty="0" err="1">
-                <a:latin typeface="Verdana"/>
-                <a:cs typeface="Verdana"/>
-              </a:rPr>
-              <a:t>v</a:t>
-            </a:r>
-            <a:r>
-              <a:rPr lang="en-GB" sz="1200" spc="-15" dirty="0" err="1">
-                <a:latin typeface="Verdana"/>
-                <a:cs typeface="Verdana"/>
-              </a:rPr>
-              <a:t>oer</a:t>
-            </a:r>
-            <a:r>
-              <a:rPr lang="en-GB" sz="1200" spc="229" dirty="0">
-                <a:latin typeface="Times New Roman"/>
-                <a:cs typeface="Times New Roman"/>
-              </a:rPr>
-              <a:t> </a:t>
-            </a:r>
-            <a:r>
-              <a:rPr lang="en-GB" sz="1200" spc="-35" dirty="0" err="1">
-                <a:latin typeface="Verdana"/>
-                <a:cs typeface="Verdana"/>
-              </a:rPr>
-              <a:t>v</a:t>
-            </a:r>
-            <a:r>
-              <a:rPr lang="en-GB" sz="1200" spc="-15" dirty="0" err="1">
-                <a:latin typeface="Verdana"/>
-                <a:cs typeface="Verdana"/>
-              </a:rPr>
-              <a:t>oor</a:t>
-            </a:r>
-            <a:r>
-              <a:rPr lang="en-GB" sz="1200" spc="-10" dirty="0">
-                <a:latin typeface="Times New Roman"/>
-                <a:cs typeface="Times New Roman"/>
-              </a:rPr>
-              <a:t> </a:t>
-            </a:r>
-            <a:r>
-              <a:rPr lang="en-GB" sz="1200" spc="-15" dirty="0">
-                <a:latin typeface="Verdana"/>
-                <a:cs typeface="Verdana"/>
-              </a:rPr>
-              <a:t>de</a:t>
-            </a:r>
-            <a:r>
-              <a:rPr lang="en-GB" sz="1200" spc="229" dirty="0">
-                <a:latin typeface="Times New Roman"/>
-                <a:cs typeface="Times New Roman"/>
-              </a:rPr>
-              <a:t> </a:t>
-            </a:r>
-            <a:r>
-              <a:rPr lang="en-GB" sz="1200" spc="-35" dirty="0" err="1">
-                <a:latin typeface="Verdana"/>
-                <a:cs typeface="Verdana"/>
-              </a:rPr>
-              <a:t>v</a:t>
-            </a:r>
-            <a:r>
-              <a:rPr lang="en-GB" sz="1200" spc="-15" dirty="0" err="1">
-                <a:latin typeface="Verdana"/>
-                <a:cs typeface="Verdana"/>
-              </a:rPr>
-              <a:t>o</a:t>
-            </a:r>
-            <a:r>
-              <a:rPr lang="en-GB" sz="1200" spc="-20" dirty="0" err="1">
-                <a:latin typeface="Verdana"/>
-                <a:cs typeface="Verdana"/>
-              </a:rPr>
-              <a:t>lgend</a:t>
-            </a:r>
-            <a:r>
-              <a:rPr lang="en-GB" sz="1200" spc="-15" dirty="0" err="1">
-                <a:latin typeface="Verdana"/>
-                <a:cs typeface="Verdana"/>
-              </a:rPr>
-              <a:t>e</a:t>
-            </a:r>
-            <a:r>
-              <a:rPr lang="en-GB" sz="1200" spc="240" dirty="0">
-                <a:latin typeface="Times New Roman"/>
-                <a:cs typeface="Times New Roman"/>
-              </a:rPr>
-              <a:t> </a:t>
-            </a:r>
-            <a:r>
-              <a:rPr lang="en-GB" sz="1200" spc="-15" dirty="0" err="1">
-                <a:latin typeface="Verdana"/>
-                <a:cs typeface="Verdana"/>
-              </a:rPr>
-              <a:t>functie</a:t>
-            </a:r>
-            <a:r>
-              <a:rPr lang="en-GB" sz="1200" spc="-15" dirty="0">
-                <a:latin typeface="Verdana"/>
-                <a:cs typeface="Verdana"/>
-              </a:rPr>
-              <a:t>.</a:t>
-            </a:r>
-            <a:endParaRPr lang="en-GB" sz="1200" dirty="0">
-              <a:latin typeface="Verdana"/>
-              <a:cs typeface="Verdana"/>
-            </a:endParaRPr>
-          </a:p>
-          <a:p>
-            <a:endParaRPr dirty="0"/>
+            <a:endParaRPr/>
           </a:p>
         </p:txBody>
       </p:sp>
     </p:spTree>
+    <p:extLst>
+      <p:ext uri="{BB962C8B-B14F-4D97-AF65-F5344CB8AC3E}">
+        <p14:creationId xmlns:p14="http://schemas.microsoft.com/office/powerpoint/2010/main" val="202236799"/>
+      </p:ext>
+    </p:extLst>
   </p:cSld>
   <p:clrMapOvr>
     <a:masterClrMapping/>
@@ -2279,11 +2013,6 @@
         </p:txBody>
       </p:sp>
     </p:spTree>
-    <p:extLst>
-      <p:ext uri="{BB962C8B-B14F-4D97-AF65-F5344CB8AC3E}">
-        <p14:creationId xmlns:p14="http://schemas.microsoft.com/office/powerpoint/2010/main" val="4208971182"/>
-      </p:ext>
-    </p:extLst>
   </p:cSld>
   <p:clrMapOvr>
     <a:masterClrMapping/>
@@ -2325,11 +2054,319 @@
           </a:bodyPr>
           <a:lstStyle/>
           <a:p>
-            <a:endParaRPr/>
+            <a:pPr marL="0" marR="0" lvl="0" indent="0" algn="l" defTabSz="914400" rtl="0" eaLnBrk="1" fontAlgn="auto" latinLnBrk="0" hangingPunct="1">
+              <a:lnSpc>
+                <a:spcPct val="100000"/>
+              </a:lnSpc>
+              <a:spcBef>
+                <a:spcPts val="0"/>
+              </a:spcBef>
+              <a:spcAft>
+                <a:spcPts val="0"/>
+              </a:spcAft>
+              <a:buClrTx/>
+              <a:buSzTx/>
+              <a:buFontTx/>
+              <a:buNone/>
+              <a:tabLst/>
+              <a:defRPr/>
+            </a:pPr>
+            <a:r>
+              <a:rPr lang="en-GB" sz="1200" b="1" spc="-20" dirty="0">
+                <a:latin typeface="Verdana"/>
+                <a:cs typeface="Verdana"/>
+              </a:rPr>
+              <a:t>Piping</a:t>
+            </a:r>
+            <a:r>
+              <a:rPr lang="en-GB" sz="1200" spc="-10" dirty="0">
+                <a:latin typeface="Verdana"/>
+                <a:cs typeface="Verdana"/>
+              </a:rPr>
+              <a:t>.</a:t>
+            </a:r>
+            <a:r>
+              <a:rPr lang="en-GB" sz="1200" spc="235" dirty="0">
+                <a:latin typeface="Times New Roman"/>
+                <a:cs typeface="Times New Roman"/>
+              </a:rPr>
+              <a:t> </a:t>
+            </a:r>
+            <a:r>
+              <a:rPr lang="en-GB" sz="1200" spc="-75" dirty="0" err="1">
+                <a:latin typeface="Verdana"/>
+                <a:cs typeface="Verdana"/>
+              </a:rPr>
+              <a:t>R</a:t>
+            </a:r>
+            <a:r>
+              <a:rPr lang="en-GB" sz="1200" spc="-15" dirty="0" err="1">
+                <a:latin typeface="Verdana"/>
+                <a:cs typeface="Verdana"/>
+              </a:rPr>
+              <a:t>esultaat</a:t>
+            </a:r>
+            <a:r>
+              <a:rPr lang="en-GB" sz="1200" spc="215" dirty="0">
+                <a:latin typeface="Times New Roman"/>
+                <a:cs typeface="Times New Roman"/>
+              </a:rPr>
+              <a:t> </a:t>
+            </a:r>
+            <a:r>
+              <a:rPr lang="en-GB" sz="1200" spc="-60" dirty="0">
+                <a:latin typeface="Verdana"/>
+                <a:cs typeface="Verdana"/>
+              </a:rPr>
+              <a:t>v</a:t>
+            </a:r>
+            <a:r>
+              <a:rPr lang="en-GB" sz="1200" spc="-20" dirty="0">
+                <a:latin typeface="Verdana"/>
+                <a:cs typeface="Verdana"/>
+              </a:rPr>
+              <a:t>a</a:t>
+            </a:r>
+            <a:r>
+              <a:rPr lang="en-GB" sz="1200" spc="-15" dirty="0">
+                <a:latin typeface="Verdana"/>
+                <a:cs typeface="Verdana"/>
+              </a:rPr>
+              <a:t>n</a:t>
+            </a:r>
+            <a:r>
+              <a:rPr lang="en-GB" sz="1200" spc="229" dirty="0">
+                <a:latin typeface="Times New Roman"/>
+                <a:cs typeface="Times New Roman"/>
+              </a:rPr>
+              <a:t> </a:t>
+            </a:r>
+            <a:r>
+              <a:rPr lang="en-GB" sz="1200" spc="-15" dirty="0">
+                <a:latin typeface="Verdana"/>
+                <a:cs typeface="Verdana"/>
+              </a:rPr>
+              <a:t>de</a:t>
+            </a:r>
+            <a:r>
+              <a:rPr lang="en-GB" sz="1200" spc="229" dirty="0">
+                <a:latin typeface="Times New Roman"/>
+                <a:cs typeface="Times New Roman"/>
+              </a:rPr>
+              <a:t> </a:t>
+            </a:r>
+            <a:r>
+              <a:rPr lang="en-GB" sz="1200" spc="-15" dirty="0" err="1">
+                <a:latin typeface="Verdana"/>
+                <a:cs typeface="Verdana"/>
+              </a:rPr>
+              <a:t>een</a:t>
+            </a:r>
+            <a:r>
+              <a:rPr lang="en-GB" sz="1200" spc="229" dirty="0">
+                <a:latin typeface="Times New Roman"/>
+                <a:cs typeface="Times New Roman"/>
+              </a:rPr>
+              <a:t> </a:t>
+            </a:r>
+            <a:r>
+              <a:rPr lang="en-GB" sz="1200" spc="-15" dirty="0" err="1">
+                <a:latin typeface="Verdana"/>
+                <a:cs typeface="Verdana"/>
+              </a:rPr>
+              <a:t>functie</a:t>
+            </a:r>
+            <a:r>
+              <a:rPr lang="en-GB" sz="1200" spc="-15" dirty="0">
+                <a:latin typeface="Verdana"/>
+                <a:cs typeface="Verdana"/>
+              </a:rPr>
+              <a:t> (</a:t>
+            </a:r>
+            <a:r>
+              <a:rPr lang="en-GB" sz="1200" i="1" spc="-15" dirty="0">
+                <a:latin typeface="Verdana"/>
+                <a:cs typeface="Verdana"/>
+              </a:rPr>
+              <a:t>retry, delay</a:t>
+            </a:r>
+            <a:r>
+              <a:rPr lang="en-GB" sz="1200" spc="-15" dirty="0">
+                <a:latin typeface="Verdana"/>
+                <a:cs typeface="Verdana"/>
+              </a:rPr>
+              <a:t>)</a:t>
+            </a:r>
+            <a:r>
+              <a:rPr lang="en-GB" sz="1200" spc="200" dirty="0">
+                <a:latin typeface="Times New Roman"/>
+                <a:cs typeface="Times New Roman"/>
+              </a:rPr>
+              <a:t> </a:t>
+            </a:r>
+            <a:r>
+              <a:rPr lang="en-GB" sz="1200" spc="-15" dirty="0" err="1">
+                <a:latin typeface="Verdana"/>
+                <a:cs typeface="Verdana"/>
+              </a:rPr>
+              <a:t>dient</a:t>
+            </a:r>
+            <a:r>
+              <a:rPr lang="en-GB" sz="1200" spc="229" dirty="0">
+                <a:latin typeface="Times New Roman"/>
+                <a:cs typeface="Times New Roman"/>
+              </a:rPr>
+              <a:t> </a:t>
+            </a:r>
+            <a:r>
+              <a:rPr lang="en-GB" sz="1200" spc="-15" dirty="0" err="1">
+                <a:latin typeface="Verdana"/>
+                <a:cs typeface="Verdana"/>
+              </a:rPr>
+              <a:t>als</a:t>
+            </a:r>
+            <a:r>
+              <a:rPr lang="en-GB" sz="1200" spc="225" dirty="0">
+                <a:latin typeface="Times New Roman"/>
+                <a:cs typeface="Times New Roman"/>
+              </a:rPr>
+              <a:t> </a:t>
+            </a:r>
+            <a:r>
+              <a:rPr lang="en-GB" sz="1200" spc="-15" dirty="0" err="1">
+                <a:latin typeface="Verdana"/>
+                <a:cs typeface="Verdana"/>
+              </a:rPr>
+              <a:t>i</a:t>
+            </a:r>
+            <a:r>
+              <a:rPr lang="en-GB" sz="1200" spc="-40" dirty="0" err="1">
+                <a:latin typeface="Verdana"/>
+                <a:cs typeface="Verdana"/>
+              </a:rPr>
+              <a:t>n</a:t>
+            </a:r>
+            <a:r>
+              <a:rPr lang="en-GB" sz="1200" spc="-35" dirty="0" err="1">
+                <a:latin typeface="Verdana"/>
+                <a:cs typeface="Verdana"/>
+              </a:rPr>
+              <a:t>v</a:t>
+            </a:r>
+            <a:r>
+              <a:rPr lang="en-GB" sz="1200" spc="-15" dirty="0" err="1">
+                <a:latin typeface="Verdana"/>
+                <a:cs typeface="Verdana"/>
+              </a:rPr>
+              <a:t>oer</a:t>
+            </a:r>
+            <a:r>
+              <a:rPr lang="en-GB" sz="1200" spc="229" dirty="0">
+                <a:latin typeface="Times New Roman"/>
+                <a:cs typeface="Times New Roman"/>
+              </a:rPr>
+              <a:t> </a:t>
+            </a:r>
+            <a:r>
+              <a:rPr lang="en-GB" sz="1200" spc="-35" dirty="0" err="1">
+                <a:latin typeface="Verdana"/>
+                <a:cs typeface="Verdana"/>
+              </a:rPr>
+              <a:t>v</a:t>
+            </a:r>
+            <a:r>
+              <a:rPr lang="en-GB" sz="1200" spc="-15" dirty="0" err="1">
+                <a:latin typeface="Verdana"/>
+                <a:cs typeface="Verdana"/>
+              </a:rPr>
+              <a:t>oor</a:t>
+            </a:r>
+            <a:r>
+              <a:rPr lang="en-GB" sz="1200" spc="-10" dirty="0">
+                <a:latin typeface="Times New Roman"/>
+                <a:cs typeface="Times New Roman"/>
+              </a:rPr>
+              <a:t> </a:t>
+            </a:r>
+            <a:r>
+              <a:rPr lang="en-GB" sz="1200" spc="-15" dirty="0">
+                <a:latin typeface="Verdana"/>
+                <a:cs typeface="Verdana"/>
+              </a:rPr>
+              <a:t>de</a:t>
+            </a:r>
+            <a:r>
+              <a:rPr lang="en-GB" sz="1200" spc="229" dirty="0">
+                <a:latin typeface="Times New Roman"/>
+                <a:cs typeface="Times New Roman"/>
+              </a:rPr>
+              <a:t> </a:t>
+            </a:r>
+            <a:r>
+              <a:rPr lang="en-GB" sz="1200" spc="-35" dirty="0" err="1">
+                <a:latin typeface="Verdana"/>
+                <a:cs typeface="Verdana"/>
+              </a:rPr>
+              <a:t>v</a:t>
+            </a:r>
+            <a:r>
+              <a:rPr lang="en-GB" sz="1200" spc="-15" dirty="0" err="1">
+                <a:latin typeface="Verdana"/>
+                <a:cs typeface="Verdana"/>
+              </a:rPr>
+              <a:t>o</a:t>
+            </a:r>
+            <a:r>
+              <a:rPr lang="en-GB" sz="1200" spc="-20" dirty="0" err="1">
+                <a:latin typeface="Verdana"/>
+                <a:cs typeface="Verdana"/>
+              </a:rPr>
+              <a:t>lgend</a:t>
+            </a:r>
+            <a:r>
+              <a:rPr lang="en-GB" sz="1200" spc="-15" dirty="0" err="1">
+                <a:latin typeface="Verdana"/>
+                <a:cs typeface="Verdana"/>
+              </a:rPr>
+              <a:t>e</a:t>
+            </a:r>
+            <a:r>
+              <a:rPr lang="en-GB" sz="1200" spc="240" dirty="0">
+                <a:latin typeface="Times New Roman"/>
+                <a:cs typeface="Times New Roman"/>
+              </a:rPr>
+              <a:t> </a:t>
+            </a:r>
+            <a:r>
+              <a:rPr lang="en-GB" sz="1200" spc="-15" dirty="0" err="1">
+                <a:latin typeface="Verdana"/>
+                <a:cs typeface="Verdana"/>
+              </a:rPr>
+              <a:t>functie</a:t>
+            </a:r>
+            <a:r>
+              <a:rPr lang="en-GB" sz="1200" spc="-15" dirty="0">
+                <a:latin typeface="Verdana"/>
+                <a:cs typeface="Verdana"/>
+              </a:rPr>
+              <a:t>.</a:t>
+            </a:r>
+            <a:endParaRPr lang="en-GB" sz="1200" dirty="0">
+              <a:latin typeface="Verdana"/>
+              <a:cs typeface="Verdana"/>
+            </a:endParaRPr>
+          </a:p>
+          <a:p>
+            <a:endParaRPr dirty="0"/>
           </a:p>
         </p:txBody>
       </p:sp>
     </p:spTree>
+    <p:extLst>
+      <p:ext uri="{BB962C8B-B14F-4D97-AF65-F5344CB8AC3E}">
+        <p14:creationId xmlns:p14="http://schemas.microsoft.com/office/powerpoint/2010/main" val="4208971182"/>
+      </p:ext>
+    </p:extLst>
   </p:cSld>
   <p:clrMapOvr>
     <a:masterClrMapping/>
@@ -2376,11 +2413,6 @@
         </p:txBody>
       </p:sp>
     </p:spTree>
-    <p:extLst>
-      <p:ext uri="{BB962C8B-B14F-4D97-AF65-F5344CB8AC3E}">
-        <p14:creationId xmlns:p14="http://schemas.microsoft.com/office/powerpoint/2010/main" val="2809481696"/>
-      </p:ext>
-    </p:extLst>
   </p:cSld>
   <p:clrMapOvr>
     <a:masterClrMapping/>
@@ -2407,33 +2439,7 @@
       </p:grpSpPr>
       <p:sp>
         <p:nvSpPr>
-          <p:cNvPr id="2" name="Slide Image Placeholder 1"/>
-          <p:cNvSpPr>
-            <a:spLocks noGrp="1" noRot="1" noChangeAspect="1"/>
-          </p:cNvSpPr>
-          <p:nvPr>
-            <p:ph type="sldImg"/>
-          </p:nvPr>
-        </p:nvSpPr>
-        <p:spPr>
-          <a:xfrm>
-            <a:off x="3543300" y="946150"/>
-            <a:ext cx="3606800" cy="2551113"/>
-          </a:xfrm>
-          <a:prstGeom prst="rect">
-            <a:avLst/>
-          </a:prstGeom>
-          <a:noFill/>
-          <a:ln w="12700">
-            <a:solidFill>
-              <a:prstClr val="black"/>
-            </a:solidFill>
-          </a:ln>
-        </p:spPr>
-      </p:sp>
-      <p:sp>
-        <p:nvSpPr>
-          <p:cNvPr id="3" name="Notes Placeholder 2"/>
+          <p:cNvPr id="2" name="Notes Placeholder"/>
           <p:cNvSpPr>
             <a:spLocks noGrp="1"/>
           </p:cNvSpPr>
@@ -2441,38 +2447,21 @@
             <p:ph type="body" idx="1"/>
           </p:nvPr>
         </p:nvSpPr>
-        <p:spPr>
-          <a:xfrm>
-            <a:off x="1069975" y="3640138"/>
-            <a:ext cx="8553450" cy="2978150"/>
-          </a:xfrm>
-          <a:prstGeom prst="rect">
-            <a:avLst/>
-          </a:prstGeom>
-        </p:spPr>
+        <p:spPr/>
         <p:txBody>
-          <a:bodyPr/>
+          <a:bodyPr>
+            <a:normAutofit fontScale="25000" lnSpcReduction="20000"/>
+          </a:bodyPr>
           <a:lstStyle/>
           <a:p>
-            <a:r>
-              <a:rPr lang="en-US" dirty="0"/>
-              <a:t>https://</a:t>
-            </a:r>
-            <a:r>
-              <a:rPr lang="en-US" dirty="0" err="1"/>
-              <a:t>blog.angularindepth.com</a:t>
-            </a:r>
-            <a:r>
-              <a:rPr lang="en-US" dirty="0"/>
-              <a:t>/angular-question-rxjs-subscribe-vs-async-pipe-in-component-templates-c956c8c0c794</a:t>
-            </a:r>
+            <a:endParaRPr/>
           </a:p>
         </p:txBody>
       </p:sp>
     </p:spTree>
     <p:extLst>
       <p:ext uri="{BB962C8B-B14F-4D97-AF65-F5344CB8AC3E}">
-        <p14:creationId xmlns:p14="http://schemas.microsoft.com/office/powerpoint/2010/main" val="2344876322"/>
+        <p14:creationId xmlns:p14="http://schemas.microsoft.com/office/powerpoint/2010/main" val="2809481696"/>
       </p:ext>
     </p:extLst>
   </p:cSld>
@@ -2612,7 +2601,7 @@
     </p:spTree>
     <p:extLst>
       <p:ext uri="{BB962C8B-B14F-4D97-AF65-F5344CB8AC3E}">
-        <p14:creationId xmlns:p14="http://schemas.microsoft.com/office/powerpoint/2010/main" val="830136536"/>
+        <p14:creationId xmlns:p14="http://schemas.microsoft.com/office/powerpoint/2010/main" val="2344876322"/>
       </p:ext>
     </p:extLst>
   </p:cSld>
@@ -2623,57 +2612,6 @@
 </file>
 
 <file path=ppt/notesSlides/notesSlide31.xml><?xml version="1.0" encoding="utf-8"?>
-<p:notes xmlns:a="http://schemas.openxmlformats.org/drawingml/2006/main" xmlns:r="http://schemas.openxmlformats.org/officeDocument/2006/relationships" xmlns:p="http://schemas.openxmlformats.org/presentationml/2006/main">
-  <p:cSld>
-    <p:spTree>
-      <p:nvGrpSpPr>
-        <p:cNvPr id="1" name=""/>
-        <p:cNvGrpSpPr/>
-        <p:nvPr/>
-      </p:nvGrpSpPr>
-      <p:grpSpPr>
-        <a:xfrm>
-          <a:off x="0" y="0"/>
-          <a:ext cx="0" cy="0"/>
-          <a:chOff x="0" y="0"/>
-          <a:chExt cx="0" cy="0"/>
-        </a:xfrm>
-      </p:grpSpPr>
-      <p:sp>
-        <p:nvSpPr>
-          <p:cNvPr id="2" name="Notes Placeholder"/>
-          <p:cNvSpPr>
-            <a:spLocks noGrp="1"/>
-          </p:cNvSpPr>
-          <p:nvPr>
-            <p:ph type="body" idx="1"/>
-          </p:nvPr>
-        </p:nvSpPr>
-        <p:spPr/>
-        <p:txBody>
-          <a:bodyPr>
-            <a:normAutofit fontScale="25000" lnSpcReduction="20000"/>
-          </a:bodyPr>
-          <a:lstStyle/>
-          <a:p>
-            <a:endParaRPr/>
-          </a:p>
-        </p:txBody>
-      </p:sp>
-    </p:spTree>
-    <p:extLst>
-      <p:ext uri="{BB962C8B-B14F-4D97-AF65-F5344CB8AC3E}">
-        <p14:creationId xmlns:p14="http://schemas.microsoft.com/office/powerpoint/2010/main" val="3903175899"/>
-      </p:ext>
-    </p:extLst>
-  </p:cSld>
-  <p:clrMapOvr>
-    <a:masterClrMapping/>
-  </p:clrMapOvr>
-</p:notes>
-</file>
-
-<file path=ppt/notesSlides/notesSlide32.xml><?xml version="1.0" encoding="utf-8"?>
 <p:notes xmlns:a="http://schemas.openxmlformats.org/drawingml/2006/main" xmlns:r="http://schemas.openxmlformats.org/officeDocument/2006/relationships" xmlns:p="http://schemas.openxmlformats.org/presentationml/2006/main">
   <p:cSld>
     <p:spTree>
@@ -2757,7 +2695,58 @@
     </p:spTree>
     <p:extLst>
       <p:ext uri="{BB962C8B-B14F-4D97-AF65-F5344CB8AC3E}">
-        <p14:creationId xmlns:p14="http://schemas.microsoft.com/office/powerpoint/2010/main" val="1963612861"/>
+        <p14:creationId xmlns:p14="http://schemas.microsoft.com/office/powerpoint/2010/main" val="830136536"/>
+      </p:ext>
+    </p:extLst>
+  </p:cSld>
+  <p:clrMapOvr>
+    <a:masterClrMapping/>
+  </p:clrMapOvr>
+</p:notes>
+</file>
+
+<file path=ppt/notesSlides/notesSlide32.xml><?xml version="1.0" encoding="utf-8"?>
+<p:notes xmlns:a="http://schemas.openxmlformats.org/drawingml/2006/main" xmlns:r="http://schemas.openxmlformats.org/officeDocument/2006/relationships" xmlns:p="http://schemas.openxmlformats.org/presentationml/2006/main">
+  <p:cSld>
+    <p:spTree>
+      <p:nvGrpSpPr>
+        <p:cNvPr id="1" name=""/>
+        <p:cNvGrpSpPr/>
+        <p:nvPr/>
+      </p:nvGrpSpPr>
+      <p:grpSpPr>
+        <a:xfrm>
+          <a:off x="0" y="0"/>
+          <a:ext cx="0" cy="0"/>
+          <a:chOff x="0" y="0"/>
+          <a:chExt cx="0" cy="0"/>
+        </a:xfrm>
+      </p:grpSpPr>
+      <p:sp>
+        <p:nvSpPr>
+          <p:cNvPr id="2" name="Notes Placeholder"/>
+          <p:cNvSpPr>
+            <a:spLocks noGrp="1"/>
+          </p:cNvSpPr>
+          <p:nvPr>
+            <p:ph type="body" idx="1"/>
+          </p:nvPr>
+        </p:nvSpPr>
+        <p:spPr/>
+        <p:txBody>
+          <a:bodyPr>
+            <a:normAutofit fontScale="25000" lnSpcReduction="20000"/>
+          </a:bodyPr>
+          <a:lstStyle/>
+          <a:p>
+            <a:endParaRPr/>
+          </a:p>
+        </p:txBody>
+      </p:sp>
+    </p:spTree>
+    <p:extLst>
+      <p:ext uri="{BB962C8B-B14F-4D97-AF65-F5344CB8AC3E}">
+        <p14:creationId xmlns:p14="http://schemas.microsoft.com/office/powerpoint/2010/main" val="3903175899"/>
       </p:ext>
     </p:extLst>
   </p:cSld>
@@ -2833,14 +2822,25 @@
           <a:bodyPr/>
           <a:lstStyle/>
           <a:p>
-            <a:endParaRPr lang="en-US" dirty="0"/>
+            <a:r>
+              <a:rPr lang="en-US" dirty="0"/>
+              <a:t>https://</a:t>
+            </a:r>
+            <a:r>
+              <a:rPr lang="en-US" dirty="0" err="1"/>
+              <a:t>blog.angularindepth.com</a:t>
+            </a:r>
+            <a:r>
+              <a:rPr lang="en-US" dirty="0"/>
+              <a:t>/angular-question-rxjs-subscribe-vs-async-pipe-in-component-templates-c956c8c0c794</a:t>
+            </a:r>
           </a:p>
         </p:txBody>
       </p:sp>
     </p:spTree>
     <p:extLst>
       <p:ext uri="{BB962C8B-B14F-4D97-AF65-F5344CB8AC3E}">
-        <p14:creationId xmlns:p14="http://schemas.microsoft.com/office/powerpoint/2010/main" val="2714548341"/>
+        <p14:creationId xmlns:p14="http://schemas.microsoft.com/office/powerpoint/2010/main" val="1963612861"/>
       </p:ext>
     </p:extLst>
   </p:cSld>
@@ -2869,7 +2869,33 @@
       </p:grpSpPr>
       <p:sp>
         <p:nvSpPr>
-          <p:cNvPr id="2" name="Notes Placeholder"/>
+          <p:cNvPr id="2" name="Slide Image Placeholder 1"/>
+          <p:cNvSpPr>
+            <a:spLocks noGrp="1" noRot="1" noChangeAspect="1"/>
+          </p:cNvSpPr>
+          <p:nvPr>
+            <p:ph type="sldImg"/>
+          </p:nvPr>
+        </p:nvSpPr>
+        <p:spPr>
+          <a:xfrm>
+            <a:off x="3543300" y="946150"/>
+            <a:ext cx="3606800" cy="2551113"/>
+          </a:xfrm>
+          <a:prstGeom prst="rect">
+            <a:avLst/>
+          </a:prstGeom>
+          <a:noFill/>
+          <a:ln w="12700">
+            <a:solidFill>
+              <a:prstClr val="black"/>
+            </a:solidFill>
+          </a:ln>
+        </p:spPr>
+      </p:sp>
+      <p:sp>
+        <p:nvSpPr>
+          <p:cNvPr id="3" name="Notes Placeholder 2"/>
           <p:cNvSpPr>
             <a:spLocks noGrp="1"/>
           </p:cNvSpPr>
@@ -2877,21 +2903,27 @@
             <p:ph type="body" idx="1"/>
           </p:nvPr>
         </p:nvSpPr>
-        <p:spPr/>
+        <p:spPr>
+          <a:xfrm>
+            <a:off x="1069975" y="3640138"/>
+            <a:ext cx="8553450" cy="2978150"/>
+          </a:xfrm>
+          <a:prstGeom prst="rect">
+            <a:avLst/>
+          </a:prstGeom>
+        </p:spPr>
         <p:txBody>
-          <a:bodyPr>
-            <a:normAutofit fontScale="25000" lnSpcReduction="20000"/>
-          </a:bodyPr>
+          <a:bodyPr/>
           <a:lstStyle/>
           <a:p>
-            <a:endParaRPr/>
+            <a:endParaRPr lang="en-US" dirty="0"/>
           </a:p>
         </p:txBody>
       </p:sp>
     </p:spTree>
     <p:extLst>
       <p:ext uri="{BB962C8B-B14F-4D97-AF65-F5344CB8AC3E}">
-        <p14:creationId xmlns:p14="http://schemas.microsoft.com/office/powerpoint/2010/main" val="1510819769"/>
+        <p14:creationId xmlns:p14="http://schemas.microsoft.com/office/powerpoint/2010/main" val="2714548341"/>
       </p:ext>
     </p:extLst>
   </p:cSld>
@@ -2940,6 +2972,11 @@
         </p:txBody>
       </p:sp>
     </p:spTree>
+    <p:extLst>
+      <p:ext uri="{BB962C8B-B14F-4D97-AF65-F5344CB8AC3E}">
+        <p14:creationId xmlns:p14="http://schemas.microsoft.com/office/powerpoint/2010/main" val="1510819769"/>
+      </p:ext>
+    </p:extLst>
   </p:cSld>
   <p:clrMapOvr>
     <a:masterClrMapping/>
@@ -2994,6 +3031,52 @@
 </file>
 
 <file path=ppt/notesSlides/notesSlide37.xml><?xml version="1.0" encoding="utf-8"?>
+<p:notes xmlns:a="http://schemas.openxmlformats.org/drawingml/2006/main" xmlns:r="http://schemas.openxmlformats.org/officeDocument/2006/relationships" xmlns:p="http://schemas.openxmlformats.org/presentationml/2006/main">
+  <p:cSld>
+    <p:spTree>
+      <p:nvGrpSpPr>
+        <p:cNvPr id="1" name=""/>
+        <p:cNvGrpSpPr/>
+        <p:nvPr/>
+      </p:nvGrpSpPr>
+      <p:grpSpPr>
+        <a:xfrm>
+          <a:off x="0" y="0"/>
+          <a:ext cx="0" cy="0"/>
+          <a:chOff x="0" y="0"/>
+          <a:chExt cx="0" cy="0"/>
+        </a:xfrm>
+      </p:grpSpPr>
+      <p:sp>
+        <p:nvSpPr>
+          <p:cNvPr id="2" name="Notes Placeholder"/>
+          <p:cNvSpPr>
+            <a:spLocks noGrp="1"/>
+          </p:cNvSpPr>
+          <p:nvPr>
+            <p:ph type="body" idx="1"/>
+          </p:nvPr>
+        </p:nvSpPr>
+        <p:spPr/>
+        <p:txBody>
+          <a:bodyPr>
+            <a:normAutofit fontScale="25000" lnSpcReduction="20000"/>
+          </a:bodyPr>
+          <a:lstStyle/>
+          <a:p>
+            <a:endParaRPr/>
+          </a:p>
+        </p:txBody>
+      </p:sp>
+    </p:spTree>
+  </p:cSld>
+  <p:clrMapOvr>
+    <a:masterClrMapping/>
+  </p:clrMapOvr>
+</p:notes>
+</file>
+
+<file path=ppt/notesSlides/notesSlide38.xml><?xml version="1.0" encoding="utf-8"?>
 <p:notes xmlns:a="http://schemas.openxmlformats.org/drawingml/2006/main" xmlns:r="http://schemas.openxmlformats.org/officeDocument/2006/relationships" xmlns:p="http://schemas.openxmlformats.org/presentationml/2006/main">
   <p:cSld>
     <p:spTree>
@@ -3464,7 +3547,7 @@
           <a:p>
             <a:fld id="{9C322094-E358-534C-BE80-A03A09CAF25D}" type="datetime1">
               <a:rPr lang="en-US" smtClean="0"/>
-              <a:t>4/16/21</a:t>
+              <a:t>7/8/21</a:t>
             </a:fld>
             <a:endParaRPr lang="en-US"/>
           </a:p>
@@ -3618,7 +3701,7 @@
           <a:p>
             <a:fld id="{9966B5DA-DEE5-8644-9F0E-DBCE6D1C3A42}" type="datetime1">
               <a:rPr lang="en-US" smtClean="0"/>
-              <a:t>4/16/21</a:t>
+              <a:t>7/8/21</a:t>
             </a:fld>
             <a:endParaRPr lang="en-US"/>
           </a:p>
@@ -3809,7 +3892,7 @@
           <a:p>
             <a:fld id="{41F97762-3263-DF49-80A6-CD151E4C6914}" type="datetime1">
               <a:rPr lang="en-US" smtClean="0"/>
-              <a:t>4/16/21</a:t>
+              <a:t>7/8/21</a:t>
             </a:fld>
             <a:endParaRPr lang="en-US"/>
           </a:p>
@@ -3934,7 +4017,7 @@
           <a:p>
             <a:fld id="{526BEC33-56F8-0444-9BA6-E82DAC05C6FD}" type="datetime1">
               <a:rPr lang="en-US" smtClean="0"/>
-              <a:t>4/16/21</a:t>
+              <a:t>7/8/21</a:t>
             </a:fld>
             <a:endParaRPr lang="en-US"/>
           </a:p>
@@ -4030,7 +4113,7 @@
           <a:p>
             <a:fld id="{B78498E7-83D0-C34B-8AF7-9656E256FA44}" type="datetime1">
               <a:rPr lang="en-US" smtClean="0"/>
-              <a:t>4/16/21</a:t>
+              <a:t>7/8/21</a:t>
             </a:fld>
             <a:endParaRPr lang="en-US"/>
           </a:p>
@@ -4148,7 +4231,7 @@
           <a:p>
             <a:fld id="{9379F80A-5E69-4003-A4CA-EECDF3CD699D}" type="datetimeFigureOut">
               <a:rPr lang="nl-NL" smtClean="0"/>
-              <a:t>16-04-2021</a:t>
+              <a:t>08-07-2021</a:t>
             </a:fld>
             <a:endParaRPr lang="nl-NL"/>
           </a:p>
@@ -4396,7 +4479,7 @@
           <a:p>
             <a:fld id="{ECAC77C6-CD6A-8242-9423-990DEB973133}" type="datetime1">
               <a:rPr lang="en-US" smtClean="0"/>
-              <a:t>4/16/21</a:t>
+              <a:t>7/8/21</a:t>
             </a:fld>
             <a:endParaRPr lang="en-US"/>
           </a:p>
@@ -5890,11 +5973,18 @@
               </a:spcBef>
             </a:pPr>
             <a:r>
+              <a:rPr sz="1700" spc="-5" dirty="0" err="1">
+                <a:latin typeface="Consolas"/>
+                <a:cs typeface="Consolas"/>
+              </a:rPr>
+              <a:t>getCities</a:t>
+            </a:r>
+            <a:r>
               <a:rPr sz="1700" spc="-5" dirty="0">
                 <a:latin typeface="Consolas"/>
                 <a:cs typeface="Consolas"/>
               </a:rPr>
-              <a:t>getCities(</a:t>
+              <a:t>(</a:t>
             </a:r>
             <a:r>
               <a:rPr sz="1700" spc="5" dirty="0">
@@ -5902,6 +5992,27 @@
                 <a:cs typeface="Consolas"/>
               </a:rPr>
               <a:t>)</a:t>
+            </a:r>
+            <a:r>
+              <a:rPr lang="nl-NL" sz="1700" spc="5" dirty="0">
+                <a:latin typeface="Consolas"/>
+                <a:cs typeface="Consolas"/>
+              </a:rPr>
+              <a:t>: </a:t>
+            </a:r>
+            <a:r>
+              <a:rPr lang="en-US" sz="1700" spc="-5" dirty="0">
+                <a:latin typeface="Consolas"/>
+                <a:cs typeface="Consolas"/>
+              </a:rPr>
+              <a:t>City[</a:t>
+            </a:r>
+            <a:r>
+              <a:rPr lang="en-US" sz="1700" spc="5" dirty="0">
+                <a:latin typeface="Consolas"/>
+                <a:cs typeface="Consolas"/>
+              </a:rPr>
+              <a:t>]</a:t>
             </a:r>
             <a:r>
               <a:rPr sz="1700" dirty="0">
@@ -6310,10 +6421,17 @@
                 <a:latin typeface="Consolas"/>
                 <a:cs typeface="Consolas"/>
               </a:rPr>
-              <a:t>getCity(id:</a:t>
-            </a:r>
-            <a:r>
-              <a:rPr sz="1700" spc="-5" dirty="0">
+              <a:t>getCity(</a:t>
+            </a:r>
+            <a:r>
+              <a:rPr sz="1700" spc="-5" dirty="0" err="1">
+                <a:latin typeface="Consolas"/>
+                <a:cs typeface="Consolas"/>
+              </a:rPr>
+              <a:t>id:</a:t>
+            </a:r>
+            <a:r>
+              <a:rPr lang="en-US" sz="1700" spc="-5" dirty="0" err="1">
                 <a:solidFill>
                   <a:srgbClr val="000080"/>
                 </a:solidFill>
@@ -6335,6 +6453,13 @@
                 <a:cs typeface="Times New Roman"/>
               </a:rPr>
               <a:t> </a:t>
+            </a:r>
+            <a:r>
+              <a:rPr lang="nl-NL" sz="1700" dirty="0">
+                <a:latin typeface="Times New Roman"/>
+                <a:cs typeface="Times New Roman"/>
+              </a:rPr>
+              <a:t>: City</a:t>
             </a:r>
             <a:r>
               <a:rPr sz="1700" spc="85" dirty="0">
@@ -6405,105 +6530,126 @@
               <a:t> </a:t>
             </a:r>
             <a:r>
+              <a:rPr sz="1700" spc="-5" dirty="0" err="1">
+                <a:solidFill>
+                  <a:srgbClr val="000080"/>
+                </a:solidFill>
+                <a:latin typeface="Consolas"/>
+                <a:cs typeface="Consolas"/>
+              </a:rPr>
+              <a:t>this</a:t>
+            </a:r>
+            <a:r>
+              <a:rPr sz="1700" spc="-5" dirty="0" err="1">
+                <a:latin typeface="Consolas"/>
+                <a:cs typeface="Consolas"/>
+              </a:rPr>
+              <a:t>.cities.find</a:t>
+            </a:r>
+            <a:r>
               <a:rPr sz="1700" spc="-5" dirty="0">
-                <a:solidFill>
-                  <a:srgbClr val="000080"/>
-                </a:solidFill>
-                <a:latin typeface="Consolas"/>
-                <a:cs typeface="Consolas"/>
-              </a:rPr>
-              <a:t>this</a:t>
+                <a:latin typeface="Consolas"/>
+                <a:cs typeface="Consolas"/>
+              </a:rPr>
+              <a:t>(</a:t>
+            </a:r>
+            <a:r>
+              <a:rPr lang="nl-NL" sz="1700" spc="5" dirty="0">
+                <a:latin typeface="Consolas"/>
+                <a:cs typeface="Consolas"/>
+              </a:rPr>
+              <a:t>c</a:t>
+            </a:r>
+            <a:r>
+              <a:rPr sz="1700" dirty="0">
+                <a:latin typeface="Times New Roman"/>
+                <a:cs typeface="Times New Roman"/>
+              </a:rPr>
+              <a:t> </a:t>
+            </a:r>
+            <a:r>
+              <a:rPr sz="1700" spc="85" dirty="0">
+                <a:latin typeface="Times New Roman"/>
+                <a:cs typeface="Times New Roman"/>
+              </a:rPr>
+              <a:t> </a:t>
             </a:r>
             <a:r>
               <a:rPr sz="1700" spc="-5" dirty="0">
                 <a:latin typeface="Consolas"/>
                 <a:cs typeface="Consolas"/>
               </a:rPr>
-              <a:t>.cities.find(</a:t>
+              <a:t>=</a:t>
             </a:r>
             <a:r>
               <a:rPr sz="1700" spc="5" dirty="0">
                 <a:latin typeface="Consolas"/>
                 <a:cs typeface="Consolas"/>
               </a:rPr>
+              <a:t>&gt;</a:t>
+            </a:r>
+            <a:r>
+              <a:rPr sz="1700" dirty="0">
+                <a:latin typeface="Times New Roman"/>
+                <a:cs typeface="Times New Roman"/>
+              </a:rPr>
+              <a:t> </a:t>
+            </a:r>
+            <a:r>
+              <a:rPr sz="1700" spc="80" dirty="0">
+                <a:latin typeface="Times New Roman"/>
+                <a:cs typeface="Times New Roman"/>
+              </a:rPr>
+              <a:t> </a:t>
+            </a:r>
+            <a:r>
+              <a:rPr lang="nl-NL" sz="1700" spc="80" dirty="0">
+                <a:latin typeface="Consolas"/>
+                <a:cs typeface="Consolas"/>
+              </a:rPr>
               <a:t>c</a:t>
             </a:r>
             <a:r>
               <a:rPr sz="1700" dirty="0">
+                <a:latin typeface="Consolas"/>
+                <a:cs typeface="Consolas"/>
+              </a:rPr>
+              <a:t>.i</a:t>
+            </a:r>
+            <a:r>
+              <a:rPr sz="1700" spc="5" dirty="0">
+                <a:latin typeface="Consolas"/>
+                <a:cs typeface="Consolas"/>
+              </a:rPr>
+              <a:t>d</a:t>
+            </a:r>
+            <a:r>
+              <a:rPr sz="1700" dirty="0">
                 <a:latin typeface="Times New Roman"/>
                 <a:cs typeface="Times New Roman"/>
               </a:rPr>
               <a:t> </a:t>
             </a:r>
             <a:r>
-              <a:rPr sz="1700" spc="85" dirty="0">
+              <a:rPr sz="1700" spc="80" dirty="0">
                 <a:latin typeface="Times New Roman"/>
                 <a:cs typeface="Times New Roman"/>
               </a:rPr>
               <a:t> </a:t>
             </a:r>
             <a:r>
-              <a:rPr sz="1700" spc="-5" dirty="0">
+              <a:rPr lang="nl-NL" sz="1700" spc="80" dirty="0">
                 <a:latin typeface="Consolas"/>
                 <a:cs typeface="Consolas"/>
               </a:rPr>
               <a:t>=</a:t>
             </a:r>
             <a:r>
-              <a:rPr sz="1700" spc="5" dirty="0">
-                <a:latin typeface="Consolas"/>
-                <a:cs typeface="Consolas"/>
-              </a:rPr>
-              <a:t>&gt;</a:t>
-            </a:r>
-            <a:r>
               <a:rPr sz="1700" dirty="0">
-                <a:latin typeface="Times New Roman"/>
-                <a:cs typeface="Times New Roman"/>
-              </a:rPr>
-              <a:t> </a:t>
-            </a:r>
-            <a:r>
-              <a:rPr sz="1700" spc="80" dirty="0">
-                <a:latin typeface="Times New Roman"/>
-                <a:cs typeface="Times New Roman"/>
-              </a:rPr>
-              <a:t> </a:t>
-            </a:r>
-            <a:r>
-              <a:rPr sz="1700" dirty="0">
-                <a:latin typeface="Consolas"/>
-                <a:cs typeface="Consolas"/>
-              </a:rPr>
-              <a:t>c.i</a:t>
-            </a:r>
-            <a:r>
-              <a:rPr sz="1700" spc="5" dirty="0">
-                <a:latin typeface="Consolas"/>
-                <a:cs typeface="Consolas"/>
-              </a:rPr>
-              <a:t>d</a:t>
-            </a:r>
-            <a:r>
-              <a:rPr sz="1700" dirty="0">
-                <a:latin typeface="Times New Roman"/>
-                <a:cs typeface="Times New Roman"/>
-              </a:rPr>
-              <a:t> </a:t>
-            </a:r>
-            <a:r>
-              <a:rPr sz="1700" spc="80" dirty="0">
-                <a:latin typeface="Times New Roman"/>
-                <a:cs typeface="Times New Roman"/>
-              </a:rPr>
-              <a:t> </a:t>
-            </a:r>
-            <a:r>
-              <a:rPr sz="1700" dirty="0">
-                <a:latin typeface="Consolas"/>
-                <a:cs typeface="Consolas"/>
-              </a:rPr>
-              <a:t>==</a:t>
+                <a:latin typeface="Consolas"/>
+                <a:cs typeface="Consolas"/>
+              </a:rPr>
+              <a:t>=</a:t>
             </a:r>
             <a:r>
               <a:rPr sz="1700" spc="5" dirty="0">
@@ -6727,7 +6873,7 @@
               </a:rPr>
               <a:t>…</a:t>
             </a:r>
-            <a:endParaRPr sz="1500">
+            <a:endParaRPr sz="1500" dirty="0">
               <a:latin typeface="Consolas"/>
               <a:cs typeface="Consolas"/>
             </a:endParaRPr>
@@ -6859,10 +7005,6 @@
               </a:rPr>
               <a:t>;</a:t>
             </a:r>
-            <a:endParaRPr sz="1500">
-              <a:latin typeface="Consolas"/>
-              <a:cs typeface="Consolas"/>
-            </a:endParaRPr>
           </a:p>
           <a:p>
             <a:pPr>
@@ -6873,7 +7015,7 @@
                 <a:spcPts val="41"/>
               </a:spcBef>
             </a:pPr>
-            <a:endParaRPr sz="1550">
+            <a:endParaRPr sz="1550" dirty="0">
               <a:latin typeface="Times New Roman"/>
               <a:cs typeface="Times New Roman"/>
             </a:endParaRPr>
@@ -6891,7 +7033,7 @@
               </a:rPr>
               <a:t>@Component({</a:t>
             </a:r>
-            <a:endParaRPr sz="1500">
+            <a:endParaRPr sz="1500" dirty="0">
               <a:latin typeface="Consolas"/>
               <a:cs typeface="Consolas"/>
             </a:endParaRPr>
@@ -7066,10 +7208,6 @@
               </a:rPr>
               <a:t>,</a:t>
             </a:r>
-            <a:endParaRPr sz="1500">
-              <a:latin typeface="Consolas"/>
-              <a:cs typeface="Consolas"/>
-            </a:endParaRPr>
           </a:p>
           <a:p>
             <a:pPr marL="12700">
@@ -7087,10 +7225,6 @@
               </a:rPr>
               <a:t>})</a:t>
             </a:r>
-            <a:endParaRPr sz="1500">
-              <a:latin typeface="Consolas"/>
-              <a:cs typeface="Consolas"/>
-            </a:endParaRPr>
           </a:p>
         </p:txBody>
       </p:sp>
@@ -10033,7 +10167,7 @@
         <p:spPr>
           <a:xfrm>
             <a:off x="3164845" y="5052293"/>
-            <a:ext cx="4100829" cy="640080"/>
+            <a:ext cx="4100829" cy="925894"/>
           </a:xfrm>
           <a:prstGeom prst="rect">
             <a:avLst/>
@@ -10118,7 +10252,28 @@
                 <a:latin typeface="Consolas"/>
                 <a:cs typeface="Consolas"/>
               </a:rPr>
-              <a:t>[CityService</a:t>
+              <a:t>[</a:t>
+            </a:r>
+            <a:r>
+              <a:rPr sz="1700" spc="-5" dirty="0" err="1">
+                <a:latin typeface="Consolas"/>
+                <a:cs typeface="Consolas"/>
+              </a:rPr>
+              <a:t>CityService</a:t>
+            </a:r>
+            <a:r>
+              <a:rPr lang="nl-NL" sz="1700" spc="-5" dirty="0">
+                <a:latin typeface="Consolas"/>
+                <a:cs typeface="Consolas"/>
+              </a:rPr>
+              <a:t>, </a:t>
+            </a:r>
+            <a:r>
+              <a:rPr lang="nl-NL" sz="1700" spc="-5" dirty="0" err="1">
+                <a:latin typeface="Consolas"/>
+                <a:cs typeface="Consolas"/>
+              </a:rPr>
+              <a:t>GoogleService</a:t>
             </a:r>
             <a:r>
               <a:rPr sz="1700" spc="5" dirty="0">
@@ -13272,7 +13427,7 @@
                 <a:latin typeface="Verdana" panose="020B0604030504040204" pitchFamily="34" charset="0"/>
                 <a:ea typeface="Verdana" panose="020B0604030504040204" pitchFamily="34" charset="0"/>
                 <a:cs typeface="Verdana" panose="020B0604030504040204" pitchFamily="34" charset="0"/>
-                <a:hlinkClick r:id="rId2"/>
+                <a:hlinkClick r:id="rId3"/>
               </a:rPr>
               <a:t>http://rxmarbles.com/</a:t>
             </a:r>
@@ -19062,7 +19217,7 @@
               </a:rPr>
               <a:t>"id"</a:t>
             </a:r>
-            <a:endParaRPr sz="2150">
+            <a:endParaRPr sz="2150" dirty="0">
               <a:latin typeface="Consolas"/>
               <a:cs typeface="Consolas"/>
             </a:endParaRPr>
@@ -19106,7 +19261,7 @@
               </a:rPr>
               <a:t>"province"</a:t>
             </a:r>
-            <a:endParaRPr sz="2150">
+            <a:endParaRPr sz="2150" dirty="0">
               <a:latin typeface="Consolas"/>
               <a:cs typeface="Consolas"/>
             </a:endParaRPr>
@@ -19349,7 +19504,7 @@
               </a:rPr>
               <a:t>"Martinitoren"</a:t>
             </a:r>
-            <a:endParaRPr sz="2150">
+            <a:endParaRPr sz="2150" dirty="0">
               <a:latin typeface="Consolas"/>
               <a:cs typeface="Consolas"/>
             </a:endParaRPr>
@@ -19370,10 +19525,6 @@
               </a:rPr>
               <a:t>},</a:t>
             </a:r>
-            <a:endParaRPr sz="2150">
-              <a:latin typeface="Consolas"/>
-              <a:cs typeface="Consolas"/>
-            </a:endParaRPr>
           </a:p>
           <a:p>
             <a:pPr marL="314325">
@@ -19391,10 +19542,6 @@
               </a:rPr>
               <a:t>…</a:t>
             </a:r>
-            <a:endParaRPr sz="2150">
-              <a:latin typeface="Consolas"/>
-              <a:cs typeface="Consolas"/>
-            </a:endParaRPr>
           </a:p>
           <a:p>
             <a:pPr marL="12700">
@@ -19412,10 +19559,6 @@
               </a:rPr>
               <a:t>]</a:t>
             </a:r>
-            <a:endParaRPr sz="2150">
-              <a:latin typeface="Consolas"/>
-              <a:cs typeface="Consolas"/>
-            </a:endParaRPr>
           </a:p>
         </p:txBody>
       </p:sp>
@@ -24652,7 +24795,7 @@
               </a:rPr>
               <a:t>error</a:t>
             </a:r>
-            <a:endParaRPr sz="1600">
+            <a:endParaRPr sz="1600" dirty="0">
               <a:latin typeface="Verdana"/>
               <a:cs typeface="Verdana"/>
             </a:endParaRPr>
@@ -24678,7 +24821,7 @@
               </a:rPr>
               <a:t>complete</a:t>
             </a:r>
-            <a:endParaRPr sz="1600">
+            <a:endParaRPr sz="1600" dirty="0">
               <a:latin typeface="Verdana"/>
               <a:cs typeface="Verdana"/>
             </a:endParaRPr>
